--- a/slides/VirttopoMapper.pptx
+++ b/slides/VirttopoMapper.pptx
@@ -104,6 +104,11 @@
       </a:defRPr>
     </a:lvl9pPr>
   </p:defaultTextStyle>
+  <p:extLst>
+    <p:ext uri="{EFAFB233-063F-42B5-8137-9DF3F51BA10A}">
+      <p15:sldGuideLst xmlns:p15="http://schemas.microsoft.com/office/powerpoint/2012/main"/>
+    </p:ext>
+  </p:extLst>
 </p:presentation>
 </file>
 
@@ -238,7 +243,7 @@
           <a:p>
             <a:fld id="{ECD9E799-BB39-4AF9-B4FA-779C597765DB}" type="datetimeFigureOut">
               <a:rPr lang="en-US" smtClean="0"/>
-              <a:t>1/11/2017</a:t>
+              <a:t>1/27/2017</a:t>
             </a:fld>
             <a:endParaRPr lang="en-US"/>
           </a:p>
@@ -408,7 +413,7 @@
           <a:p>
             <a:fld id="{ECD9E799-BB39-4AF9-B4FA-779C597765DB}" type="datetimeFigureOut">
               <a:rPr lang="en-US" smtClean="0"/>
-              <a:t>1/11/2017</a:t>
+              <a:t>1/27/2017</a:t>
             </a:fld>
             <a:endParaRPr lang="en-US"/>
           </a:p>
@@ -588,7 +593,7 @@
           <a:p>
             <a:fld id="{ECD9E799-BB39-4AF9-B4FA-779C597765DB}" type="datetimeFigureOut">
               <a:rPr lang="en-US" smtClean="0"/>
-              <a:t>1/11/2017</a:t>
+              <a:t>1/27/2017</a:t>
             </a:fld>
             <a:endParaRPr lang="en-US"/>
           </a:p>
@@ -758,7 +763,7 @@
           <a:p>
             <a:fld id="{ECD9E799-BB39-4AF9-B4FA-779C597765DB}" type="datetimeFigureOut">
               <a:rPr lang="en-US" smtClean="0"/>
-              <a:t>1/11/2017</a:t>
+              <a:t>1/27/2017</a:t>
             </a:fld>
             <a:endParaRPr lang="en-US"/>
           </a:p>
@@ -1004,7 +1009,7 @@
           <a:p>
             <a:fld id="{ECD9E799-BB39-4AF9-B4FA-779C597765DB}" type="datetimeFigureOut">
               <a:rPr lang="en-US" smtClean="0"/>
-              <a:t>1/11/2017</a:t>
+              <a:t>1/27/2017</a:t>
             </a:fld>
             <a:endParaRPr lang="en-US"/>
           </a:p>
@@ -1236,7 +1241,7 @@
           <a:p>
             <a:fld id="{ECD9E799-BB39-4AF9-B4FA-779C597765DB}" type="datetimeFigureOut">
               <a:rPr lang="en-US" smtClean="0"/>
-              <a:t>1/11/2017</a:t>
+              <a:t>1/27/2017</a:t>
             </a:fld>
             <a:endParaRPr lang="en-US"/>
           </a:p>
@@ -1603,7 +1608,7 @@
           <a:p>
             <a:fld id="{ECD9E799-BB39-4AF9-B4FA-779C597765DB}" type="datetimeFigureOut">
               <a:rPr lang="en-US" smtClean="0"/>
-              <a:t>1/11/2017</a:t>
+              <a:t>1/27/2017</a:t>
             </a:fld>
             <a:endParaRPr lang="en-US"/>
           </a:p>
@@ -1721,7 +1726,7 @@
           <a:p>
             <a:fld id="{ECD9E799-BB39-4AF9-B4FA-779C597765DB}" type="datetimeFigureOut">
               <a:rPr lang="en-US" smtClean="0"/>
-              <a:t>1/11/2017</a:t>
+              <a:t>1/27/2017</a:t>
             </a:fld>
             <a:endParaRPr lang="en-US"/>
           </a:p>
@@ -1816,7 +1821,7 @@
           <a:p>
             <a:fld id="{ECD9E799-BB39-4AF9-B4FA-779C597765DB}" type="datetimeFigureOut">
               <a:rPr lang="en-US" smtClean="0"/>
-              <a:t>1/11/2017</a:t>
+              <a:t>1/27/2017</a:t>
             </a:fld>
             <a:endParaRPr lang="en-US"/>
           </a:p>
@@ -2093,7 +2098,7 @@
           <a:p>
             <a:fld id="{ECD9E799-BB39-4AF9-B4FA-779C597765DB}" type="datetimeFigureOut">
               <a:rPr lang="en-US" smtClean="0"/>
-              <a:t>1/11/2017</a:t>
+              <a:t>1/27/2017</a:t>
             </a:fld>
             <a:endParaRPr lang="en-US"/>
           </a:p>
@@ -2346,7 +2351,7 @@
           <a:p>
             <a:fld id="{ECD9E799-BB39-4AF9-B4FA-779C597765DB}" type="datetimeFigureOut">
               <a:rPr lang="en-US" smtClean="0"/>
-              <a:t>1/11/2017</a:t>
+              <a:t>1/27/2017</a:t>
             </a:fld>
             <a:endParaRPr lang="en-US"/>
           </a:p>
@@ -2559,7 +2564,7 @@
           <a:p>
             <a:fld id="{ECD9E799-BB39-4AF9-B4FA-779C597765DB}" type="datetimeFigureOut">
               <a:rPr lang="en-US" smtClean="0"/>
-              <a:t>1/11/2017</a:t>
+              <a:t>1/27/2017</a:t>
             </a:fld>
             <a:endParaRPr lang="en-US"/>
           </a:p>
@@ -3058,8 +3063,8 @@
         </p:nvSpPr>
         <p:spPr>
           <a:xfrm>
-            <a:off x="5734050" y="927100"/>
-            <a:ext cx="628650" cy="546100"/>
+            <a:off x="5398851" y="927100"/>
+            <a:ext cx="1264596" cy="546100"/>
           </a:xfrm>
           <a:prstGeom prst="rect">
             <a:avLst/>
@@ -3087,7 +3092,11 @@
           <a:lstStyle/>
           <a:p>
             <a:pPr algn="ctr"/>
-            <a:endParaRPr lang="en-US"/>
+            <a:r>
+              <a:rPr lang="en-US" sz="2800" dirty="0" smtClean="0"/>
+              <a:t>Core</a:t>
+            </a:r>
+            <a:endParaRPr lang="en-US" dirty="0"/>
           </a:p>
         </p:txBody>
       </p:sp>
@@ -3194,18 +3203,16 @@
         </p:spPr>
         <p:style>
           <a:lnRef idx="2">
-            <a:schemeClr val="accent1">
-              <a:shade val="50000"/>
-            </a:schemeClr>
+            <a:schemeClr val="dk1"/>
           </a:lnRef>
           <a:fillRef idx="1">
-            <a:schemeClr val="accent1"/>
+            <a:schemeClr val="lt1"/>
           </a:fillRef>
           <a:effectRef idx="0">
-            <a:schemeClr val="accent1"/>
+            <a:schemeClr val="dk1"/>
           </a:effectRef>
           <a:fontRef idx="minor">
-            <a:schemeClr val="lt1"/>
+            <a:schemeClr val="dk1"/>
           </a:fontRef>
         </p:style>
         <p:txBody>
@@ -3234,18 +3241,16 @@
         </p:spPr>
         <p:style>
           <a:lnRef idx="2">
-            <a:schemeClr val="accent1">
-              <a:shade val="50000"/>
-            </a:schemeClr>
+            <a:schemeClr val="dk1"/>
           </a:lnRef>
           <a:fillRef idx="1">
-            <a:schemeClr val="accent1"/>
+            <a:schemeClr val="lt1"/>
           </a:fillRef>
           <a:effectRef idx="0">
-            <a:schemeClr val="accent1"/>
+            <a:schemeClr val="dk1"/>
           </a:effectRef>
           <a:fontRef idx="minor">
-            <a:schemeClr val="lt1"/>
+            <a:schemeClr val="dk1"/>
           </a:fontRef>
         </p:style>
         <p:txBody>
@@ -3271,26 +3276,19 @@
           <a:prstGeom prst="rect">
             <a:avLst/>
           </a:prstGeom>
-          <a:solidFill>
-            <a:schemeClr val="accent3">
-              <a:lumMod val="75000"/>
-            </a:schemeClr>
-          </a:solidFill>
         </p:spPr>
         <p:style>
           <a:lnRef idx="2">
-            <a:schemeClr val="accent1">
-              <a:shade val="50000"/>
-            </a:schemeClr>
+            <a:schemeClr val="dk1"/>
           </a:lnRef>
           <a:fillRef idx="1">
-            <a:schemeClr val="accent1"/>
+            <a:schemeClr val="lt1"/>
           </a:fillRef>
           <a:effectRef idx="0">
-            <a:schemeClr val="accent1"/>
+            <a:schemeClr val="dk1"/>
           </a:effectRef>
           <a:fontRef idx="minor">
-            <a:schemeClr val="lt1"/>
+            <a:schemeClr val="dk1"/>
           </a:fontRef>
         </p:style>
         <p:txBody>
@@ -3316,26 +3314,19 @@
           <a:prstGeom prst="rect">
             <a:avLst/>
           </a:prstGeom>
-          <a:solidFill>
-            <a:schemeClr val="accent3">
-              <a:lumMod val="75000"/>
-            </a:schemeClr>
-          </a:solidFill>
         </p:spPr>
         <p:style>
           <a:lnRef idx="2">
-            <a:schemeClr val="accent1">
-              <a:shade val="50000"/>
-            </a:schemeClr>
+            <a:schemeClr val="dk1"/>
           </a:lnRef>
           <a:fillRef idx="1">
-            <a:schemeClr val="accent1"/>
+            <a:schemeClr val="lt1"/>
           </a:fillRef>
           <a:effectRef idx="0">
-            <a:schemeClr val="accent1"/>
+            <a:schemeClr val="dk1"/>
           </a:effectRef>
           <a:fontRef idx="minor">
-            <a:schemeClr val="lt1"/>
+            <a:schemeClr val="dk1"/>
           </a:fontRef>
         </p:style>
         <p:txBody>
@@ -4884,7 +4875,7 @@
         <p:spPr>
           <a:xfrm flipV="1">
             <a:off x="4764085" y="1200150"/>
-            <a:ext cx="969965" cy="2171700"/>
+            <a:ext cx="634766" cy="2171700"/>
           </a:xfrm>
           <a:prstGeom prst="line">
             <a:avLst/>
@@ -4915,8 +4906,8 @@
         </p:nvCxnSpPr>
         <p:spPr>
           <a:xfrm flipH="1" flipV="1">
-            <a:off x="6362700" y="1200150"/>
-            <a:ext cx="1031874" cy="2171700"/>
+            <a:off x="6663447" y="1200150"/>
+            <a:ext cx="731128" cy="2171700"/>
           </a:xfrm>
           <a:prstGeom prst="line">
             <a:avLst/>
@@ -5119,13 +5110,15 @@
       <p:cxnSp>
         <p:nvCxnSpPr>
           <p:cNvPr id="7" name="Straight Connector 6"/>
-          <p:cNvCxnSpPr/>
+          <p:cNvCxnSpPr>
+            <a:endCxn id="15" idx="1"/>
+          </p:cNvCxnSpPr>
           <p:nvPr/>
         </p:nvCxnSpPr>
         <p:spPr>
           <a:xfrm flipV="1">
-            <a:off x="4772024" y="1206500"/>
-            <a:ext cx="962026" cy="1612900"/>
+            <a:off x="4772024" y="1200150"/>
+            <a:ext cx="626827" cy="1619250"/>
           </a:xfrm>
           <a:prstGeom prst="line">
             <a:avLst/>
@@ -5149,13 +5142,15 @@
       <p:cxnSp>
         <p:nvCxnSpPr>
           <p:cNvPr id="9" name="Straight Connector 8"/>
-          <p:cNvCxnSpPr/>
+          <p:cNvCxnSpPr>
+            <a:endCxn id="15" idx="3"/>
+          </p:cNvCxnSpPr>
           <p:nvPr/>
         </p:nvCxnSpPr>
         <p:spPr>
           <a:xfrm flipH="1" flipV="1">
-            <a:off x="6362700" y="1206500"/>
-            <a:ext cx="1031873" cy="1644650"/>
+            <a:off x="6663447" y="1200150"/>
+            <a:ext cx="731127" cy="1651000"/>
           </a:xfrm>
           <a:prstGeom prst="line">
             <a:avLst/>

--- a/slides/VirttopoMapper.pptx
+++ b/slides/VirttopoMapper.pptx
@@ -2,18 +2,19 @@
 <file path=ppt/presentation.xml><?xml version="1.0" encoding="utf-8"?>
 <p:presentation xmlns:a="http://schemas.openxmlformats.org/drawingml/2006/main" xmlns:r="http://schemas.openxmlformats.org/officeDocument/2006/relationships" xmlns:p="http://schemas.openxmlformats.org/presentationml/2006/main" saveSubsetFonts="1">
   <p:sldMasterIdLst>
-    <p:sldMasterId id="2147483648" r:id="rId1"/>
+    <p:sldMasterId id="2147483672" r:id="rId1"/>
   </p:sldMasterIdLst>
   <p:sldIdLst>
     <p:sldId id="256" r:id="rId2"/>
+    <p:sldId id="257" r:id="rId3"/>
   </p:sldIdLst>
-  <p:sldSz cx="12192000" cy="6858000"/>
+  <p:sldSz cx="11887200" cy="6126163"/>
   <p:notesSz cx="6858000" cy="9144000"/>
   <p:defaultTextStyle>
     <a:defPPr>
       <a:defRPr lang="en-US"/>
     </a:defPPr>
-    <a:lvl1pPr marL="0" algn="l" defTabSz="914400" rtl="0" eaLnBrk="1" latinLnBrk="0" hangingPunct="1">
+    <a:lvl1pPr marL="0" algn="l" defTabSz="457200" rtl="0" eaLnBrk="1" latinLnBrk="0" hangingPunct="1">
       <a:defRPr sz="1800" kern="1200">
         <a:solidFill>
           <a:schemeClr val="tx1"/>
@@ -23,7 +24,7 @@
         <a:cs typeface="+mn-cs"/>
       </a:defRPr>
     </a:lvl1pPr>
-    <a:lvl2pPr marL="457200" algn="l" defTabSz="914400" rtl="0" eaLnBrk="1" latinLnBrk="0" hangingPunct="1">
+    <a:lvl2pPr marL="457200" algn="l" defTabSz="457200" rtl="0" eaLnBrk="1" latinLnBrk="0" hangingPunct="1">
       <a:defRPr sz="1800" kern="1200">
         <a:solidFill>
           <a:schemeClr val="tx1"/>
@@ -33,7 +34,7 @@
         <a:cs typeface="+mn-cs"/>
       </a:defRPr>
     </a:lvl2pPr>
-    <a:lvl3pPr marL="914400" algn="l" defTabSz="914400" rtl="0" eaLnBrk="1" latinLnBrk="0" hangingPunct="1">
+    <a:lvl3pPr marL="914400" algn="l" defTabSz="457200" rtl="0" eaLnBrk="1" latinLnBrk="0" hangingPunct="1">
       <a:defRPr sz="1800" kern="1200">
         <a:solidFill>
           <a:schemeClr val="tx1"/>
@@ -43,7 +44,7 @@
         <a:cs typeface="+mn-cs"/>
       </a:defRPr>
     </a:lvl3pPr>
-    <a:lvl4pPr marL="1371600" algn="l" defTabSz="914400" rtl="0" eaLnBrk="1" latinLnBrk="0" hangingPunct="1">
+    <a:lvl4pPr marL="1371600" algn="l" defTabSz="457200" rtl="0" eaLnBrk="1" latinLnBrk="0" hangingPunct="1">
       <a:defRPr sz="1800" kern="1200">
         <a:solidFill>
           <a:schemeClr val="tx1"/>
@@ -53,7 +54,7 @@
         <a:cs typeface="+mn-cs"/>
       </a:defRPr>
     </a:lvl4pPr>
-    <a:lvl5pPr marL="1828800" algn="l" defTabSz="914400" rtl="0" eaLnBrk="1" latinLnBrk="0" hangingPunct="1">
+    <a:lvl5pPr marL="1828800" algn="l" defTabSz="457200" rtl="0" eaLnBrk="1" latinLnBrk="0" hangingPunct="1">
       <a:defRPr sz="1800" kern="1200">
         <a:solidFill>
           <a:schemeClr val="tx1"/>
@@ -63,7 +64,7 @@
         <a:cs typeface="+mn-cs"/>
       </a:defRPr>
     </a:lvl5pPr>
-    <a:lvl6pPr marL="2286000" algn="l" defTabSz="914400" rtl="0" eaLnBrk="1" latinLnBrk="0" hangingPunct="1">
+    <a:lvl6pPr marL="2286000" algn="l" defTabSz="457200" rtl="0" eaLnBrk="1" latinLnBrk="0" hangingPunct="1">
       <a:defRPr sz="1800" kern="1200">
         <a:solidFill>
           <a:schemeClr val="tx1"/>
@@ -73,7 +74,7 @@
         <a:cs typeface="+mn-cs"/>
       </a:defRPr>
     </a:lvl6pPr>
-    <a:lvl7pPr marL="2743200" algn="l" defTabSz="914400" rtl="0" eaLnBrk="1" latinLnBrk="0" hangingPunct="1">
+    <a:lvl7pPr marL="2743200" algn="l" defTabSz="457200" rtl="0" eaLnBrk="1" latinLnBrk="0" hangingPunct="1">
       <a:defRPr sz="1800" kern="1200">
         <a:solidFill>
           <a:schemeClr val="tx1"/>
@@ -83,7 +84,7 @@
         <a:cs typeface="+mn-cs"/>
       </a:defRPr>
     </a:lvl7pPr>
-    <a:lvl8pPr marL="3200400" algn="l" defTabSz="914400" rtl="0" eaLnBrk="1" latinLnBrk="0" hangingPunct="1">
+    <a:lvl8pPr marL="3200400" algn="l" defTabSz="457200" rtl="0" eaLnBrk="1" latinLnBrk="0" hangingPunct="1">
       <a:defRPr sz="1800" kern="1200">
         <a:solidFill>
           <a:schemeClr val="tx1"/>
@@ -93,7 +94,7 @@
         <a:cs typeface="+mn-cs"/>
       </a:defRPr>
     </a:lvl8pPr>
-    <a:lvl9pPr marL="3657600" algn="l" defTabSz="914400" rtl="0" eaLnBrk="1" latinLnBrk="0" hangingPunct="1">
+    <a:lvl9pPr marL="3657600" algn="l" defTabSz="457200" rtl="0" eaLnBrk="1" latinLnBrk="0" hangingPunct="1">
       <a:defRPr sz="1800" kern="1200">
         <a:solidFill>
           <a:schemeClr val="tx1"/>
@@ -110,6 +111,10 @@
     </p:ext>
   </p:extLst>
 </p:presentation>
+</file>
+
+<file path=ppt/revisionInfo.xml><?xml version="1.0" encoding="utf-8"?>
+<p1510:revInfo xmlns:a="http://schemas.openxmlformats.org/drawingml/2006/main" xmlns:r="http://schemas.openxmlformats.org/officeDocument/2006/relationships" xmlns:p1510="http://schemas.microsoft.com/office/powerpoint/2015/10/main"/>
 </file>
 
 <file path=ppt/slideLayouts/slideLayout1.xml><?xml version="1.0" encoding="utf-8"?>
@@ -141,23 +146,23 @@
         </p:nvSpPr>
         <p:spPr>
           <a:xfrm>
-            <a:off x="1524000" y="1122363"/>
-            <a:ext cx="9144000" cy="2387600"/>
+            <a:off x="1485900" y="1002593"/>
+            <a:ext cx="8915400" cy="2132812"/>
           </a:xfrm>
         </p:spPr>
         <p:txBody>
           <a:bodyPr anchor="b"/>
           <a:lstStyle>
             <a:lvl1pPr algn="ctr">
-              <a:defRPr sz="6000"/>
+              <a:defRPr sz="5360"/>
             </a:lvl1pPr>
           </a:lstStyle>
           <a:p>
             <a:r>
-              <a:rPr lang="en-US" smtClean="0"/>
+              <a:rPr lang="en-US"/>
               <a:t>Click to edit Master title style</a:t>
             </a:r>
-            <a:endParaRPr lang="en-US"/>
+            <a:endParaRPr lang="en-US" dirty="0"/>
           </a:p>
         </p:txBody>
       </p:sp>
@@ -173,8 +178,8 @@
         </p:nvSpPr>
         <p:spPr>
           <a:xfrm>
-            <a:off x="1524000" y="3602038"/>
-            <a:ext cx="9144000" cy="1655762"/>
+            <a:off x="1485900" y="3217654"/>
+            <a:ext cx="8915400" cy="1479071"/>
           </a:xfrm>
         </p:spPr>
         <p:txBody>
@@ -182,47 +187,47 @@
           <a:lstStyle>
             <a:lvl1pPr marL="0" indent="0" algn="ctr">
               <a:buNone/>
-              <a:defRPr sz="2400"/>
+              <a:defRPr sz="2144"/>
             </a:lvl1pPr>
-            <a:lvl2pPr marL="457200" indent="0" algn="ctr">
+            <a:lvl2pPr marL="408417" indent="0" algn="ctr">
               <a:buNone/>
-              <a:defRPr sz="2000"/>
+              <a:defRPr sz="1787"/>
             </a:lvl2pPr>
-            <a:lvl3pPr marL="914400" indent="0" algn="ctr">
+            <a:lvl3pPr marL="816834" indent="0" algn="ctr">
               <a:buNone/>
-              <a:defRPr sz="1800"/>
+              <a:defRPr sz="1608"/>
             </a:lvl3pPr>
-            <a:lvl4pPr marL="1371600" indent="0" algn="ctr">
+            <a:lvl4pPr marL="1225250" indent="0" algn="ctr">
               <a:buNone/>
-              <a:defRPr sz="1600"/>
+              <a:defRPr sz="1429"/>
             </a:lvl4pPr>
-            <a:lvl5pPr marL="1828800" indent="0" algn="ctr">
+            <a:lvl5pPr marL="1633667" indent="0" algn="ctr">
               <a:buNone/>
-              <a:defRPr sz="1600"/>
+              <a:defRPr sz="1429"/>
             </a:lvl5pPr>
-            <a:lvl6pPr marL="2286000" indent="0" algn="ctr">
+            <a:lvl6pPr marL="2042084" indent="0" algn="ctr">
               <a:buNone/>
-              <a:defRPr sz="1600"/>
+              <a:defRPr sz="1429"/>
             </a:lvl6pPr>
-            <a:lvl7pPr marL="2743200" indent="0" algn="ctr">
+            <a:lvl7pPr marL="2450501" indent="0" algn="ctr">
               <a:buNone/>
-              <a:defRPr sz="1600"/>
+              <a:defRPr sz="1429"/>
             </a:lvl7pPr>
-            <a:lvl8pPr marL="3200400" indent="0" algn="ctr">
+            <a:lvl8pPr marL="2858917" indent="0" algn="ctr">
               <a:buNone/>
-              <a:defRPr sz="1600"/>
+              <a:defRPr sz="1429"/>
             </a:lvl8pPr>
-            <a:lvl9pPr marL="3657600" indent="0" algn="ctr">
+            <a:lvl9pPr marL="3267334" indent="0" algn="ctr">
               <a:buNone/>
-              <a:defRPr sz="1600"/>
+              <a:defRPr sz="1429"/>
             </a:lvl9pPr>
           </a:lstStyle>
           <a:p>
             <a:r>
-              <a:rPr lang="en-US" smtClean="0"/>
+              <a:rPr lang="en-US"/>
               <a:t>Click to edit Master subtitle style</a:t>
             </a:r>
-            <a:endParaRPr lang="en-US"/>
+            <a:endParaRPr lang="en-US" dirty="0"/>
           </a:p>
         </p:txBody>
       </p:sp>
@@ -243,7 +248,7 @@
           <a:p>
             <a:fld id="{ECD9E799-BB39-4AF9-B4FA-779C597765DB}" type="datetimeFigureOut">
               <a:rPr lang="en-US" smtClean="0"/>
-              <a:t>1/27/2017</a:t>
+              <a:t>11/9/2017</a:t>
             </a:fld>
             <a:endParaRPr lang="en-US"/>
           </a:p>
@@ -294,7 +299,7 @@
     </p:spTree>
     <p:extLst>
       <p:ext uri="{BB962C8B-B14F-4D97-AF65-F5344CB8AC3E}">
-        <p14:creationId xmlns:p14="http://schemas.microsoft.com/office/powerpoint/2010/main" val="292399057"/>
+        <p14:creationId xmlns:p14="http://schemas.microsoft.com/office/powerpoint/2010/main" val="4061252165"/>
       </p:ext>
     </p:extLst>
   </p:cSld>
@@ -337,10 +342,10 @@
           <a:lstStyle/>
           <a:p>
             <a:r>
-              <a:rPr lang="en-US" smtClean="0"/>
+              <a:rPr lang="en-US"/>
               <a:t>Click to edit Master title style</a:t>
             </a:r>
-            <a:endParaRPr lang="en-US"/>
+            <a:endParaRPr lang="en-US" dirty="0"/>
           </a:p>
         </p:txBody>
       </p:sp>
@@ -361,38 +366,38 @@
           <a:p>
             <a:pPr lvl="0"/>
             <a:r>
-              <a:rPr lang="en-US" smtClean="0"/>
-              <a:t>Click to edit Master text styles</a:t>
+              <a:rPr lang="en-US"/>
+              <a:t>Edit Master text styles</a:t>
             </a:r>
           </a:p>
           <a:p>
             <a:pPr lvl="1"/>
             <a:r>
-              <a:rPr lang="en-US" smtClean="0"/>
+              <a:rPr lang="en-US"/>
               <a:t>Second level</a:t>
             </a:r>
           </a:p>
           <a:p>
             <a:pPr lvl="2"/>
             <a:r>
-              <a:rPr lang="en-US" smtClean="0"/>
+              <a:rPr lang="en-US"/>
               <a:t>Third level</a:t>
             </a:r>
           </a:p>
           <a:p>
             <a:pPr lvl="3"/>
             <a:r>
-              <a:rPr lang="en-US" smtClean="0"/>
+              <a:rPr lang="en-US"/>
               <a:t>Fourth level</a:t>
             </a:r>
           </a:p>
           <a:p>
             <a:pPr lvl="4"/>
             <a:r>
-              <a:rPr lang="en-US" smtClean="0"/>
+              <a:rPr lang="en-US"/>
               <a:t>Fifth level</a:t>
             </a:r>
-            <a:endParaRPr lang="en-US"/>
+            <a:endParaRPr lang="en-US" dirty="0"/>
           </a:p>
         </p:txBody>
       </p:sp>
@@ -413,7 +418,7 @@
           <a:p>
             <a:fld id="{ECD9E799-BB39-4AF9-B4FA-779C597765DB}" type="datetimeFigureOut">
               <a:rPr lang="en-US" smtClean="0"/>
-              <a:t>1/27/2017</a:t>
+              <a:t>11/9/2017</a:t>
             </a:fld>
             <a:endParaRPr lang="en-US"/>
           </a:p>
@@ -464,7 +469,7 @@
     </p:spTree>
     <p:extLst>
       <p:ext uri="{BB962C8B-B14F-4D97-AF65-F5344CB8AC3E}">
-        <p14:creationId xmlns:p14="http://schemas.microsoft.com/office/powerpoint/2010/main" val="220558681"/>
+        <p14:creationId xmlns:p14="http://schemas.microsoft.com/office/powerpoint/2010/main" val="774425702"/>
       </p:ext>
     </p:extLst>
   </p:cSld>
@@ -503,8 +508,8 @@
         </p:nvSpPr>
         <p:spPr>
           <a:xfrm>
-            <a:off x="8724900" y="365125"/>
-            <a:ext cx="2628900" cy="5811838"/>
+            <a:off x="8506777" y="326161"/>
+            <a:ext cx="2563178" cy="5191640"/>
           </a:xfrm>
         </p:spPr>
         <p:txBody>
@@ -512,10 +517,10 @@
           <a:lstStyle/>
           <a:p>
             <a:r>
-              <a:rPr lang="en-US" smtClean="0"/>
+              <a:rPr lang="en-US"/>
               <a:t>Click to edit Master title style</a:t>
             </a:r>
-            <a:endParaRPr lang="en-US"/>
+            <a:endParaRPr lang="en-US" dirty="0"/>
           </a:p>
         </p:txBody>
       </p:sp>
@@ -531,8 +536,8 @@
         </p:nvSpPr>
         <p:spPr>
           <a:xfrm>
-            <a:off x="838200" y="365125"/>
-            <a:ext cx="7734300" cy="5811838"/>
+            <a:off x="817245" y="326161"/>
+            <a:ext cx="7540943" cy="5191640"/>
           </a:xfrm>
         </p:spPr>
         <p:txBody>
@@ -541,38 +546,38 @@
           <a:p>
             <a:pPr lvl="0"/>
             <a:r>
-              <a:rPr lang="en-US" smtClean="0"/>
-              <a:t>Click to edit Master text styles</a:t>
+              <a:rPr lang="en-US"/>
+              <a:t>Edit Master text styles</a:t>
             </a:r>
           </a:p>
           <a:p>
             <a:pPr lvl="1"/>
             <a:r>
-              <a:rPr lang="en-US" smtClean="0"/>
+              <a:rPr lang="en-US"/>
               <a:t>Second level</a:t>
             </a:r>
           </a:p>
           <a:p>
             <a:pPr lvl="2"/>
             <a:r>
-              <a:rPr lang="en-US" smtClean="0"/>
+              <a:rPr lang="en-US"/>
               <a:t>Third level</a:t>
             </a:r>
           </a:p>
           <a:p>
             <a:pPr lvl="3"/>
             <a:r>
-              <a:rPr lang="en-US" smtClean="0"/>
+              <a:rPr lang="en-US"/>
               <a:t>Fourth level</a:t>
             </a:r>
           </a:p>
           <a:p>
             <a:pPr lvl="4"/>
             <a:r>
-              <a:rPr lang="en-US" smtClean="0"/>
+              <a:rPr lang="en-US"/>
               <a:t>Fifth level</a:t>
             </a:r>
-            <a:endParaRPr lang="en-US"/>
+            <a:endParaRPr lang="en-US" dirty="0"/>
           </a:p>
         </p:txBody>
       </p:sp>
@@ -593,7 +598,7 @@
           <a:p>
             <a:fld id="{ECD9E799-BB39-4AF9-B4FA-779C597765DB}" type="datetimeFigureOut">
               <a:rPr lang="en-US" smtClean="0"/>
-              <a:t>1/27/2017</a:t>
+              <a:t>11/9/2017</a:t>
             </a:fld>
             <a:endParaRPr lang="en-US"/>
           </a:p>
@@ -644,7 +649,7 @@
     </p:spTree>
     <p:extLst>
       <p:ext uri="{BB962C8B-B14F-4D97-AF65-F5344CB8AC3E}">
-        <p14:creationId xmlns:p14="http://schemas.microsoft.com/office/powerpoint/2010/main" val="3058582058"/>
+        <p14:creationId xmlns:p14="http://schemas.microsoft.com/office/powerpoint/2010/main" val="1203348768"/>
       </p:ext>
     </p:extLst>
   </p:cSld>
@@ -687,10 +692,10 @@
           <a:lstStyle/>
           <a:p>
             <a:r>
-              <a:rPr lang="en-US" smtClean="0"/>
+              <a:rPr lang="en-US"/>
               <a:t>Click to edit Master title style</a:t>
             </a:r>
-            <a:endParaRPr lang="en-US"/>
+            <a:endParaRPr lang="en-US" dirty="0"/>
           </a:p>
         </p:txBody>
       </p:sp>
@@ -711,38 +716,38 @@
           <a:p>
             <a:pPr lvl="0"/>
             <a:r>
-              <a:rPr lang="en-US" smtClean="0"/>
-              <a:t>Click to edit Master text styles</a:t>
+              <a:rPr lang="en-US"/>
+              <a:t>Edit Master text styles</a:t>
             </a:r>
           </a:p>
           <a:p>
             <a:pPr lvl="1"/>
             <a:r>
-              <a:rPr lang="en-US" smtClean="0"/>
+              <a:rPr lang="en-US"/>
               <a:t>Second level</a:t>
             </a:r>
           </a:p>
           <a:p>
             <a:pPr lvl="2"/>
             <a:r>
-              <a:rPr lang="en-US" smtClean="0"/>
+              <a:rPr lang="en-US"/>
               <a:t>Third level</a:t>
             </a:r>
           </a:p>
           <a:p>
             <a:pPr lvl="3"/>
             <a:r>
-              <a:rPr lang="en-US" smtClean="0"/>
+              <a:rPr lang="en-US"/>
               <a:t>Fourth level</a:t>
             </a:r>
           </a:p>
           <a:p>
             <a:pPr lvl="4"/>
             <a:r>
-              <a:rPr lang="en-US" smtClean="0"/>
+              <a:rPr lang="en-US"/>
               <a:t>Fifth level</a:t>
             </a:r>
-            <a:endParaRPr lang="en-US"/>
+            <a:endParaRPr lang="en-US" dirty="0"/>
           </a:p>
         </p:txBody>
       </p:sp>
@@ -763,7 +768,7 @@
           <a:p>
             <a:fld id="{ECD9E799-BB39-4AF9-B4FA-779C597765DB}" type="datetimeFigureOut">
               <a:rPr lang="en-US" smtClean="0"/>
-              <a:t>1/27/2017</a:t>
+              <a:t>11/9/2017</a:t>
             </a:fld>
             <a:endParaRPr lang="en-US"/>
           </a:p>
@@ -814,7 +819,7 @@
     </p:spTree>
     <p:extLst>
       <p:ext uri="{BB962C8B-B14F-4D97-AF65-F5344CB8AC3E}">
-        <p14:creationId xmlns:p14="http://schemas.microsoft.com/office/powerpoint/2010/main" val="757329494"/>
+        <p14:creationId xmlns:p14="http://schemas.microsoft.com/office/powerpoint/2010/main" val="31672798"/>
       </p:ext>
     </p:extLst>
   </p:cSld>
@@ -853,23 +858,23 @@
         </p:nvSpPr>
         <p:spPr>
           <a:xfrm>
-            <a:off x="831850" y="1709738"/>
-            <a:ext cx="10515600" cy="2852737"/>
+            <a:off x="811054" y="1527287"/>
+            <a:ext cx="10252710" cy="2548313"/>
           </a:xfrm>
         </p:spPr>
         <p:txBody>
           <a:bodyPr anchor="b"/>
           <a:lstStyle>
             <a:lvl1pPr>
-              <a:defRPr sz="6000"/>
+              <a:defRPr sz="5360"/>
             </a:lvl1pPr>
           </a:lstStyle>
           <a:p>
             <a:r>
-              <a:rPr lang="en-US" smtClean="0"/>
+              <a:rPr lang="en-US"/>
               <a:t>Click to edit Master title style</a:t>
             </a:r>
-            <a:endParaRPr lang="en-US"/>
+            <a:endParaRPr lang="en-US" dirty="0"/>
           </a:p>
         </p:txBody>
       </p:sp>
@@ -885,8 +890,8 @@
         </p:nvSpPr>
         <p:spPr>
           <a:xfrm>
-            <a:off x="831850" y="4589463"/>
-            <a:ext cx="10515600" cy="1500187"/>
+            <a:off x="811054" y="4099708"/>
+            <a:ext cx="10252710" cy="1340098"/>
           </a:xfrm>
         </p:spPr>
         <p:txBody>
@@ -894,7 +899,7 @@
           <a:lstStyle>
             <a:lvl1pPr marL="0" indent="0">
               <a:buNone/>
-              <a:defRPr sz="2400">
+              <a:defRPr sz="2144">
                 <a:solidFill>
                   <a:schemeClr val="tx1">
                     <a:tint val="75000"/>
@@ -902,9 +907,9 @@
                 </a:solidFill>
               </a:defRPr>
             </a:lvl1pPr>
-            <a:lvl2pPr marL="457200" indent="0">
+            <a:lvl2pPr marL="408417" indent="0">
               <a:buNone/>
-              <a:defRPr sz="2000">
+              <a:defRPr sz="1787">
                 <a:solidFill>
                   <a:schemeClr val="tx1">
                     <a:tint val="75000"/>
@@ -912,9 +917,9 @@
                 </a:solidFill>
               </a:defRPr>
             </a:lvl2pPr>
-            <a:lvl3pPr marL="914400" indent="0">
+            <a:lvl3pPr marL="816834" indent="0">
               <a:buNone/>
-              <a:defRPr sz="1800">
+              <a:defRPr sz="1608">
                 <a:solidFill>
                   <a:schemeClr val="tx1">
                     <a:tint val="75000"/>
@@ -922,9 +927,9 @@
                 </a:solidFill>
               </a:defRPr>
             </a:lvl3pPr>
-            <a:lvl4pPr marL="1371600" indent="0">
+            <a:lvl4pPr marL="1225250" indent="0">
               <a:buNone/>
-              <a:defRPr sz="1600">
+              <a:defRPr sz="1429">
                 <a:solidFill>
                   <a:schemeClr val="tx1">
                     <a:tint val="75000"/>
@@ -932,9 +937,9 @@
                 </a:solidFill>
               </a:defRPr>
             </a:lvl4pPr>
-            <a:lvl5pPr marL="1828800" indent="0">
+            <a:lvl5pPr marL="1633667" indent="0">
               <a:buNone/>
-              <a:defRPr sz="1600">
+              <a:defRPr sz="1429">
                 <a:solidFill>
                   <a:schemeClr val="tx1">
                     <a:tint val="75000"/>
@@ -942,9 +947,9 @@
                 </a:solidFill>
               </a:defRPr>
             </a:lvl5pPr>
-            <a:lvl6pPr marL="2286000" indent="0">
+            <a:lvl6pPr marL="2042084" indent="0">
               <a:buNone/>
-              <a:defRPr sz="1600">
+              <a:defRPr sz="1429">
                 <a:solidFill>
                   <a:schemeClr val="tx1">
                     <a:tint val="75000"/>
@@ -952,9 +957,9 @@
                 </a:solidFill>
               </a:defRPr>
             </a:lvl6pPr>
-            <a:lvl7pPr marL="2743200" indent="0">
+            <a:lvl7pPr marL="2450501" indent="0">
               <a:buNone/>
-              <a:defRPr sz="1600">
+              <a:defRPr sz="1429">
                 <a:solidFill>
                   <a:schemeClr val="tx1">
                     <a:tint val="75000"/>
@@ -962,9 +967,9 @@
                 </a:solidFill>
               </a:defRPr>
             </a:lvl7pPr>
-            <a:lvl8pPr marL="3200400" indent="0">
+            <a:lvl8pPr marL="2858917" indent="0">
               <a:buNone/>
-              <a:defRPr sz="1600">
+              <a:defRPr sz="1429">
                 <a:solidFill>
                   <a:schemeClr val="tx1">
                     <a:tint val="75000"/>
@@ -972,9 +977,9 @@
                 </a:solidFill>
               </a:defRPr>
             </a:lvl8pPr>
-            <a:lvl9pPr marL="3657600" indent="0">
+            <a:lvl9pPr marL="3267334" indent="0">
               <a:buNone/>
-              <a:defRPr sz="1600">
+              <a:defRPr sz="1429">
                 <a:solidFill>
                   <a:schemeClr val="tx1">
                     <a:tint val="75000"/>
@@ -986,8 +991,8 @@
           <a:p>
             <a:pPr lvl="0"/>
             <a:r>
-              <a:rPr lang="en-US" smtClean="0"/>
-              <a:t>Click to edit Master text styles</a:t>
+              <a:rPr lang="en-US"/>
+              <a:t>Edit Master text styles</a:t>
             </a:r>
           </a:p>
         </p:txBody>
@@ -1009,7 +1014,7 @@
           <a:p>
             <a:fld id="{ECD9E799-BB39-4AF9-B4FA-779C597765DB}" type="datetimeFigureOut">
               <a:rPr lang="en-US" smtClean="0"/>
-              <a:t>1/27/2017</a:t>
+              <a:t>11/9/2017</a:t>
             </a:fld>
             <a:endParaRPr lang="en-US"/>
           </a:p>
@@ -1060,7 +1065,7 @@
     </p:spTree>
     <p:extLst>
       <p:ext uri="{BB962C8B-B14F-4D97-AF65-F5344CB8AC3E}">
-        <p14:creationId xmlns:p14="http://schemas.microsoft.com/office/powerpoint/2010/main" val="2772638073"/>
+        <p14:creationId xmlns:p14="http://schemas.microsoft.com/office/powerpoint/2010/main" val="2614737133"/>
       </p:ext>
     </p:extLst>
   </p:cSld>
@@ -1103,10 +1108,10 @@
           <a:lstStyle/>
           <a:p>
             <a:r>
-              <a:rPr lang="en-US" smtClean="0"/>
+              <a:rPr lang="en-US"/>
               <a:t>Click to edit Master title style</a:t>
             </a:r>
-            <a:endParaRPr lang="en-US"/>
+            <a:endParaRPr lang="en-US" dirty="0"/>
           </a:p>
         </p:txBody>
       </p:sp>
@@ -1122,8 +1127,8 @@
         </p:nvSpPr>
         <p:spPr>
           <a:xfrm>
-            <a:off x="838200" y="1825625"/>
-            <a:ext cx="5181600" cy="4351338"/>
+            <a:off x="817245" y="1630807"/>
+            <a:ext cx="5052060" cy="3886994"/>
           </a:xfrm>
         </p:spPr>
         <p:txBody>
@@ -1132,38 +1137,38 @@
           <a:p>
             <a:pPr lvl="0"/>
             <a:r>
-              <a:rPr lang="en-US" smtClean="0"/>
-              <a:t>Click to edit Master text styles</a:t>
+              <a:rPr lang="en-US"/>
+              <a:t>Edit Master text styles</a:t>
             </a:r>
           </a:p>
           <a:p>
             <a:pPr lvl="1"/>
             <a:r>
-              <a:rPr lang="en-US" smtClean="0"/>
+              <a:rPr lang="en-US"/>
               <a:t>Second level</a:t>
             </a:r>
           </a:p>
           <a:p>
             <a:pPr lvl="2"/>
             <a:r>
-              <a:rPr lang="en-US" smtClean="0"/>
+              <a:rPr lang="en-US"/>
               <a:t>Third level</a:t>
             </a:r>
           </a:p>
           <a:p>
             <a:pPr lvl="3"/>
             <a:r>
-              <a:rPr lang="en-US" smtClean="0"/>
+              <a:rPr lang="en-US"/>
               <a:t>Fourth level</a:t>
             </a:r>
           </a:p>
           <a:p>
             <a:pPr lvl="4"/>
             <a:r>
-              <a:rPr lang="en-US" smtClean="0"/>
+              <a:rPr lang="en-US"/>
               <a:t>Fifth level</a:t>
             </a:r>
-            <a:endParaRPr lang="en-US"/>
+            <a:endParaRPr lang="en-US" dirty="0"/>
           </a:p>
         </p:txBody>
       </p:sp>
@@ -1179,8 +1184,8 @@
         </p:nvSpPr>
         <p:spPr>
           <a:xfrm>
-            <a:off x="6172200" y="1825625"/>
-            <a:ext cx="5181600" cy="4351338"/>
+            <a:off x="6017895" y="1630807"/>
+            <a:ext cx="5052060" cy="3886994"/>
           </a:xfrm>
         </p:spPr>
         <p:txBody>
@@ -1189,38 +1194,38 @@
           <a:p>
             <a:pPr lvl="0"/>
             <a:r>
-              <a:rPr lang="en-US" smtClean="0"/>
-              <a:t>Click to edit Master text styles</a:t>
+              <a:rPr lang="en-US"/>
+              <a:t>Edit Master text styles</a:t>
             </a:r>
           </a:p>
           <a:p>
             <a:pPr lvl="1"/>
             <a:r>
-              <a:rPr lang="en-US" smtClean="0"/>
+              <a:rPr lang="en-US"/>
               <a:t>Second level</a:t>
             </a:r>
           </a:p>
           <a:p>
             <a:pPr lvl="2"/>
             <a:r>
-              <a:rPr lang="en-US" smtClean="0"/>
+              <a:rPr lang="en-US"/>
               <a:t>Third level</a:t>
             </a:r>
           </a:p>
           <a:p>
             <a:pPr lvl="3"/>
             <a:r>
-              <a:rPr lang="en-US" smtClean="0"/>
+              <a:rPr lang="en-US"/>
               <a:t>Fourth level</a:t>
             </a:r>
           </a:p>
           <a:p>
             <a:pPr lvl="4"/>
             <a:r>
-              <a:rPr lang="en-US" smtClean="0"/>
+              <a:rPr lang="en-US"/>
               <a:t>Fifth level</a:t>
             </a:r>
-            <a:endParaRPr lang="en-US"/>
+            <a:endParaRPr lang="en-US" dirty="0"/>
           </a:p>
         </p:txBody>
       </p:sp>
@@ -1241,7 +1246,7 @@
           <a:p>
             <a:fld id="{ECD9E799-BB39-4AF9-B4FA-779C597765DB}" type="datetimeFigureOut">
               <a:rPr lang="en-US" smtClean="0"/>
-              <a:t>1/27/2017</a:t>
+              <a:t>11/9/2017</a:t>
             </a:fld>
             <a:endParaRPr lang="en-US"/>
           </a:p>
@@ -1292,7 +1297,7 @@
     </p:spTree>
     <p:extLst>
       <p:ext uri="{BB962C8B-B14F-4D97-AF65-F5344CB8AC3E}">
-        <p14:creationId xmlns:p14="http://schemas.microsoft.com/office/powerpoint/2010/main" val="1945801075"/>
+        <p14:creationId xmlns:p14="http://schemas.microsoft.com/office/powerpoint/2010/main" val="2176269412"/>
       </p:ext>
     </p:extLst>
   </p:cSld>
@@ -1331,8 +1336,8 @@
         </p:nvSpPr>
         <p:spPr>
           <a:xfrm>
-            <a:off x="839788" y="365125"/>
-            <a:ext cx="10515600" cy="1325563"/>
+            <a:off x="818793" y="326162"/>
+            <a:ext cx="10252710" cy="1184108"/>
           </a:xfrm>
         </p:spPr>
         <p:txBody>
@@ -1340,10 +1345,10 @@
           <a:lstStyle/>
           <a:p>
             <a:r>
-              <a:rPr lang="en-US" smtClean="0"/>
+              <a:rPr lang="en-US"/>
               <a:t>Click to edit Master title style</a:t>
             </a:r>
-            <a:endParaRPr lang="en-US"/>
+            <a:endParaRPr lang="en-US" dirty="0"/>
           </a:p>
         </p:txBody>
       </p:sp>
@@ -1359,8 +1364,8 @@
         </p:nvSpPr>
         <p:spPr>
           <a:xfrm>
-            <a:off x="839788" y="1681163"/>
-            <a:ext cx="5157787" cy="823912"/>
+            <a:off x="818794" y="1501761"/>
+            <a:ext cx="5028842" cy="735990"/>
           </a:xfrm>
         </p:spPr>
         <p:txBody>
@@ -1368,46 +1373,46 @@
           <a:lstStyle>
             <a:lvl1pPr marL="0" indent="0">
               <a:buNone/>
-              <a:defRPr sz="2400" b="1"/>
+              <a:defRPr sz="2144" b="1"/>
             </a:lvl1pPr>
-            <a:lvl2pPr marL="457200" indent="0">
+            <a:lvl2pPr marL="408417" indent="0">
               <a:buNone/>
-              <a:defRPr sz="2000" b="1"/>
+              <a:defRPr sz="1787" b="1"/>
             </a:lvl2pPr>
-            <a:lvl3pPr marL="914400" indent="0">
+            <a:lvl3pPr marL="816834" indent="0">
               <a:buNone/>
-              <a:defRPr sz="1800" b="1"/>
+              <a:defRPr sz="1608" b="1"/>
             </a:lvl3pPr>
-            <a:lvl4pPr marL="1371600" indent="0">
+            <a:lvl4pPr marL="1225250" indent="0">
               <a:buNone/>
-              <a:defRPr sz="1600" b="1"/>
+              <a:defRPr sz="1429" b="1"/>
             </a:lvl4pPr>
-            <a:lvl5pPr marL="1828800" indent="0">
+            <a:lvl5pPr marL="1633667" indent="0">
               <a:buNone/>
-              <a:defRPr sz="1600" b="1"/>
+              <a:defRPr sz="1429" b="1"/>
             </a:lvl5pPr>
-            <a:lvl6pPr marL="2286000" indent="0">
+            <a:lvl6pPr marL="2042084" indent="0">
               <a:buNone/>
-              <a:defRPr sz="1600" b="1"/>
+              <a:defRPr sz="1429" b="1"/>
             </a:lvl6pPr>
-            <a:lvl7pPr marL="2743200" indent="0">
+            <a:lvl7pPr marL="2450501" indent="0">
               <a:buNone/>
-              <a:defRPr sz="1600" b="1"/>
+              <a:defRPr sz="1429" b="1"/>
             </a:lvl7pPr>
-            <a:lvl8pPr marL="3200400" indent="0">
+            <a:lvl8pPr marL="2858917" indent="0">
               <a:buNone/>
-              <a:defRPr sz="1600" b="1"/>
+              <a:defRPr sz="1429" b="1"/>
             </a:lvl8pPr>
-            <a:lvl9pPr marL="3657600" indent="0">
+            <a:lvl9pPr marL="3267334" indent="0">
               <a:buNone/>
-              <a:defRPr sz="1600" b="1"/>
+              <a:defRPr sz="1429" b="1"/>
             </a:lvl9pPr>
           </a:lstStyle>
           <a:p>
             <a:pPr lvl="0"/>
             <a:r>
-              <a:rPr lang="en-US" smtClean="0"/>
-              <a:t>Click to edit Master text styles</a:t>
+              <a:rPr lang="en-US"/>
+              <a:t>Edit Master text styles</a:t>
             </a:r>
           </a:p>
         </p:txBody>
@@ -1424,8 +1429,8 @@
         </p:nvSpPr>
         <p:spPr>
           <a:xfrm>
-            <a:off x="839788" y="2505075"/>
-            <a:ext cx="5157787" cy="3684588"/>
+            <a:off x="818794" y="2237751"/>
+            <a:ext cx="5028842" cy="3291395"/>
           </a:xfrm>
         </p:spPr>
         <p:txBody>
@@ -1434,38 +1439,38 @@
           <a:p>
             <a:pPr lvl="0"/>
             <a:r>
-              <a:rPr lang="en-US" smtClean="0"/>
-              <a:t>Click to edit Master text styles</a:t>
+              <a:rPr lang="en-US"/>
+              <a:t>Edit Master text styles</a:t>
             </a:r>
           </a:p>
           <a:p>
             <a:pPr lvl="1"/>
             <a:r>
-              <a:rPr lang="en-US" smtClean="0"/>
+              <a:rPr lang="en-US"/>
               <a:t>Second level</a:t>
             </a:r>
           </a:p>
           <a:p>
             <a:pPr lvl="2"/>
             <a:r>
-              <a:rPr lang="en-US" smtClean="0"/>
+              <a:rPr lang="en-US"/>
               <a:t>Third level</a:t>
             </a:r>
           </a:p>
           <a:p>
             <a:pPr lvl="3"/>
             <a:r>
-              <a:rPr lang="en-US" smtClean="0"/>
+              <a:rPr lang="en-US"/>
               <a:t>Fourth level</a:t>
             </a:r>
           </a:p>
           <a:p>
             <a:pPr lvl="4"/>
             <a:r>
-              <a:rPr lang="en-US" smtClean="0"/>
+              <a:rPr lang="en-US"/>
               <a:t>Fifth level</a:t>
             </a:r>
-            <a:endParaRPr lang="en-US"/>
+            <a:endParaRPr lang="en-US" dirty="0"/>
           </a:p>
         </p:txBody>
       </p:sp>
@@ -1481,8 +1486,8 @@
         </p:nvSpPr>
         <p:spPr>
           <a:xfrm>
-            <a:off x="6172200" y="1681163"/>
-            <a:ext cx="5183188" cy="823912"/>
+            <a:off x="6017895" y="1501761"/>
+            <a:ext cx="5053608" cy="735990"/>
           </a:xfrm>
         </p:spPr>
         <p:txBody>
@@ -1490,46 +1495,46 @@
           <a:lstStyle>
             <a:lvl1pPr marL="0" indent="0">
               <a:buNone/>
-              <a:defRPr sz="2400" b="1"/>
+              <a:defRPr sz="2144" b="1"/>
             </a:lvl1pPr>
-            <a:lvl2pPr marL="457200" indent="0">
+            <a:lvl2pPr marL="408417" indent="0">
               <a:buNone/>
-              <a:defRPr sz="2000" b="1"/>
+              <a:defRPr sz="1787" b="1"/>
             </a:lvl2pPr>
-            <a:lvl3pPr marL="914400" indent="0">
+            <a:lvl3pPr marL="816834" indent="0">
               <a:buNone/>
-              <a:defRPr sz="1800" b="1"/>
+              <a:defRPr sz="1608" b="1"/>
             </a:lvl3pPr>
-            <a:lvl4pPr marL="1371600" indent="0">
+            <a:lvl4pPr marL="1225250" indent="0">
               <a:buNone/>
-              <a:defRPr sz="1600" b="1"/>
+              <a:defRPr sz="1429" b="1"/>
             </a:lvl4pPr>
-            <a:lvl5pPr marL="1828800" indent="0">
+            <a:lvl5pPr marL="1633667" indent="0">
               <a:buNone/>
-              <a:defRPr sz="1600" b="1"/>
+              <a:defRPr sz="1429" b="1"/>
             </a:lvl5pPr>
-            <a:lvl6pPr marL="2286000" indent="0">
+            <a:lvl6pPr marL="2042084" indent="0">
               <a:buNone/>
-              <a:defRPr sz="1600" b="1"/>
+              <a:defRPr sz="1429" b="1"/>
             </a:lvl6pPr>
-            <a:lvl7pPr marL="2743200" indent="0">
+            <a:lvl7pPr marL="2450501" indent="0">
               <a:buNone/>
-              <a:defRPr sz="1600" b="1"/>
+              <a:defRPr sz="1429" b="1"/>
             </a:lvl7pPr>
-            <a:lvl8pPr marL="3200400" indent="0">
+            <a:lvl8pPr marL="2858917" indent="0">
               <a:buNone/>
-              <a:defRPr sz="1600" b="1"/>
+              <a:defRPr sz="1429" b="1"/>
             </a:lvl8pPr>
-            <a:lvl9pPr marL="3657600" indent="0">
+            <a:lvl9pPr marL="3267334" indent="0">
               <a:buNone/>
-              <a:defRPr sz="1600" b="1"/>
+              <a:defRPr sz="1429" b="1"/>
             </a:lvl9pPr>
           </a:lstStyle>
           <a:p>
             <a:pPr lvl="0"/>
             <a:r>
-              <a:rPr lang="en-US" smtClean="0"/>
-              <a:t>Click to edit Master text styles</a:t>
+              <a:rPr lang="en-US"/>
+              <a:t>Edit Master text styles</a:t>
             </a:r>
           </a:p>
         </p:txBody>
@@ -1546,8 +1551,8 @@
         </p:nvSpPr>
         <p:spPr>
           <a:xfrm>
-            <a:off x="6172200" y="2505075"/>
-            <a:ext cx="5183188" cy="3684588"/>
+            <a:off x="6017895" y="2237751"/>
+            <a:ext cx="5053608" cy="3291395"/>
           </a:xfrm>
         </p:spPr>
         <p:txBody>
@@ -1556,38 +1561,38 @@
           <a:p>
             <a:pPr lvl="0"/>
             <a:r>
-              <a:rPr lang="en-US" smtClean="0"/>
-              <a:t>Click to edit Master text styles</a:t>
+              <a:rPr lang="en-US"/>
+              <a:t>Edit Master text styles</a:t>
             </a:r>
           </a:p>
           <a:p>
             <a:pPr lvl="1"/>
             <a:r>
-              <a:rPr lang="en-US" smtClean="0"/>
+              <a:rPr lang="en-US"/>
               <a:t>Second level</a:t>
             </a:r>
           </a:p>
           <a:p>
             <a:pPr lvl="2"/>
             <a:r>
-              <a:rPr lang="en-US" smtClean="0"/>
+              <a:rPr lang="en-US"/>
               <a:t>Third level</a:t>
             </a:r>
           </a:p>
           <a:p>
             <a:pPr lvl="3"/>
             <a:r>
-              <a:rPr lang="en-US" smtClean="0"/>
+              <a:rPr lang="en-US"/>
               <a:t>Fourth level</a:t>
             </a:r>
           </a:p>
           <a:p>
             <a:pPr lvl="4"/>
             <a:r>
-              <a:rPr lang="en-US" smtClean="0"/>
+              <a:rPr lang="en-US"/>
               <a:t>Fifth level</a:t>
             </a:r>
-            <a:endParaRPr lang="en-US"/>
+            <a:endParaRPr lang="en-US" dirty="0"/>
           </a:p>
         </p:txBody>
       </p:sp>
@@ -1608,7 +1613,7 @@
           <a:p>
             <a:fld id="{ECD9E799-BB39-4AF9-B4FA-779C597765DB}" type="datetimeFigureOut">
               <a:rPr lang="en-US" smtClean="0"/>
-              <a:t>1/27/2017</a:t>
+              <a:t>11/9/2017</a:t>
             </a:fld>
             <a:endParaRPr lang="en-US"/>
           </a:p>
@@ -1659,7 +1664,7 @@
     </p:spTree>
     <p:extLst>
       <p:ext uri="{BB962C8B-B14F-4D97-AF65-F5344CB8AC3E}">
-        <p14:creationId xmlns:p14="http://schemas.microsoft.com/office/powerpoint/2010/main" val="267352348"/>
+        <p14:creationId xmlns:p14="http://schemas.microsoft.com/office/powerpoint/2010/main" val="2075240385"/>
       </p:ext>
     </p:extLst>
   </p:cSld>
@@ -1702,10 +1707,10 @@
           <a:lstStyle/>
           <a:p>
             <a:r>
-              <a:rPr lang="en-US" smtClean="0"/>
+              <a:rPr lang="en-US"/>
               <a:t>Click to edit Master title style</a:t>
             </a:r>
-            <a:endParaRPr lang="en-US"/>
+            <a:endParaRPr lang="en-US" dirty="0"/>
           </a:p>
         </p:txBody>
       </p:sp>
@@ -1726,7 +1731,7 @@
           <a:p>
             <a:fld id="{ECD9E799-BB39-4AF9-B4FA-779C597765DB}" type="datetimeFigureOut">
               <a:rPr lang="en-US" smtClean="0"/>
-              <a:t>1/27/2017</a:t>
+              <a:t>11/9/2017</a:t>
             </a:fld>
             <a:endParaRPr lang="en-US"/>
           </a:p>
@@ -1777,7 +1782,7 @@
     </p:spTree>
     <p:extLst>
       <p:ext uri="{BB962C8B-B14F-4D97-AF65-F5344CB8AC3E}">
-        <p14:creationId xmlns:p14="http://schemas.microsoft.com/office/powerpoint/2010/main" val="3322930178"/>
+        <p14:creationId xmlns:p14="http://schemas.microsoft.com/office/powerpoint/2010/main" val="1357499882"/>
       </p:ext>
     </p:extLst>
   </p:cSld>
@@ -1821,7 +1826,7 @@
           <a:p>
             <a:fld id="{ECD9E799-BB39-4AF9-B4FA-779C597765DB}" type="datetimeFigureOut">
               <a:rPr lang="en-US" smtClean="0"/>
-              <a:t>1/27/2017</a:t>
+              <a:t>11/9/2017</a:t>
             </a:fld>
             <a:endParaRPr lang="en-US"/>
           </a:p>
@@ -1872,7 +1877,7 @@
     </p:spTree>
     <p:extLst>
       <p:ext uri="{BB962C8B-B14F-4D97-AF65-F5344CB8AC3E}">
-        <p14:creationId xmlns:p14="http://schemas.microsoft.com/office/powerpoint/2010/main" val="3953182111"/>
+        <p14:creationId xmlns:p14="http://schemas.microsoft.com/office/powerpoint/2010/main" val="2608309123"/>
       </p:ext>
     </p:extLst>
   </p:cSld>
@@ -1911,23 +1916,23 @@
         </p:nvSpPr>
         <p:spPr>
           <a:xfrm>
-            <a:off x="839788" y="457200"/>
-            <a:ext cx="3932237" cy="1600200"/>
+            <a:off x="818794" y="408411"/>
+            <a:ext cx="3833931" cy="1429438"/>
           </a:xfrm>
         </p:spPr>
         <p:txBody>
           <a:bodyPr anchor="b"/>
           <a:lstStyle>
             <a:lvl1pPr>
-              <a:defRPr sz="3200"/>
+              <a:defRPr sz="2859"/>
             </a:lvl1pPr>
           </a:lstStyle>
           <a:p>
             <a:r>
-              <a:rPr lang="en-US" smtClean="0"/>
+              <a:rPr lang="en-US"/>
               <a:t>Click to edit Master title style</a:t>
             </a:r>
-            <a:endParaRPr lang="en-US"/>
+            <a:endParaRPr lang="en-US" dirty="0"/>
           </a:p>
         </p:txBody>
       </p:sp>
@@ -1943,76 +1948,76 @@
         </p:nvSpPr>
         <p:spPr>
           <a:xfrm>
-            <a:off x="5183188" y="987425"/>
-            <a:ext cx="6172200" cy="4873625"/>
+            <a:off x="5053608" y="882055"/>
+            <a:ext cx="6017895" cy="4353546"/>
           </a:xfrm>
         </p:spPr>
         <p:txBody>
           <a:bodyPr/>
           <a:lstStyle>
             <a:lvl1pPr>
-              <a:defRPr sz="3200"/>
+              <a:defRPr sz="2859"/>
             </a:lvl1pPr>
             <a:lvl2pPr>
-              <a:defRPr sz="2800"/>
+              <a:defRPr sz="2501"/>
             </a:lvl2pPr>
             <a:lvl3pPr>
-              <a:defRPr sz="2400"/>
+              <a:defRPr sz="2144"/>
             </a:lvl3pPr>
             <a:lvl4pPr>
-              <a:defRPr sz="2000"/>
+              <a:defRPr sz="1787"/>
             </a:lvl4pPr>
             <a:lvl5pPr>
-              <a:defRPr sz="2000"/>
+              <a:defRPr sz="1787"/>
             </a:lvl5pPr>
             <a:lvl6pPr>
-              <a:defRPr sz="2000"/>
+              <a:defRPr sz="1787"/>
             </a:lvl6pPr>
             <a:lvl7pPr>
-              <a:defRPr sz="2000"/>
+              <a:defRPr sz="1787"/>
             </a:lvl7pPr>
             <a:lvl8pPr>
-              <a:defRPr sz="2000"/>
+              <a:defRPr sz="1787"/>
             </a:lvl8pPr>
             <a:lvl9pPr>
-              <a:defRPr sz="2000"/>
+              <a:defRPr sz="1787"/>
             </a:lvl9pPr>
           </a:lstStyle>
           <a:p>
             <a:pPr lvl="0"/>
             <a:r>
-              <a:rPr lang="en-US" smtClean="0"/>
-              <a:t>Click to edit Master text styles</a:t>
+              <a:rPr lang="en-US"/>
+              <a:t>Edit Master text styles</a:t>
             </a:r>
           </a:p>
           <a:p>
             <a:pPr lvl="1"/>
             <a:r>
-              <a:rPr lang="en-US" smtClean="0"/>
+              <a:rPr lang="en-US"/>
               <a:t>Second level</a:t>
             </a:r>
           </a:p>
           <a:p>
             <a:pPr lvl="2"/>
             <a:r>
-              <a:rPr lang="en-US" smtClean="0"/>
+              <a:rPr lang="en-US"/>
               <a:t>Third level</a:t>
             </a:r>
           </a:p>
           <a:p>
             <a:pPr lvl="3"/>
             <a:r>
-              <a:rPr lang="en-US" smtClean="0"/>
+              <a:rPr lang="en-US"/>
               <a:t>Fourth level</a:t>
             </a:r>
           </a:p>
           <a:p>
             <a:pPr lvl="4"/>
             <a:r>
-              <a:rPr lang="en-US" smtClean="0"/>
+              <a:rPr lang="en-US"/>
               <a:t>Fifth level</a:t>
             </a:r>
-            <a:endParaRPr lang="en-US"/>
+            <a:endParaRPr lang="en-US" dirty="0"/>
           </a:p>
         </p:txBody>
       </p:sp>
@@ -2028,8 +2033,8 @@
         </p:nvSpPr>
         <p:spPr>
           <a:xfrm>
-            <a:off x="839788" y="2057400"/>
-            <a:ext cx="3932237" cy="3811588"/>
+            <a:off x="818794" y="1837849"/>
+            <a:ext cx="3833931" cy="3404842"/>
           </a:xfrm>
         </p:spPr>
         <p:txBody>
@@ -2037,46 +2042,46 @@
           <a:lstStyle>
             <a:lvl1pPr marL="0" indent="0">
               <a:buNone/>
-              <a:defRPr sz="1600"/>
+              <a:defRPr sz="1429"/>
             </a:lvl1pPr>
-            <a:lvl2pPr marL="457200" indent="0">
+            <a:lvl2pPr marL="408417" indent="0">
               <a:buNone/>
-              <a:defRPr sz="1400"/>
+              <a:defRPr sz="1251"/>
             </a:lvl2pPr>
-            <a:lvl3pPr marL="914400" indent="0">
+            <a:lvl3pPr marL="816834" indent="0">
               <a:buNone/>
-              <a:defRPr sz="1200"/>
+              <a:defRPr sz="1072"/>
             </a:lvl3pPr>
-            <a:lvl4pPr marL="1371600" indent="0">
+            <a:lvl4pPr marL="1225250" indent="0">
               <a:buNone/>
-              <a:defRPr sz="1000"/>
+              <a:defRPr sz="893"/>
             </a:lvl4pPr>
-            <a:lvl5pPr marL="1828800" indent="0">
+            <a:lvl5pPr marL="1633667" indent="0">
               <a:buNone/>
-              <a:defRPr sz="1000"/>
+              <a:defRPr sz="893"/>
             </a:lvl5pPr>
-            <a:lvl6pPr marL="2286000" indent="0">
+            <a:lvl6pPr marL="2042084" indent="0">
               <a:buNone/>
-              <a:defRPr sz="1000"/>
+              <a:defRPr sz="893"/>
             </a:lvl6pPr>
-            <a:lvl7pPr marL="2743200" indent="0">
+            <a:lvl7pPr marL="2450501" indent="0">
               <a:buNone/>
-              <a:defRPr sz="1000"/>
+              <a:defRPr sz="893"/>
             </a:lvl7pPr>
-            <a:lvl8pPr marL="3200400" indent="0">
+            <a:lvl8pPr marL="2858917" indent="0">
               <a:buNone/>
-              <a:defRPr sz="1000"/>
+              <a:defRPr sz="893"/>
             </a:lvl8pPr>
-            <a:lvl9pPr marL="3657600" indent="0">
+            <a:lvl9pPr marL="3267334" indent="0">
               <a:buNone/>
-              <a:defRPr sz="1000"/>
+              <a:defRPr sz="893"/>
             </a:lvl9pPr>
           </a:lstStyle>
           <a:p>
             <a:pPr lvl="0"/>
             <a:r>
-              <a:rPr lang="en-US" smtClean="0"/>
-              <a:t>Click to edit Master text styles</a:t>
+              <a:rPr lang="en-US"/>
+              <a:t>Edit Master text styles</a:t>
             </a:r>
           </a:p>
         </p:txBody>
@@ -2098,7 +2103,7 @@
           <a:p>
             <a:fld id="{ECD9E799-BB39-4AF9-B4FA-779C597765DB}" type="datetimeFigureOut">
               <a:rPr lang="en-US" smtClean="0"/>
-              <a:t>1/27/2017</a:t>
+              <a:t>11/9/2017</a:t>
             </a:fld>
             <a:endParaRPr lang="en-US"/>
           </a:p>
@@ -2149,7 +2154,7 @@
     </p:spTree>
     <p:extLst>
       <p:ext uri="{BB962C8B-B14F-4D97-AF65-F5344CB8AC3E}">
-        <p14:creationId xmlns:p14="http://schemas.microsoft.com/office/powerpoint/2010/main" val="3627140249"/>
+        <p14:creationId xmlns:p14="http://schemas.microsoft.com/office/powerpoint/2010/main" val="614443103"/>
       </p:ext>
     </p:extLst>
   </p:cSld>
@@ -2188,23 +2193,23 @@
         </p:nvSpPr>
         <p:spPr>
           <a:xfrm>
-            <a:off x="839788" y="457200"/>
-            <a:ext cx="3932237" cy="1600200"/>
+            <a:off x="818794" y="408411"/>
+            <a:ext cx="3833931" cy="1429438"/>
           </a:xfrm>
         </p:spPr>
         <p:txBody>
           <a:bodyPr anchor="b"/>
           <a:lstStyle>
             <a:lvl1pPr>
-              <a:defRPr sz="3200"/>
+              <a:defRPr sz="2859"/>
             </a:lvl1pPr>
           </a:lstStyle>
           <a:p>
             <a:r>
-              <a:rPr lang="en-US" smtClean="0"/>
+              <a:rPr lang="en-US"/>
               <a:t>Click to edit Master title style</a:t>
             </a:r>
-            <a:endParaRPr lang="en-US"/>
+            <a:endParaRPr lang="en-US" dirty="0"/>
           </a:p>
         </p:txBody>
       </p:sp>
@@ -2212,7 +2217,7 @@
         <p:nvSpPr>
           <p:cNvPr id="3" name="Picture Placeholder 2"/>
           <p:cNvSpPr>
-            <a:spLocks noGrp="1"/>
+            <a:spLocks noGrp="1" noChangeAspect="1"/>
           </p:cNvSpPr>
           <p:nvPr>
             <p:ph type="pic" idx="1"/>
@@ -2220,52 +2225,56 @@
         </p:nvSpPr>
         <p:spPr>
           <a:xfrm>
-            <a:off x="5183188" y="987425"/>
-            <a:ext cx="6172200" cy="4873625"/>
+            <a:off x="5053608" y="882055"/>
+            <a:ext cx="6017895" cy="4353546"/>
           </a:xfrm>
         </p:spPr>
         <p:txBody>
-          <a:bodyPr/>
+          <a:bodyPr anchor="t"/>
           <a:lstStyle>
             <a:lvl1pPr marL="0" indent="0">
               <a:buNone/>
-              <a:defRPr sz="3200"/>
+              <a:defRPr sz="2859"/>
             </a:lvl1pPr>
-            <a:lvl2pPr marL="457200" indent="0">
+            <a:lvl2pPr marL="408417" indent="0">
               <a:buNone/>
-              <a:defRPr sz="2800"/>
+              <a:defRPr sz="2501"/>
             </a:lvl2pPr>
-            <a:lvl3pPr marL="914400" indent="0">
+            <a:lvl3pPr marL="816834" indent="0">
               <a:buNone/>
-              <a:defRPr sz="2400"/>
+              <a:defRPr sz="2144"/>
             </a:lvl3pPr>
-            <a:lvl4pPr marL="1371600" indent="0">
+            <a:lvl4pPr marL="1225250" indent="0">
               <a:buNone/>
-              <a:defRPr sz="2000"/>
+              <a:defRPr sz="1787"/>
             </a:lvl4pPr>
-            <a:lvl5pPr marL="1828800" indent="0">
+            <a:lvl5pPr marL="1633667" indent="0">
               <a:buNone/>
-              <a:defRPr sz="2000"/>
+              <a:defRPr sz="1787"/>
             </a:lvl5pPr>
-            <a:lvl6pPr marL="2286000" indent="0">
+            <a:lvl6pPr marL="2042084" indent="0">
               <a:buNone/>
-              <a:defRPr sz="2000"/>
+              <a:defRPr sz="1787"/>
             </a:lvl6pPr>
-            <a:lvl7pPr marL="2743200" indent="0">
+            <a:lvl7pPr marL="2450501" indent="0">
               <a:buNone/>
-              <a:defRPr sz="2000"/>
+              <a:defRPr sz="1787"/>
             </a:lvl7pPr>
-            <a:lvl8pPr marL="3200400" indent="0">
+            <a:lvl8pPr marL="2858917" indent="0">
               <a:buNone/>
-              <a:defRPr sz="2000"/>
+              <a:defRPr sz="1787"/>
             </a:lvl8pPr>
-            <a:lvl9pPr marL="3657600" indent="0">
+            <a:lvl9pPr marL="3267334" indent="0">
               <a:buNone/>
-              <a:defRPr sz="2000"/>
+              <a:defRPr sz="1787"/>
             </a:lvl9pPr>
           </a:lstStyle>
           <a:p>
-            <a:endParaRPr lang="en-US"/>
+            <a:r>
+              <a:rPr lang="en-US"/>
+              <a:t>Click icon to add picture</a:t>
+            </a:r>
+            <a:endParaRPr lang="en-US" dirty="0"/>
           </a:p>
         </p:txBody>
       </p:sp>
@@ -2281,8 +2290,8 @@
         </p:nvSpPr>
         <p:spPr>
           <a:xfrm>
-            <a:off x="839788" y="2057400"/>
-            <a:ext cx="3932237" cy="3811588"/>
+            <a:off x="818794" y="1837849"/>
+            <a:ext cx="3833931" cy="3404842"/>
           </a:xfrm>
         </p:spPr>
         <p:txBody>
@@ -2290,46 +2299,46 @@
           <a:lstStyle>
             <a:lvl1pPr marL="0" indent="0">
               <a:buNone/>
-              <a:defRPr sz="1600"/>
+              <a:defRPr sz="1429"/>
             </a:lvl1pPr>
-            <a:lvl2pPr marL="457200" indent="0">
+            <a:lvl2pPr marL="408417" indent="0">
               <a:buNone/>
-              <a:defRPr sz="1400"/>
+              <a:defRPr sz="1251"/>
             </a:lvl2pPr>
-            <a:lvl3pPr marL="914400" indent="0">
+            <a:lvl3pPr marL="816834" indent="0">
               <a:buNone/>
-              <a:defRPr sz="1200"/>
+              <a:defRPr sz="1072"/>
             </a:lvl3pPr>
-            <a:lvl4pPr marL="1371600" indent="0">
+            <a:lvl4pPr marL="1225250" indent="0">
               <a:buNone/>
-              <a:defRPr sz="1000"/>
+              <a:defRPr sz="893"/>
             </a:lvl4pPr>
-            <a:lvl5pPr marL="1828800" indent="0">
+            <a:lvl5pPr marL="1633667" indent="0">
               <a:buNone/>
-              <a:defRPr sz="1000"/>
+              <a:defRPr sz="893"/>
             </a:lvl5pPr>
-            <a:lvl6pPr marL="2286000" indent="0">
+            <a:lvl6pPr marL="2042084" indent="0">
               <a:buNone/>
-              <a:defRPr sz="1000"/>
+              <a:defRPr sz="893"/>
             </a:lvl6pPr>
-            <a:lvl7pPr marL="2743200" indent="0">
+            <a:lvl7pPr marL="2450501" indent="0">
               <a:buNone/>
-              <a:defRPr sz="1000"/>
+              <a:defRPr sz="893"/>
             </a:lvl7pPr>
-            <a:lvl8pPr marL="3200400" indent="0">
+            <a:lvl8pPr marL="2858917" indent="0">
               <a:buNone/>
-              <a:defRPr sz="1000"/>
+              <a:defRPr sz="893"/>
             </a:lvl8pPr>
-            <a:lvl9pPr marL="3657600" indent="0">
+            <a:lvl9pPr marL="3267334" indent="0">
               <a:buNone/>
-              <a:defRPr sz="1000"/>
+              <a:defRPr sz="893"/>
             </a:lvl9pPr>
           </a:lstStyle>
           <a:p>
             <a:pPr lvl="0"/>
             <a:r>
-              <a:rPr lang="en-US" smtClean="0"/>
-              <a:t>Click to edit Master text styles</a:t>
+              <a:rPr lang="en-US"/>
+              <a:t>Edit Master text styles</a:t>
             </a:r>
           </a:p>
         </p:txBody>
@@ -2351,7 +2360,7 @@
           <a:p>
             <a:fld id="{ECD9E799-BB39-4AF9-B4FA-779C597765DB}" type="datetimeFigureOut">
               <a:rPr lang="en-US" smtClean="0"/>
-              <a:t>1/27/2017</a:t>
+              <a:t>11/9/2017</a:t>
             </a:fld>
             <a:endParaRPr lang="en-US"/>
           </a:p>
@@ -2402,7 +2411,7 @@
     </p:spTree>
     <p:extLst>
       <p:ext uri="{BB962C8B-B14F-4D97-AF65-F5344CB8AC3E}">
-        <p14:creationId xmlns:p14="http://schemas.microsoft.com/office/powerpoint/2010/main" val="1835886525"/>
+        <p14:creationId xmlns:p14="http://schemas.microsoft.com/office/powerpoint/2010/main" val="1675005532"/>
       </p:ext>
     </p:extLst>
   </p:cSld>
@@ -2446,8 +2455,8 @@
         </p:nvSpPr>
         <p:spPr>
           <a:xfrm>
-            <a:off x="838200" y="365125"/>
-            <a:ext cx="10515600" cy="1325563"/>
+            <a:off x="817245" y="326162"/>
+            <a:ext cx="10252710" cy="1184108"/>
           </a:xfrm>
           <a:prstGeom prst="rect">
             <a:avLst/>
@@ -2460,10 +2469,10 @@
           <a:lstStyle/>
           <a:p>
             <a:r>
-              <a:rPr lang="en-US" smtClean="0"/>
+              <a:rPr lang="en-US"/>
               <a:t>Click to edit Master title style</a:t>
             </a:r>
-            <a:endParaRPr lang="en-US"/>
+            <a:endParaRPr lang="en-US" dirty="0"/>
           </a:p>
         </p:txBody>
       </p:sp>
@@ -2479,8 +2488,8 @@
         </p:nvSpPr>
         <p:spPr>
           <a:xfrm>
-            <a:off x="838200" y="1825625"/>
-            <a:ext cx="10515600" cy="4351338"/>
+            <a:off x="817245" y="1630807"/>
+            <a:ext cx="10252710" cy="3886994"/>
           </a:xfrm>
           <a:prstGeom prst="rect">
             <a:avLst/>
@@ -2494,38 +2503,38 @@
           <a:p>
             <a:pPr lvl="0"/>
             <a:r>
-              <a:rPr lang="en-US" smtClean="0"/>
-              <a:t>Click to edit Master text styles</a:t>
+              <a:rPr lang="en-US"/>
+              <a:t>Edit Master text styles</a:t>
             </a:r>
           </a:p>
           <a:p>
             <a:pPr lvl="1"/>
             <a:r>
-              <a:rPr lang="en-US" smtClean="0"/>
+              <a:rPr lang="en-US"/>
               <a:t>Second level</a:t>
             </a:r>
           </a:p>
           <a:p>
             <a:pPr lvl="2"/>
             <a:r>
-              <a:rPr lang="en-US" smtClean="0"/>
+              <a:rPr lang="en-US"/>
               <a:t>Third level</a:t>
             </a:r>
           </a:p>
           <a:p>
             <a:pPr lvl="3"/>
             <a:r>
-              <a:rPr lang="en-US" smtClean="0"/>
+              <a:rPr lang="en-US"/>
               <a:t>Fourth level</a:t>
             </a:r>
           </a:p>
           <a:p>
             <a:pPr lvl="4"/>
             <a:r>
-              <a:rPr lang="en-US" smtClean="0"/>
+              <a:rPr lang="en-US"/>
               <a:t>Fifth level</a:t>
             </a:r>
-            <a:endParaRPr lang="en-US"/>
+            <a:endParaRPr lang="en-US" dirty="0"/>
           </a:p>
         </p:txBody>
       </p:sp>
@@ -2541,8 +2550,8 @@
         </p:nvSpPr>
         <p:spPr>
           <a:xfrm>
-            <a:off x="838200" y="6356350"/>
-            <a:ext cx="2743200" cy="365125"/>
+            <a:off x="817245" y="5678046"/>
+            <a:ext cx="2674620" cy="326161"/>
           </a:xfrm>
           <a:prstGeom prst="rect">
             <a:avLst/>
@@ -2552,7 +2561,7 @@
           <a:bodyPr vert="horz" lIns="91440" tIns="45720" rIns="91440" bIns="45720" rtlCol="0" anchor="ctr"/>
           <a:lstStyle>
             <a:lvl1pPr algn="l">
-              <a:defRPr sz="1200">
+              <a:defRPr sz="1072">
                 <a:solidFill>
                   <a:schemeClr val="tx1">
                     <a:tint val="75000"/>
@@ -2564,7 +2573,7 @@
           <a:p>
             <a:fld id="{ECD9E799-BB39-4AF9-B4FA-779C597765DB}" type="datetimeFigureOut">
               <a:rPr lang="en-US" smtClean="0"/>
-              <a:t>1/27/2017</a:t>
+              <a:t>11/9/2017</a:t>
             </a:fld>
             <a:endParaRPr lang="en-US"/>
           </a:p>
@@ -2582,8 +2591,8 @@
         </p:nvSpPr>
         <p:spPr>
           <a:xfrm>
-            <a:off x="4038600" y="6356350"/>
-            <a:ext cx="4114800" cy="365125"/>
+            <a:off x="3937635" y="5678046"/>
+            <a:ext cx="4011930" cy="326161"/>
           </a:xfrm>
           <a:prstGeom prst="rect">
             <a:avLst/>
@@ -2593,7 +2602,7 @@
           <a:bodyPr vert="horz" lIns="91440" tIns="45720" rIns="91440" bIns="45720" rtlCol="0" anchor="ctr"/>
           <a:lstStyle>
             <a:lvl1pPr algn="ctr">
-              <a:defRPr sz="1200">
+              <a:defRPr sz="1072">
                 <a:solidFill>
                   <a:schemeClr val="tx1">
                     <a:tint val="75000"/>
@@ -2619,8 +2628,8 @@
         </p:nvSpPr>
         <p:spPr>
           <a:xfrm>
-            <a:off x="8610600" y="6356350"/>
-            <a:ext cx="2743200" cy="365125"/>
+            <a:off x="8395335" y="5678046"/>
+            <a:ext cx="2674620" cy="326161"/>
           </a:xfrm>
           <a:prstGeom prst="rect">
             <a:avLst/>
@@ -2630,7 +2639,7 @@
           <a:bodyPr vert="horz" lIns="91440" tIns="45720" rIns="91440" bIns="45720" rtlCol="0" anchor="ctr"/>
           <a:lstStyle>
             <a:lvl1pPr algn="r">
-              <a:defRPr sz="1200">
+              <a:defRPr sz="1072">
                 <a:solidFill>
                   <a:schemeClr val="tx1">
                     <a:tint val="75000"/>
@@ -2651,27 +2660,27 @@
     </p:spTree>
     <p:extLst>
       <p:ext uri="{BB962C8B-B14F-4D97-AF65-F5344CB8AC3E}">
-        <p14:creationId xmlns:p14="http://schemas.microsoft.com/office/powerpoint/2010/main" val="3836277695"/>
+        <p14:creationId xmlns:p14="http://schemas.microsoft.com/office/powerpoint/2010/main" val="3996691754"/>
       </p:ext>
     </p:extLst>
   </p:cSld>
   <p:clrMap bg1="lt1" tx1="dk1" bg2="lt2" tx2="dk2" accent1="accent1" accent2="accent2" accent3="accent3" accent4="accent4" accent5="accent5" accent6="accent6" hlink="hlink" folHlink="folHlink"/>
   <p:sldLayoutIdLst>
-    <p:sldLayoutId id="2147483649" r:id="rId1"/>
-    <p:sldLayoutId id="2147483650" r:id="rId2"/>
-    <p:sldLayoutId id="2147483651" r:id="rId3"/>
-    <p:sldLayoutId id="2147483652" r:id="rId4"/>
-    <p:sldLayoutId id="2147483653" r:id="rId5"/>
-    <p:sldLayoutId id="2147483654" r:id="rId6"/>
-    <p:sldLayoutId id="2147483655" r:id="rId7"/>
-    <p:sldLayoutId id="2147483656" r:id="rId8"/>
-    <p:sldLayoutId id="2147483657" r:id="rId9"/>
-    <p:sldLayoutId id="2147483658" r:id="rId10"/>
-    <p:sldLayoutId id="2147483659" r:id="rId11"/>
+    <p:sldLayoutId id="2147483673" r:id="rId1"/>
+    <p:sldLayoutId id="2147483674" r:id="rId2"/>
+    <p:sldLayoutId id="2147483675" r:id="rId3"/>
+    <p:sldLayoutId id="2147483676" r:id="rId4"/>
+    <p:sldLayoutId id="2147483677" r:id="rId5"/>
+    <p:sldLayoutId id="2147483678" r:id="rId6"/>
+    <p:sldLayoutId id="2147483679" r:id="rId7"/>
+    <p:sldLayoutId id="2147483680" r:id="rId8"/>
+    <p:sldLayoutId id="2147483681" r:id="rId9"/>
+    <p:sldLayoutId id="2147483682" r:id="rId10"/>
+    <p:sldLayoutId id="2147483683" r:id="rId11"/>
   </p:sldLayoutIdLst>
   <p:txStyles>
     <p:titleStyle>
-      <a:lvl1pPr algn="l" defTabSz="914400" rtl="0" eaLnBrk="1" latinLnBrk="0" hangingPunct="1">
+      <a:lvl1pPr algn="l" defTabSz="816834" rtl="0" eaLnBrk="1" latinLnBrk="0" hangingPunct="1">
         <a:lnSpc>
           <a:spcPct val="90000"/>
         </a:lnSpc>
@@ -2679,7 +2688,7 @@
           <a:spcPct val="0"/>
         </a:spcBef>
         <a:buNone/>
-        <a:defRPr sz="4400" kern="1200">
+        <a:defRPr sz="3931" kern="1200">
           <a:solidFill>
             <a:schemeClr val="tx1"/>
           </a:solidFill>
@@ -2690,16 +2699,16 @@
       </a:lvl1pPr>
     </p:titleStyle>
     <p:bodyStyle>
-      <a:lvl1pPr marL="228600" indent="-228600" algn="l" defTabSz="914400" rtl="0" eaLnBrk="1" latinLnBrk="0" hangingPunct="1">
+      <a:lvl1pPr marL="204208" indent="-204208" algn="l" defTabSz="816834" rtl="0" eaLnBrk="1" latinLnBrk="0" hangingPunct="1">
         <a:lnSpc>
           <a:spcPct val="90000"/>
         </a:lnSpc>
         <a:spcBef>
-          <a:spcPts val="1000"/>
+          <a:spcPts val="893"/>
         </a:spcBef>
         <a:buFont typeface="Arial" panose="020B0604020202020204" pitchFamily="34" charset="0"/>
         <a:buChar char="•"/>
-        <a:defRPr sz="2800" kern="1200">
+        <a:defRPr sz="2501" kern="1200">
           <a:solidFill>
             <a:schemeClr val="tx1"/>
           </a:solidFill>
@@ -2708,16 +2717,16 @@
           <a:cs typeface="+mn-cs"/>
         </a:defRPr>
       </a:lvl1pPr>
-      <a:lvl2pPr marL="685800" indent="-228600" algn="l" defTabSz="914400" rtl="0" eaLnBrk="1" latinLnBrk="0" hangingPunct="1">
+      <a:lvl2pPr marL="612625" indent="-204208" algn="l" defTabSz="816834" rtl="0" eaLnBrk="1" latinLnBrk="0" hangingPunct="1">
         <a:lnSpc>
           <a:spcPct val="90000"/>
         </a:lnSpc>
         <a:spcBef>
-          <a:spcPts val="500"/>
+          <a:spcPts val="447"/>
         </a:spcBef>
         <a:buFont typeface="Arial" panose="020B0604020202020204" pitchFamily="34" charset="0"/>
         <a:buChar char="•"/>
-        <a:defRPr sz="2400" kern="1200">
+        <a:defRPr sz="2144" kern="1200">
           <a:solidFill>
             <a:schemeClr val="tx1"/>
           </a:solidFill>
@@ -2726,16 +2735,16 @@
           <a:cs typeface="+mn-cs"/>
         </a:defRPr>
       </a:lvl2pPr>
-      <a:lvl3pPr marL="1143000" indent="-228600" algn="l" defTabSz="914400" rtl="0" eaLnBrk="1" latinLnBrk="0" hangingPunct="1">
+      <a:lvl3pPr marL="1021042" indent="-204208" algn="l" defTabSz="816834" rtl="0" eaLnBrk="1" latinLnBrk="0" hangingPunct="1">
         <a:lnSpc>
           <a:spcPct val="90000"/>
         </a:lnSpc>
         <a:spcBef>
-          <a:spcPts val="500"/>
+          <a:spcPts val="447"/>
         </a:spcBef>
         <a:buFont typeface="Arial" panose="020B0604020202020204" pitchFamily="34" charset="0"/>
         <a:buChar char="•"/>
-        <a:defRPr sz="2000" kern="1200">
+        <a:defRPr sz="1787" kern="1200">
           <a:solidFill>
             <a:schemeClr val="tx1"/>
           </a:solidFill>
@@ -2744,16 +2753,16 @@
           <a:cs typeface="+mn-cs"/>
         </a:defRPr>
       </a:lvl3pPr>
-      <a:lvl4pPr marL="1600200" indent="-228600" algn="l" defTabSz="914400" rtl="0" eaLnBrk="1" latinLnBrk="0" hangingPunct="1">
+      <a:lvl4pPr marL="1429459" indent="-204208" algn="l" defTabSz="816834" rtl="0" eaLnBrk="1" latinLnBrk="0" hangingPunct="1">
         <a:lnSpc>
           <a:spcPct val="90000"/>
         </a:lnSpc>
         <a:spcBef>
-          <a:spcPts val="500"/>
+          <a:spcPts val="447"/>
         </a:spcBef>
         <a:buFont typeface="Arial" panose="020B0604020202020204" pitchFamily="34" charset="0"/>
         <a:buChar char="•"/>
-        <a:defRPr sz="1800" kern="1200">
+        <a:defRPr sz="1608" kern="1200">
           <a:solidFill>
             <a:schemeClr val="tx1"/>
           </a:solidFill>
@@ -2762,16 +2771,16 @@
           <a:cs typeface="+mn-cs"/>
         </a:defRPr>
       </a:lvl4pPr>
-      <a:lvl5pPr marL="2057400" indent="-228600" algn="l" defTabSz="914400" rtl="0" eaLnBrk="1" latinLnBrk="0" hangingPunct="1">
+      <a:lvl5pPr marL="1837875" indent="-204208" algn="l" defTabSz="816834" rtl="0" eaLnBrk="1" latinLnBrk="0" hangingPunct="1">
         <a:lnSpc>
           <a:spcPct val="90000"/>
         </a:lnSpc>
         <a:spcBef>
-          <a:spcPts val="500"/>
+          <a:spcPts val="447"/>
         </a:spcBef>
         <a:buFont typeface="Arial" panose="020B0604020202020204" pitchFamily="34" charset="0"/>
         <a:buChar char="•"/>
-        <a:defRPr sz="1800" kern="1200">
+        <a:defRPr sz="1608" kern="1200">
           <a:solidFill>
             <a:schemeClr val="tx1"/>
           </a:solidFill>
@@ -2780,16 +2789,16 @@
           <a:cs typeface="+mn-cs"/>
         </a:defRPr>
       </a:lvl5pPr>
-      <a:lvl6pPr marL="2514600" indent="-228600" algn="l" defTabSz="914400" rtl="0" eaLnBrk="1" latinLnBrk="0" hangingPunct="1">
+      <a:lvl6pPr marL="2246292" indent="-204208" algn="l" defTabSz="816834" rtl="0" eaLnBrk="1" latinLnBrk="0" hangingPunct="1">
         <a:lnSpc>
           <a:spcPct val="90000"/>
         </a:lnSpc>
         <a:spcBef>
-          <a:spcPts val="500"/>
+          <a:spcPts val="447"/>
         </a:spcBef>
         <a:buFont typeface="Arial" panose="020B0604020202020204" pitchFamily="34" charset="0"/>
         <a:buChar char="•"/>
-        <a:defRPr sz="1800" kern="1200">
+        <a:defRPr sz="1608" kern="1200">
           <a:solidFill>
             <a:schemeClr val="tx1"/>
           </a:solidFill>
@@ -2798,16 +2807,16 @@
           <a:cs typeface="+mn-cs"/>
         </a:defRPr>
       </a:lvl6pPr>
-      <a:lvl7pPr marL="2971800" indent="-228600" algn="l" defTabSz="914400" rtl="0" eaLnBrk="1" latinLnBrk="0" hangingPunct="1">
+      <a:lvl7pPr marL="2654709" indent="-204208" algn="l" defTabSz="816834" rtl="0" eaLnBrk="1" latinLnBrk="0" hangingPunct="1">
         <a:lnSpc>
           <a:spcPct val="90000"/>
         </a:lnSpc>
         <a:spcBef>
-          <a:spcPts val="500"/>
+          <a:spcPts val="447"/>
         </a:spcBef>
         <a:buFont typeface="Arial" panose="020B0604020202020204" pitchFamily="34" charset="0"/>
         <a:buChar char="•"/>
-        <a:defRPr sz="1800" kern="1200">
+        <a:defRPr sz="1608" kern="1200">
           <a:solidFill>
             <a:schemeClr val="tx1"/>
           </a:solidFill>
@@ -2816,16 +2825,16 @@
           <a:cs typeface="+mn-cs"/>
         </a:defRPr>
       </a:lvl7pPr>
-      <a:lvl8pPr marL="3429000" indent="-228600" algn="l" defTabSz="914400" rtl="0" eaLnBrk="1" latinLnBrk="0" hangingPunct="1">
+      <a:lvl8pPr marL="3063126" indent="-204208" algn="l" defTabSz="816834" rtl="0" eaLnBrk="1" latinLnBrk="0" hangingPunct="1">
         <a:lnSpc>
           <a:spcPct val="90000"/>
         </a:lnSpc>
         <a:spcBef>
-          <a:spcPts val="500"/>
+          <a:spcPts val="447"/>
         </a:spcBef>
         <a:buFont typeface="Arial" panose="020B0604020202020204" pitchFamily="34" charset="0"/>
         <a:buChar char="•"/>
-        <a:defRPr sz="1800" kern="1200">
+        <a:defRPr sz="1608" kern="1200">
           <a:solidFill>
             <a:schemeClr val="tx1"/>
           </a:solidFill>
@@ -2834,16 +2843,16 @@
           <a:cs typeface="+mn-cs"/>
         </a:defRPr>
       </a:lvl8pPr>
-      <a:lvl9pPr marL="3886200" indent="-228600" algn="l" defTabSz="914400" rtl="0" eaLnBrk="1" latinLnBrk="0" hangingPunct="1">
+      <a:lvl9pPr marL="3471542" indent="-204208" algn="l" defTabSz="816834" rtl="0" eaLnBrk="1" latinLnBrk="0" hangingPunct="1">
         <a:lnSpc>
           <a:spcPct val="90000"/>
         </a:lnSpc>
         <a:spcBef>
-          <a:spcPts val="500"/>
+          <a:spcPts val="447"/>
         </a:spcBef>
         <a:buFont typeface="Arial" panose="020B0604020202020204" pitchFamily="34" charset="0"/>
         <a:buChar char="•"/>
-        <a:defRPr sz="1800" kern="1200">
+        <a:defRPr sz="1608" kern="1200">
           <a:solidFill>
             <a:schemeClr val="tx1"/>
           </a:solidFill>
@@ -2857,8 +2866,8 @@
       <a:defPPr>
         <a:defRPr lang="en-US"/>
       </a:defPPr>
-      <a:lvl1pPr marL="0" algn="l" defTabSz="914400" rtl="0" eaLnBrk="1" latinLnBrk="0" hangingPunct="1">
-        <a:defRPr sz="1800" kern="1200">
+      <a:lvl1pPr marL="0" algn="l" defTabSz="816834" rtl="0" eaLnBrk="1" latinLnBrk="0" hangingPunct="1">
+        <a:defRPr sz="1608" kern="1200">
           <a:solidFill>
             <a:schemeClr val="tx1"/>
           </a:solidFill>
@@ -2867,8 +2876,8 @@
           <a:cs typeface="+mn-cs"/>
         </a:defRPr>
       </a:lvl1pPr>
-      <a:lvl2pPr marL="457200" algn="l" defTabSz="914400" rtl="0" eaLnBrk="1" latinLnBrk="0" hangingPunct="1">
-        <a:defRPr sz="1800" kern="1200">
+      <a:lvl2pPr marL="408417" algn="l" defTabSz="816834" rtl="0" eaLnBrk="1" latinLnBrk="0" hangingPunct="1">
+        <a:defRPr sz="1608" kern="1200">
           <a:solidFill>
             <a:schemeClr val="tx1"/>
           </a:solidFill>
@@ -2877,8 +2886,8 @@
           <a:cs typeface="+mn-cs"/>
         </a:defRPr>
       </a:lvl2pPr>
-      <a:lvl3pPr marL="914400" algn="l" defTabSz="914400" rtl="0" eaLnBrk="1" latinLnBrk="0" hangingPunct="1">
-        <a:defRPr sz="1800" kern="1200">
+      <a:lvl3pPr marL="816834" algn="l" defTabSz="816834" rtl="0" eaLnBrk="1" latinLnBrk="0" hangingPunct="1">
+        <a:defRPr sz="1608" kern="1200">
           <a:solidFill>
             <a:schemeClr val="tx1"/>
           </a:solidFill>
@@ -2887,8 +2896,8 @@
           <a:cs typeface="+mn-cs"/>
         </a:defRPr>
       </a:lvl3pPr>
-      <a:lvl4pPr marL="1371600" algn="l" defTabSz="914400" rtl="0" eaLnBrk="1" latinLnBrk="0" hangingPunct="1">
-        <a:defRPr sz="1800" kern="1200">
+      <a:lvl4pPr marL="1225250" algn="l" defTabSz="816834" rtl="0" eaLnBrk="1" latinLnBrk="0" hangingPunct="1">
+        <a:defRPr sz="1608" kern="1200">
           <a:solidFill>
             <a:schemeClr val="tx1"/>
           </a:solidFill>
@@ -2897,8 +2906,8 @@
           <a:cs typeface="+mn-cs"/>
         </a:defRPr>
       </a:lvl4pPr>
-      <a:lvl5pPr marL="1828800" algn="l" defTabSz="914400" rtl="0" eaLnBrk="1" latinLnBrk="0" hangingPunct="1">
-        <a:defRPr sz="1800" kern="1200">
+      <a:lvl5pPr marL="1633667" algn="l" defTabSz="816834" rtl="0" eaLnBrk="1" latinLnBrk="0" hangingPunct="1">
+        <a:defRPr sz="1608" kern="1200">
           <a:solidFill>
             <a:schemeClr val="tx1"/>
           </a:solidFill>
@@ -2907,8 +2916,8 @@
           <a:cs typeface="+mn-cs"/>
         </a:defRPr>
       </a:lvl5pPr>
-      <a:lvl6pPr marL="2286000" algn="l" defTabSz="914400" rtl="0" eaLnBrk="1" latinLnBrk="0" hangingPunct="1">
-        <a:defRPr sz="1800" kern="1200">
+      <a:lvl6pPr marL="2042084" algn="l" defTabSz="816834" rtl="0" eaLnBrk="1" latinLnBrk="0" hangingPunct="1">
+        <a:defRPr sz="1608" kern="1200">
           <a:solidFill>
             <a:schemeClr val="tx1"/>
           </a:solidFill>
@@ -2917,8 +2926,8 @@
           <a:cs typeface="+mn-cs"/>
         </a:defRPr>
       </a:lvl6pPr>
-      <a:lvl7pPr marL="2743200" algn="l" defTabSz="914400" rtl="0" eaLnBrk="1" latinLnBrk="0" hangingPunct="1">
-        <a:defRPr sz="1800" kern="1200">
+      <a:lvl7pPr marL="2450501" algn="l" defTabSz="816834" rtl="0" eaLnBrk="1" latinLnBrk="0" hangingPunct="1">
+        <a:defRPr sz="1608" kern="1200">
           <a:solidFill>
             <a:schemeClr val="tx1"/>
           </a:solidFill>
@@ -2927,8 +2936,8 @@
           <a:cs typeface="+mn-cs"/>
         </a:defRPr>
       </a:lvl7pPr>
-      <a:lvl8pPr marL="3200400" algn="l" defTabSz="914400" rtl="0" eaLnBrk="1" latinLnBrk="0" hangingPunct="1">
-        <a:defRPr sz="1800" kern="1200">
+      <a:lvl8pPr marL="2858917" algn="l" defTabSz="816834" rtl="0" eaLnBrk="1" latinLnBrk="0" hangingPunct="1">
+        <a:defRPr sz="1608" kern="1200">
           <a:solidFill>
             <a:schemeClr val="tx1"/>
           </a:solidFill>
@@ -2937,8 +2946,8 @@
           <a:cs typeface="+mn-cs"/>
         </a:defRPr>
       </a:lvl8pPr>
-      <a:lvl9pPr marL="3657600" algn="l" defTabSz="914400" rtl="0" eaLnBrk="1" latinLnBrk="0" hangingPunct="1">
-        <a:defRPr sz="1800" kern="1200">
+      <a:lvl9pPr marL="3267334" algn="l" defTabSz="816834" rtl="0" eaLnBrk="1" latinLnBrk="0" hangingPunct="1">
+        <a:defRPr sz="1608" kern="1200">
           <a:solidFill>
             <a:schemeClr val="tx1"/>
           </a:solidFill>
@@ -2977,7 +2986,7 @@
         </p:nvSpPr>
         <p:spPr>
           <a:xfrm>
-            <a:off x="276224" y="2438400"/>
+            <a:off x="123828" y="2072481"/>
             <a:ext cx="4740275" cy="1295400"/>
           </a:xfrm>
           <a:prstGeom prst="rect">
@@ -3008,7 +3017,7 @@
           <a:lstStyle/>
           <a:p>
             <a:pPr algn="ctr"/>
-            <a:endParaRPr lang="en-US"/>
+            <a:endParaRPr lang="en-US" sz="2800"/>
           </a:p>
         </p:txBody>
       </p:sp>
@@ -3020,7 +3029,7 @@
         </p:nvSpPr>
         <p:spPr>
           <a:xfrm>
-            <a:off x="7150100" y="2438400"/>
+            <a:off x="6997700" y="2072481"/>
             <a:ext cx="4724400" cy="1295400"/>
           </a:xfrm>
           <a:prstGeom prst="rect">
@@ -3051,7 +3060,7 @@
           <a:lstStyle/>
           <a:p>
             <a:pPr algn="ctr"/>
-            <a:endParaRPr lang="en-US"/>
+            <a:endParaRPr lang="en-US" sz="2800"/>
           </a:p>
         </p:txBody>
       </p:sp>
@@ -3063,8 +3072,8 @@
         </p:nvSpPr>
         <p:spPr>
           <a:xfrm>
-            <a:off x="5398851" y="927100"/>
-            <a:ext cx="1264596" cy="546100"/>
+            <a:off x="5246451" y="327991"/>
+            <a:ext cx="1264596" cy="1145052"/>
           </a:xfrm>
           <a:prstGeom prst="rect">
             <a:avLst/>
@@ -3093,10 +3102,17 @@
           <a:p>
             <a:pPr algn="ctr"/>
             <a:r>
-              <a:rPr lang="en-US" sz="2800" dirty="0" smtClean="0"/>
+              <a:rPr lang="en-US" sz="4000" dirty="0"/>
               <a:t>Core</a:t>
             </a:r>
-            <a:endParaRPr lang="en-US" dirty="0"/>
+          </a:p>
+          <a:p>
+            <a:pPr algn="ctr"/>
+            <a:r>
+              <a:rPr lang="en-US" sz="4000" dirty="0"/>
+              <a:t>N/W</a:t>
+            </a:r>
+            <a:endParaRPr lang="en-US" sz="2800" dirty="0"/>
           </a:p>
         </p:txBody>
       </p:sp>
@@ -3108,7 +3124,7 @@
         </p:nvSpPr>
         <p:spPr>
           <a:xfrm>
-            <a:off x="4546600" y="2438400"/>
+            <a:off x="4394200" y="2072481"/>
             <a:ext cx="469900" cy="1295400"/>
           </a:xfrm>
           <a:prstGeom prst="rect">
@@ -3139,7 +3155,7 @@
           <a:lstStyle/>
           <a:p>
             <a:pPr algn="ctr"/>
-            <a:endParaRPr lang="en-US"/>
+            <a:endParaRPr lang="en-US" sz="2800"/>
           </a:p>
         </p:txBody>
       </p:sp>
@@ -3151,7 +3167,7 @@
         </p:nvSpPr>
         <p:spPr>
           <a:xfrm>
-            <a:off x="7143750" y="2438400"/>
+            <a:off x="6991350" y="2072481"/>
             <a:ext cx="469900" cy="1295400"/>
           </a:xfrm>
           <a:prstGeom prst="rect">
@@ -3182,7 +3198,7 @@
           <a:lstStyle/>
           <a:p>
             <a:pPr algn="ctr"/>
-            <a:endParaRPr lang="en-US"/>
+            <a:endParaRPr lang="en-US" sz="2800"/>
           </a:p>
         </p:txBody>
       </p:sp>
@@ -3194,7 +3210,7 @@
         </p:nvSpPr>
         <p:spPr>
           <a:xfrm>
-            <a:off x="2405261" y="2438400"/>
+            <a:off x="2252861" y="2072481"/>
             <a:ext cx="2133600" cy="1295400"/>
           </a:xfrm>
           <a:prstGeom prst="rect">
@@ -3220,7 +3236,7 @@
           <a:lstStyle/>
           <a:p>
             <a:pPr algn="ctr"/>
-            <a:endParaRPr lang="en-US"/>
+            <a:endParaRPr lang="en-US" sz="2800"/>
           </a:p>
         </p:txBody>
       </p:sp>
@@ -3232,7 +3248,7 @@
         </p:nvSpPr>
         <p:spPr>
           <a:xfrm>
-            <a:off x="7607300" y="2438400"/>
+            <a:off x="7454900" y="2072481"/>
             <a:ext cx="2133600" cy="1295400"/>
           </a:xfrm>
           <a:prstGeom prst="rect">
@@ -3258,7 +3274,7 @@
           <a:lstStyle/>
           <a:p>
             <a:pPr algn="ctr"/>
-            <a:endParaRPr lang="en-US"/>
+            <a:endParaRPr lang="en-US" sz="2800"/>
           </a:p>
         </p:txBody>
       </p:sp>
@@ -3270,7 +3286,7 @@
         </p:nvSpPr>
         <p:spPr>
           <a:xfrm>
-            <a:off x="268288" y="2438400"/>
+            <a:off x="115888" y="2072481"/>
             <a:ext cx="2133600" cy="1295400"/>
           </a:xfrm>
           <a:prstGeom prst="rect">
@@ -3296,7 +3312,7 @@
           <a:lstStyle/>
           <a:p>
             <a:pPr algn="ctr"/>
-            <a:endParaRPr lang="en-US"/>
+            <a:endParaRPr lang="en-US" sz="2800"/>
           </a:p>
         </p:txBody>
       </p:sp>
@@ -3308,7 +3324,7 @@
         </p:nvSpPr>
         <p:spPr>
           <a:xfrm>
-            <a:off x="9747250" y="2438400"/>
+            <a:off x="9594850" y="2072481"/>
             <a:ext cx="2133600" cy="1295400"/>
           </a:xfrm>
           <a:prstGeom prst="rect">
@@ -3334,7 +3350,7 @@
           <a:lstStyle/>
           <a:p>
             <a:pPr algn="ctr"/>
-            <a:endParaRPr lang="en-US"/>
+            <a:endParaRPr lang="en-US" sz="2800"/>
           </a:p>
         </p:txBody>
       </p:sp>
@@ -3346,7 +3362,7 @@
         </p:nvGrpSpPr>
         <p:grpSpPr>
           <a:xfrm>
-            <a:off x="419100" y="2679700"/>
+            <a:off x="266704" y="2313781"/>
             <a:ext cx="1679575" cy="838200"/>
             <a:chOff x="419100" y="2679700"/>
             <a:chExt cx="1679575" cy="838200"/>
@@ -3388,7 +3404,7 @@
             <a:lstStyle/>
             <a:p>
               <a:pPr algn="ctr"/>
-              <a:endParaRPr lang="en-US"/>
+              <a:endParaRPr lang="en-US" sz="2800"/>
             </a:p>
           </p:txBody>
         </p:sp>
@@ -3428,7 +3444,7 @@
             <a:lstStyle/>
             <a:p>
               <a:pPr algn="ctr"/>
-              <a:endParaRPr lang="en-US"/>
+              <a:endParaRPr lang="en-US" sz="2800"/>
             </a:p>
           </p:txBody>
         </p:sp>
@@ -3468,7 +3484,7 @@
             <a:lstStyle/>
             <a:p>
               <a:pPr algn="ctr"/>
-              <a:endParaRPr lang="en-US"/>
+              <a:endParaRPr lang="en-US" sz="2800"/>
             </a:p>
           </p:txBody>
         </p:sp>
@@ -3508,7 +3524,7 @@
             <a:lstStyle/>
             <a:p>
               <a:pPr algn="ctr"/>
-              <a:endParaRPr lang="en-US"/>
+              <a:endParaRPr lang="en-US" sz="2800"/>
             </a:p>
           </p:txBody>
         </p:sp>
@@ -3548,7 +3564,7 @@
             <a:lstStyle/>
             <a:p>
               <a:pPr algn="ctr"/>
-              <a:endParaRPr lang="en-US"/>
+              <a:endParaRPr lang="en-US" sz="2800"/>
             </a:p>
           </p:txBody>
         </p:sp>
@@ -3588,7 +3604,7 @@
             <a:lstStyle/>
             <a:p>
               <a:pPr algn="ctr"/>
-              <a:endParaRPr lang="en-US"/>
+              <a:endParaRPr lang="en-US" sz="2800"/>
             </a:p>
           </p:txBody>
         </p:sp>
@@ -3628,7 +3644,7 @@
             <a:lstStyle/>
             <a:p>
               <a:pPr algn="ctr"/>
-              <a:endParaRPr lang="en-US"/>
+              <a:endParaRPr lang="en-US" sz="2800"/>
             </a:p>
           </p:txBody>
         </p:sp>
@@ -3668,7 +3684,7 @@
             <a:lstStyle/>
             <a:p>
               <a:pPr algn="ctr"/>
-              <a:endParaRPr lang="en-US"/>
+              <a:endParaRPr lang="en-US" sz="2800"/>
             </a:p>
           </p:txBody>
         </p:sp>
@@ -3681,7 +3697,7 @@
         </p:nvGrpSpPr>
         <p:grpSpPr>
           <a:xfrm>
-            <a:off x="2627312" y="2667000"/>
+            <a:off x="2474916" y="2301081"/>
             <a:ext cx="1679575" cy="838200"/>
             <a:chOff x="419100" y="2679700"/>
             <a:chExt cx="1679575" cy="838200"/>
@@ -3729,7 +3745,7 @@
             <a:lstStyle/>
             <a:p>
               <a:pPr algn="ctr"/>
-              <a:endParaRPr lang="en-US"/>
+              <a:endParaRPr lang="en-US" sz="2800"/>
             </a:p>
           </p:txBody>
         </p:sp>
@@ -3770,7 +3786,7 @@
             <a:lstStyle/>
             <a:p>
               <a:pPr algn="ctr"/>
-              <a:endParaRPr lang="en-US"/>
+              <a:endParaRPr lang="en-US" sz="2800"/>
             </a:p>
           </p:txBody>
         </p:sp>
@@ -3811,7 +3827,7 @@
             <a:lstStyle/>
             <a:p>
               <a:pPr algn="ctr"/>
-              <a:endParaRPr lang="en-US"/>
+              <a:endParaRPr lang="en-US" sz="2800"/>
             </a:p>
           </p:txBody>
         </p:sp>
@@ -3852,7 +3868,7 @@
             <a:lstStyle/>
             <a:p>
               <a:pPr algn="ctr"/>
-              <a:endParaRPr lang="en-US"/>
+              <a:endParaRPr lang="en-US" sz="2800"/>
             </a:p>
           </p:txBody>
         </p:sp>
@@ -3893,7 +3909,7 @@
             <a:lstStyle/>
             <a:p>
               <a:pPr algn="ctr"/>
-              <a:endParaRPr lang="en-US"/>
+              <a:endParaRPr lang="en-US" sz="2800"/>
             </a:p>
           </p:txBody>
         </p:sp>
@@ -3934,7 +3950,7 @@
             <a:lstStyle/>
             <a:p>
               <a:pPr algn="ctr"/>
-              <a:endParaRPr lang="en-US"/>
+              <a:endParaRPr lang="en-US" sz="2800"/>
             </a:p>
           </p:txBody>
         </p:sp>
@@ -3975,7 +3991,7 @@
             <a:lstStyle/>
             <a:p>
               <a:pPr algn="ctr"/>
-              <a:endParaRPr lang="en-US"/>
+              <a:endParaRPr lang="en-US" sz="2800"/>
             </a:p>
           </p:txBody>
         </p:sp>
@@ -4016,7 +4032,7 @@
             <a:lstStyle/>
             <a:p>
               <a:pPr algn="ctr"/>
-              <a:endParaRPr lang="en-US"/>
+              <a:endParaRPr lang="en-US" sz="2800"/>
             </a:p>
           </p:txBody>
         </p:sp>
@@ -4029,7 +4045,7 @@
         </p:nvGrpSpPr>
         <p:grpSpPr>
           <a:xfrm>
-            <a:off x="7825582" y="2667000"/>
+            <a:off x="7673186" y="2301081"/>
             <a:ext cx="1679575" cy="838200"/>
             <a:chOff x="419100" y="2679700"/>
             <a:chExt cx="1679575" cy="838200"/>
@@ -4077,7 +4093,7 @@
             <a:lstStyle/>
             <a:p>
               <a:pPr algn="ctr"/>
-              <a:endParaRPr lang="en-US"/>
+              <a:endParaRPr lang="en-US" sz="2800"/>
             </a:p>
           </p:txBody>
         </p:sp>
@@ -4118,7 +4134,7 @@
             <a:lstStyle/>
             <a:p>
               <a:pPr algn="ctr"/>
-              <a:endParaRPr lang="en-US"/>
+              <a:endParaRPr lang="en-US" sz="2800"/>
             </a:p>
           </p:txBody>
         </p:sp>
@@ -4159,7 +4175,7 @@
             <a:lstStyle/>
             <a:p>
               <a:pPr algn="ctr"/>
-              <a:endParaRPr lang="en-US"/>
+              <a:endParaRPr lang="en-US" sz="2800"/>
             </a:p>
           </p:txBody>
         </p:sp>
@@ -4200,7 +4216,7 @@
             <a:lstStyle/>
             <a:p>
               <a:pPr algn="ctr"/>
-              <a:endParaRPr lang="en-US"/>
+              <a:endParaRPr lang="en-US" sz="2800"/>
             </a:p>
           </p:txBody>
         </p:sp>
@@ -4241,7 +4257,7 @@
             <a:lstStyle/>
             <a:p>
               <a:pPr algn="ctr"/>
-              <a:endParaRPr lang="en-US"/>
+              <a:endParaRPr lang="en-US" sz="2800"/>
             </a:p>
           </p:txBody>
         </p:sp>
@@ -4282,7 +4298,7 @@
             <a:lstStyle/>
             <a:p>
               <a:pPr algn="ctr"/>
-              <a:endParaRPr lang="en-US"/>
+              <a:endParaRPr lang="en-US" sz="2800"/>
             </a:p>
           </p:txBody>
         </p:sp>
@@ -4323,7 +4339,7 @@
             <a:lstStyle/>
             <a:p>
               <a:pPr algn="ctr"/>
-              <a:endParaRPr lang="en-US"/>
+              <a:endParaRPr lang="en-US" sz="2800"/>
             </a:p>
           </p:txBody>
         </p:sp>
@@ -4364,7 +4380,7 @@
             <a:lstStyle/>
             <a:p>
               <a:pPr algn="ctr"/>
-              <a:endParaRPr lang="en-US"/>
+              <a:endParaRPr lang="en-US" sz="2800"/>
             </a:p>
           </p:txBody>
         </p:sp>
@@ -4377,7 +4393,7 @@
         </p:nvGrpSpPr>
         <p:grpSpPr>
           <a:xfrm>
-            <a:off x="9952040" y="2667000"/>
+            <a:off x="9799644" y="2301081"/>
             <a:ext cx="1679575" cy="838200"/>
             <a:chOff x="419100" y="2679700"/>
             <a:chExt cx="1679575" cy="838200"/>
@@ -4419,7 +4435,7 @@
             <a:lstStyle/>
             <a:p>
               <a:pPr algn="ctr"/>
-              <a:endParaRPr lang="en-US"/>
+              <a:endParaRPr lang="en-US" sz="2800"/>
             </a:p>
           </p:txBody>
         </p:sp>
@@ -4459,7 +4475,7 @@
             <a:lstStyle/>
             <a:p>
               <a:pPr algn="ctr"/>
-              <a:endParaRPr lang="en-US"/>
+              <a:endParaRPr lang="en-US" sz="2800"/>
             </a:p>
           </p:txBody>
         </p:sp>
@@ -4499,7 +4515,7 @@
             <a:lstStyle/>
             <a:p>
               <a:pPr algn="ctr"/>
-              <a:endParaRPr lang="en-US"/>
+              <a:endParaRPr lang="en-US" sz="2800"/>
             </a:p>
           </p:txBody>
         </p:sp>
@@ -4539,7 +4555,7 @@
             <a:lstStyle/>
             <a:p>
               <a:pPr algn="ctr"/>
-              <a:endParaRPr lang="en-US"/>
+              <a:endParaRPr lang="en-US" sz="2800"/>
             </a:p>
           </p:txBody>
         </p:sp>
@@ -4579,7 +4595,7 @@
             <a:lstStyle/>
             <a:p>
               <a:pPr algn="ctr"/>
-              <a:endParaRPr lang="en-US"/>
+              <a:endParaRPr lang="en-US" sz="2800"/>
             </a:p>
           </p:txBody>
         </p:sp>
@@ -4619,7 +4635,7 @@
             <a:lstStyle/>
             <a:p>
               <a:pPr algn="ctr"/>
-              <a:endParaRPr lang="en-US"/>
+              <a:endParaRPr lang="en-US" sz="2800"/>
             </a:p>
           </p:txBody>
         </p:sp>
@@ -4659,7 +4675,7 @@
             <a:lstStyle/>
             <a:p>
               <a:pPr algn="ctr"/>
-              <a:endParaRPr lang="en-US"/>
+              <a:endParaRPr lang="en-US" sz="2800"/>
             </a:p>
           </p:txBody>
         </p:sp>
@@ -4699,7 +4715,7 @@
             <a:lstStyle/>
             <a:p>
               <a:pPr algn="ctr"/>
-              <a:endParaRPr lang="en-US"/>
+              <a:endParaRPr lang="en-US" sz="2800"/>
             </a:p>
           </p:txBody>
         </p:sp>
@@ -4712,7 +4728,7 @@
         </p:nvSpPr>
         <p:spPr>
           <a:xfrm>
-            <a:off x="7254876" y="2679700"/>
+            <a:off x="7102476" y="2313781"/>
             <a:ext cx="279400" cy="304800"/>
           </a:xfrm>
           <a:prstGeom prst="rect">
@@ -4740,7 +4756,7 @@
           <a:lstStyle/>
           <a:p>
             <a:pPr algn="ctr"/>
-            <a:endParaRPr lang="en-US"/>
+            <a:endParaRPr lang="en-US" sz="2800"/>
           </a:p>
         </p:txBody>
       </p:sp>
@@ -4752,7 +4768,7 @@
         </p:nvSpPr>
         <p:spPr>
           <a:xfrm>
-            <a:off x="7254876" y="3213100"/>
+            <a:off x="7102476" y="2847181"/>
             <a:ext cx="279400" cy="304800"/>
           </a:xfrm>
           <a:prstGeom prst="rect">
@@ -4780,7 +4796,7 @@
           <a:lstStyle/>
           <a:p>
             <a:pPr algn="ctr"/>
-            <a:endParaRPr lang="en-US"/>
+            <a:endParaRPr lang="en-US" sz="2800"/>
           </a:p>
         </p:txBody>
       </p:sp>
@@ -4792,7 +4808,7 @@
         </p:nvSpPr>
         <p:spPr>
           <a:xfrm>
-            <a:off x="4651376" y="2667000"/>
+            <a:off x="4498976" y="2301081"/>
             <a:ext cx="279400" cy="304800"/>
           </a:xfrm>
           <a:prstGeom prst="rect">
@@ -4820,7 +4836,7 @@
           <a:lstStyle/>
           <a:p>
             <a:pPr algn="ctr"/>
-            <a:endParaRPr lang="en-US"/>
+            <a:endParaRPr lang="en-US" sz="2800"/>
           </a:p>
         </p:txBody>
       </p:sp>
@@ -4832,7 +4848,7 @@
         </p:nvSpPr>
         <p:spPr>
           <a:xfrm>
-            <a:off x="4651376" y="3200400"/>
+            <a:off x="4498976" y="2834481"/>
             <a:ext cx="279400" cy="304800"/>
           </a:xfrm>
           <a:prstGeom prst="rect">
@@ -4860,7 +4876,7 @@
           <a:lstStyle/>
           <a:p>
             <a:pPr algn="ctr"/>
-            <a:endParaRPr lang="en-US"/>
+            <a:endParaRPr lang="en-US" sz="2800"/>
           </a:p>
         </p:txBody>
       </p:sp>
@@ -4868,14 +4884,15 @@
         <p:nvCxnSpPr>
           <p:cNvPr id="65" name="Straight Connector 64"/>
           <p:cNvCxnSpPr>
+            <a:cxnSpLocks/>
             <a:endCxn id="15" idx="1"/>
           </p:cNvCxnSpPr>
           <p:nvPr/>
         </p:nvCxnSpPr>
         <p:spPr>
           <a:xfrm flipV="1">
-            <a:off x="4764085" y="1200150"/>
-            <a:ext cx="634766" cy="2171700"/>
+            <a:off x="4611685" y="900517"/>
+            <a:ext cx="634766" cy="2105416"/>
           </a:xfrm>
           <a:prstGeom prst="line">
             <a:avLst/>
@@ -4900,14 +4917,15 @@
         <p:nvCxnSpPr>
           <p:cNvPr id="67" name="Straight Connector 66"/>
           <p:cNvCxnSpPr>
+            <a:cxnSpLocks/>
             <a:endCxn id="15" idx="3"/>
           </p:cNvCxnSpPr>
           <p:nvPr/>
         </p:nvCxnSpPr>
         <p:spPr>
           <a:xfrm flipH="1" flipV="1">
-            <a:off x="6663447" y="1200150"/>
-            <a:ext cx="731128" cy="2171700"/>
+            <a:off x="6511047" y="900517"/>
+            <a:ext cx="731128" cy="2105416"/>
           </a:xfrm>
           <a:prstGeom prst="line">
             <a:avLst/>
@@ -4936,7 +4954,7 @@
         </p:nvGrpSpPr>
         <p:grpSpPr>
           <a:xfrm>
-            <a:off x="2614612" y="2819400"/>
+            <a:off x="2462212" y="2453481"/>
             <a:ext cx="1795462" cy="552450"/>
             <a:chOff x="2614612" y="2819400"/>
             <a:chExt cx="1795462" cy="552450"/>
@@ -4979,7 +4997,7 @@
             <a:lstStyle/>
             <a:p>
               <a:pPr algn="ctr"/>
-              <a:endParaRPr lang="en-US"/>
+              <a:endParaRPr lang="en-US" sz="2800"/>
             </a:p>
           </p:txBody>
         </p:sp>
@@ -5020,7 +5038,7 @@
             <a:lstStyle/>
             <a:p>
               <a:pPr algn="ctr"/>
-              <a:endParaRPr lang="en-US"/>
+              <a:endParaRPr lang="en-US" sz="2800"/>
             </a:p>
           </p:txBody>
         </p:sp>
@@ -5061,7 +5079,7 @@
             <a:lstStyle/>
             <a:p>
               <a:pPr algn="ctr"/>
-              <a:endParaRPr lang="en-US"/>
+              <a:endParaRPr lang="en-US" sz="2800"/>
             </a:p>
           </p:txBody>
         </p:sp>
@@ -5102,7 +5120,7 @@
             <a:lstStyle/>
             <a:p>
               <a:pPr algn="ctr"/>
-              <a:endParaRPr lang="en-US"/>
+              <a:endParaRPr lang="en-US" sz="2800"/>
             </a:p>
           </p:txBody>
         </p:sp>
@@ -5111,14 +5129,15 @@
         <p:nvCxnSpPr>
           <p:cNvPr id="7" name="Straight Connector 6"/>
           <p:cNvCxnSpPr>
+            <a:cxnSpLocks/>
             <a:endCxn id="15" idx="1"/>
           </p:cNvCxnSpPr>
           <p:nvPr/>
         </p:nvCxnSpPr>
         <p:spPr>
           <a:xfrm flipV="1">
-            <a:off x="4772024" y="1200150"/>
-            <a:ext cx="626827" cy="1619250"/>
+            <a:off x="4619628" y="900517"/>
+            <a:ext cx="626823" cy="1552966"/>
           </a:xfrm>
           <a:prstGeom prst="line">
             <a:avLst/>
@@ -5143,14 +5162,15 @@
         <p:nvCxnSpPr>
           <p:cNvPr id="9" name="Straight Connector 8"/>
           <p:cNvCxnSpPr>
+            <a:cxnSpLocks/>
             <a:endCxn id="15" idx="3"/>
           </p:cNvCxnSpPr>
           <p:nvPr/>
         </p:nvCxnSpPr>
         <p:spPr>
           <a:xfrm flipH="1" flipV="1">
-            <a:off x="6663447" y="1200150"/>
-            <a:ext cx="731127" cy="1651000"/>
+            <a:off x="6511047" y="900517"/>
+            <a:ext cx="731128" cy="1584716"/>
           </a:xfrm>
           <a:prstGeom prst="line">
             <a:avLst/>
@@ -5179,7 +5199,7 @@
         </p:nvGrpSpPr>
         <p:grpSpPr>
           <a:xfrm>
-            <a:off x="7820028" y="2841626"/>
+            <a:off x="7667628" y="2475707"/>
             <a:ext cx="1795462" cy="552450"/>
             <a:chOff x="2614612" y="2819400"/>
             <a:chExt cx="1795462" cy="552450"/>
@@ -5222,7 +5242,7 @@
             <a:lstStyle/>
             <a:p>
               <a:pPr algn="ctr"/>
-              <a:endParaRPr lang="en-US"/>
+              <a:endParaRPr lang="en-US" sz="2800"/>
             </a:p>
           </p:txBody>
         </p:sp>
@@ -5263,7 +5283,7 @@
             <a:lstStyle/>
             <a:p>
               <a:pPr algn="ctr"/>
-              <a:endParaRPr lang="en-US"/>
+              <a:endParaRPr lang="en-US" sz="2800"/>
             </a:p>
           </p:txBody>
         </p:sp>
@@ -5304,7 +5324,7 @@
             <a:lstStyle/>
             <a:p>
               <a:pPr algn="ctr"/>
-              <a:endParaRPr lang="en-US"/>
+              <a:endParaRPr lang="en-US" sz="2800"/>
             </a:p>
           </p:txBody>
         </p:sp>
@@ -5345,348 +5365,7 @@
             <a:lstStyle/>
             <a:p>
               <a:pPr algn="ctr"/>
-              <a:endParaRPr lang="en-US"/>
-            </a:p>
-          </p:txBody>
-        </p:sp>
-      </p:grpSp>
-      <p:grpSp>
-        <p:nvGrpSpPr>
-          <p:cNvPr id="152" name="Group 151"/>
-          <p:cNvGrpSpPr/>
-          <p:nvPr/>
-        </p:nvGrpSpPr>
-        <p:grpSpPr>
-          <a:xfrm>
-            <a:off x="268288" y="4584700"/>
-            <a:ext cx="2141538" cy="1739900"/>
-            <a:chOff x="268288" y="4584700"/>
-            <a:chExt cx="2141538" cy="1739900"/>
-          </a:xfrm>
-        </p:grpSpPr>
-        <p:sp>
-          <p:nvSpPr>
-            <p:cNvPr id="101" name="Rectangle 100"/>
-            <p:cNvSpPr/>
-            <p:nvPr/>
-          </p:nvSpPr>
-          <p:spPr>
-            <a:xfrm>
-              <a:off x="268288" y="4584700"/>
-              <a:ext cx="2141538" cy="1739900"/>
-            </a:xfrm>
-            <a:prstGeom prst="rect">
-              <a:avLst/>
-            </a:prstGeom>
-            <a:solidFill>
-              <a:schemeClr val="bg1"/>
-            </a:solidFill>
-            <a:ln>
-              <a:prstDash val="dashDot"/>
-            </a:ln>
-          </p:spPr>
-          <p:style>
-            <a:lnRef idx="2">
-              <a:schemeClr val="accent1">
-                <a:shade val="50000"/>
-              </a:schemeClr>
-            </a:lnRef>
-            <a:fillRef idx="1">
-              <a:schemeClr val="accent1"/>
-            </a:fillRef>
-            <a:effectRef idx="0">
-              <a:schemeClr val="accent1"/>
-            </a:effectRef>
-            <a:fontRef idx="minor">
-              <a:schemeClr val="lt1"/>
-            </a:fontRef>
-          </p:style>
-          <p:txBody>
-            <a:bodyPr rtlCol="0" anchor="ctr"/>
-            <a:lstStyle/>
-            <a:p>
-              <a:pPr algn="ctr"/>
-              <a:endParaRPr lang="en-US"/>
-            </a:p>
-          </p:txBody>
-        </p:sp>
-        <p:sp>
-          <p:nvSpPr>
-            <p:cNvPr id="88" name="Rectangle 87"/>
-            <p:cNvSpPr/>
-            <p:nvPr/>
-          </p:nvSpPr>
-          <p:spPr>
-            <a:xfrm>
-              <a:off x="276224" y="4800600"/>
-              <a:ext cx="1219202" cy="292100"/>
-            </a:xfrm>
-            <a:prstGeom prst="rect">
-              <a:avLst/>
-            </a:prstGeom>
-          </p:spPr>
-          <p:style>
-            <a:lnRef idx="2">
-              <a:schemeClr val="accent1">
-                <a:shade val="50000"/>
-              </a:schemeClr>
-            </a:lnRef>
-            <a:fillRef idx="1">
-              <a:schemeClr val="accent1"/>
-            </a:fillRef>
-            <a:effectRef idx="0">
-              <a:schemeClr val="accent1"/>
-            </a:effectRef>
-            <a:fontRef idx="minor">
-              <a:schemeClr val="lt1"/>
-            </a:fontRef>
-          </p:style>
-          <p:txBody>
-            <a:bodyPr rtlCol="0" anchor="ctr"/>
-            <a:lstStyle/>
-            <a:p>
-              <a:pPr algn="ctr"/>
-              <a:endParaRPr lang="en-US"/>
-            </a:p>
-          </p:txBody>
-        </p:sp>
-        <p:sp>
-          <p:nvSpPr>
-            <p:cNvPr id="89" name="Rectangle 88"/>
-            <p:cNvSpPr/>
-            <p:nvPr/>
-          </p:nvSpPr>
-          <p:spPr>
-            <a:xfrm>
-              <a:off x="428624" y="4953000"/>
-              <a:ext cx="1219202" cy="292100"/>
-            </a:xfrm>
-            <a:prstGeom prst="rect">
-              <a:avLst/>
-            </a:prstGeom>
-          </p:spPr>
-          <p:style>
-            <a:lnRef idx="2">
-              <a:schemeClr val="accent1">
-                <a:shade val="50000"/>
-              </a:schemeClr>
-            </a:lnRef>
-            <a:fillRef idx="1">
-              <a:schemeClr val="accent1"/>
-            </a:fillRef>
-            <a:effectRef idx="0">
-              <a:schemeClr val="accent1"/>
-            </a:effectRef>
-            <a:fontRef idx="minor">
-              <a:schemeClr val="lt1"/>
-            </a:fontRef>
-          </p:style>
-          <p:txBody>
-            <a:bodyPr rtlCol="0" anchor="ctr"/>
-            <a:lstStyle/>
-            <a:p>
-              <a:pPr algn="ctr"/>
-              <a:endParaRPr lang="en-US"/>
-            </a:p>
-          </p:txBody>
-        </p:sp>
-        <p:sp>
-          <p:nvSpPr>
-            <p:cNvPr id="90" name="Rectangle 89"/>
-            <p:cNvSpPr/>
-            <p:nvPr/>
-          </p:nvSpPr>
-          <p:spPr>
-            <a:xfrm>
-              <a:off x="581024" y="5105400"/>
-              <a:ext cx="1219202" cy="292100"/>
-            </a:xfrm>
-            <a:prstGeom prst="rect">
-              <a:avLst/>
-            </a:prstGeom>
-          </p:spPr>
-          <p:style>
-            <a:lnRef idx="2">
-              <a:schemeClr val="accent1">
-                <a:shade val="50000"/>
-              </a:schemeClr>
-            </a:lnRef>
-            <a:fillRef idx="1">
-              <a:schemeClr val="accent1"/>
-            </a:fillRef>
-            <a:effectRef idx="0">
-              <a:schemeClr val="accent1"/>
-            </a:effectRef>
-            <a:fontRef idx="minor">
-              <a:schemeClr val="lt1"/>
-            </a:fontRef>
-          </p:style>
-          <p:txBody>
-            <a:bodyPr rtlCol="0" anchor="ctr"/>
-            <a:lstStyle/>
-            <a:p>
-              <a:pPr algn="ctr"/>
-              <a:endParaRPr lang="en-US"/>
-            </a:p>
-          </p:txBody>
-        </p:sp>
-        <p:sp>
-          <p:nvSpPr>
-            <p:cNvPr id="91" name="Rectangle 90"/>
-            <p:cNvSpPr/>
-            <p:nvPr/>
-          </p:nvSpPr>
-          <p:spPr>
-            <a:xfrm>
-              <a:off x="733424" y="5257800"/>
-              <a:ext cx="1219202" cy="292100"/>
-            </a:xfrm>
-            <a:prstGeom prst="rect">
-              <a:avLst/>
-            </a:prstGeom>
-          </p:spPr>
-          <p:style>
-            <a:lnRef idx="2">
-              <a:schemeClr val="accent1">
-                <a:shade val="50000"/>
-              </a:schemeClr>
-            </a:lnRef>
-            <a:fillRef idx="1">
-              <a:schemeClr val="accent1"/>
-            </a:fillRef>
-            <a:effectRef idx="0">
-              <a:schemeClr val="accent1"/>
-            </a:effectRef>
-            <a:fontRef idx="minor">
-              <a:schemeClr val="lt1"/>
-            </a:fontRef>
-          </p:style>
-          <p:txBody>
-            <a:bodyPr rtlCol="0" anchor="ctr"/>
-            <a:lstStyle/>
-            <a:p>
-              <a:pPr algn="ctr"/>
-              <a:endParaRPr lang="en-US"/>
-            </a:p>
-          </p:txBody>
-        </p:sp>
-        <p:sp>
-          <p:nvSpPr>
-            <p:cNvPr id="92" name="Rectangle 91"/>
-            <p:cNvSpPr/>
-            <p:nvPr/>
-          </p:nvSpPr>
-          <p:spPr>
-            <a:xfrm>
-              <a:off x="885824" y="5410200"/>
-              <a:ext cx="1219202" cy="292100"/>
-            </a:xfrm>
-            <a:prstGeom prst="rect">
-              <a:avLst/>
-            </a:prstGeom>
-          </p:spPr>
-          <p:style>
-            <a:lnRef idx="2">
-              <a:schemeClr val="accent1">
-                <a:shade val="50000"/>
-              </a:schemeClr>
-            </a:lnRef>
-            <a:fillRef idx="1">
-              <a:schemeClr val="accent1"/>
-            </a:fillRef>
-            <a:effectRef idx="0">
-              <a:schemeClr val="accent1"/>
-            </a:effectRef>
-            <a:fontRef idx="minor">
-              <a:schemeClr val="lt1"/>
-            </a:fontRef>
-          </p:style>
-          <p:txBody>
-            <a:bodyPr rtlCol="0" anchor="ctr"/>
-            <a:lstStyle/>
-            <a:p>
-              <a:pPr algn="ctr"/>
-              <a:endParaRPr lang="en-US"/>
-            </a:p>
-          </p:txBody>
-        </p:sp>
-        <p:sp>
-          <p:nvSpPr>
-            <p:cNvPr id="93" name="Rectangle 92"/>
-            <p:cNvSpPr/>
-            <p:nvPr/>
-          </p:nvSpPr>
-          <p:spPr>
-            <a:xfrm>
-              <a:off x="1038224" y="5562600"/>
-              <a:ext cx="1219202" cy="292100"/>
-            </a:xfrm>
-            <a:prstGeom prst="rect">
-              <a:avLst/>
-            </a:prstGeom>
-          </p:spPr>
-          <p:style>
-            <a:lnRef idx="2">
-              <a:schemeClr val="accent1">
-                <a:shade val="50000"/>
-              </a:schemeClr>
-            </a:lnRef>
-            <a:fillRef idx="1">
-              <a:schemeClr val="accent1"/>
-            </a:fillRef>
-            <a:effectRef idx="0">
-              <a:schemeClr val="accent1"/>
-            </a:effectRef>
-            <a:fontRef idx="minor">
-              <a:schemeClr val="lt1"/>
-            </a:fontRef>
-          </p:style>
-          <p:txBody>
-            <a:bodyPr rtlCol="0" anchor="ctr"/>
-            <a:lstStyle/>
-            <a:p>
-              <a:pPr algn="ctr"/>
-              <a:endParaRPr lang="en-US"/>
-            </a:p>
-          </p:txBody>
-        </p:sp>
-        <p:sp>
-          <p:nvSpPr>
-            <p:cNvPr id="94" name="Rectangle 93"/>
-            <p:cNvSpPr/>
-            <p:nvPr/>
-          </p:nvSpPr>
-          <p:spPr>
-            <a:xfrm>
-              <a:off x="1190624" y="5715000"/>
-              <a:ext cx="1219202" cy="292100"/>
-            </a:xfrm>
-            <a:prstGeom prst="rect">
-              <a:avLst/>
-            </a:prstGeom>
-          </p:spPr>
-          <p:style>
-            <a:lnRef idx="2">
-              <a:schemeClr val="accent1">
-                <a:shade val="50000"/>
-              </a:schemeClr>
-            </a:lnRef>
-            <a:fillRef idx="1">
-              <a:schemeClr val="accent1"/>
-            </a:fillRef>
-            <a:effectRef idx="0">
-              <a:schemeClr val="accent1"/>
-            </a:effectRef>
-            <a:fontRef idx="minor">
-              <a:schemeClr val="lt1"/>
-            </a:fontRef>
-          </p:style>
-          <p:txBody>
-            <a:bodyPr rtlCol="0" anchor="ctr"/>
-            <a:lstStyle/>
-            <a:p>
-              <a:pPr algn="ctr"/>
-              <a:endParaRPr lang="en-US"/>
+              <a:endParaRPr lang="en-US" sz="2800"/>
             </a:p>
           </p:txBody>
         </p:sp>
@@ -5699,7 +5378,7 @@
         </p:nvGrpSpPr>
         <p:grpSpPr>
           <a:xfrm>
-            <a:off x="575071" y="2854326"/>
+            <a:off x="422671" y="2488411"/>
             <a:ext cx="1387278" cy="1741487"/>
             <a:chOff x="575071" y="2854326"/>
             <a:chExt cx="1387278" cy="1741487"/>
@@ -5773,7 +5452,7 @@
           <p:nvCxnSpPr>
             <p:cNvPr id="107" name="Elbow Connector 106"/>
             <p:cNvCxnSpPr>
-              <a:endCxn id="101" idx="0"/>
+              <a:cxnSpLocks/>
             </p:cNvCxnSpPr>
             <p:nvPr/>
           </p:nvCxnSpPr>
@@ -5970,7 +5649,7 @@
         </p:nvGrpSpPr>
         <p:grpSpPr>
           <a:xfrm>
-            <a:off x="10090944" y="2840039"/>
+            <a:off x="9938544" y="2474124"/>
             <a:ext cx="1387278" cy="1741487"/>
             <a:chOff x="575071" y="2854326"/>
             <a:chExt cx="1387278" cy="1741487"/>
@@ -6231,23 +5910,217 @@
           </p:style>
         </p:cxnSp>
       </p:grpSp>
+      <p:sp>
+        <p:nvSpPr>
+          <p:cNvPr id="10" name="TextBox 9">
+            <a:extLst>
+              <a:ext uri="{FF2B5EF4-FFF2-40B4-BE49-F238E27FC236}">
+                <a16:creationId xmlns:a16="http://schemas.microsoft.com/office/drawing/2014/main" id="{854F9247-2906-4E24-814D-BC5CCAEF6AC2}"/>
+              </a:ext>
+            </a:extLst>
+          </p:cNvPr>
+          <p:cNvSpPr txBox="1"/>
+          <p:nvPr/>
+        </p:nvSpPr>
+        <p:spPr>
+          <a:xfrm>
+            <a:off x="1889205" y="3353957"/>
+            <a:ext cx="3078087" cy="584775"/>
+          </a:xfrm>
+          <a:prstGeom prst="rect">
+            <a:avLst/>
+          </a:prstGeom>
+          <a:noFill/>
+        </p:spPr>
+        <p:txBody>
+          <a:bodyPr wrap="none" rtlCol="0">
+            <a:spAutoFit/>
+          </a:bodyPr>
+          <a:lstStyle/>
+          <a:p>
+            <a:r>
+              <a:rPr lang="en-US" sz="3200" dirty="0" err="1"/>
+              <a:t>ToR</a:t>
+            </a:r>
+            <a:r>
+              <a:rPr lang="en-US" sz="3200" dirty="0"/>
+              <a:t> SDN Switch 1</a:t>
+            </a:r>
+          </a:p>
+        </p:txBody>
+      </p:sp>
+      <p:sp>
+        <p:nvSpPr>
+          <p:cNvPr id="110" name="TextBox 109">
+            <a:extLst>
+              <a:ext uri="{FF2B5EF4-FFF2-40B4-BE49-F238E27FC236}">
+                <a16:creationId xmlns:a16="http://schemas.microsoft.com/office/drawing/2014/main" id="{6ADB46ED-DFA4-4A58-A432-4504F0294632}"/>
+              </a:ext>
+            </a:extLst>
+          </p:cNvPr>
+          <p:cNvSpPr txBox="1"/>
+          <p:nvPr/>
+        </p:nvSpPr>
+        <p:spPr>
+          <a:xfrm>
+            <a:off x="6850171" y="3363144"/>
+            <a:ext cx="3134191" cy="584775"/>
+          </a:xfrm>
+          <a:prstGeom prst="rect">
+            <a:avLst/>
+          </a:prstGeom>
+          <a:noFill/>
+        </p:spPr>
+        <p:txBody>
+          <a:bodyPr wrap="none" rtlCol="0">
+            <a:spAutoFit/>
+          </a:bodyPr>
+          <a:lstStyle/>
+          <a:p>
+            <a:r>
+              <a:rPr lang="en-US" sz="3200" dirty="0" err="1"/>
+              <a:t>ToR</a:t>
+            </a:r>
+            <a:r>
+              <a:rPr lang="en-US" sz="3200" dirty="0"/>
+              <a:t> SDN Switch N</a:t>
+            </a:r>
+          </a:p>
+        </p:txBody>
+      </p:sp>
+      <p:sp>
+        <p:nvSpPr>
+          <p:cNvPr id="11" name="TextBox 10">
+            <a:extLst>
+              <a:ext uri="{FF2B5EF4-FFF2-40B4-BE49-F238E27FC236}">
+                <a16:creationId xmlns:a16="http://schemas.microsoft.com/office/drawing/2014/main" id="{23DF6110-0BD3-4338-829C-C7C3E8330B1F}"/>
+              </a:ext>
+            </a:extLst>
+          </p:cNvPr>
+          <p:cNvSpPr txBox="1"/>
+          <p:nvPr/>
+        </p:nvSpPr>
+        <p:spPr>
+          <a:xfrm>
+            <a:off x="5273100" y="1824083"/>
+            <a:ext cx="1202573" cy="1862048"/>
+          </a:xfrm>
+          <a:prstGeom prst="rect">
+            <a:avLst/>
+          </a:prstGeom>
+          <a:noFill/>
+        </p:spPr>
+        <p:txBody>
+          <a:bodyPr wrap="none" rtlCol="0">
+            <a:spAutoFit/>
+          </a:bodyPr>
+          <a:lstStyle/>
+          <a:p>
+            <a:r>
+              <a:rPr lang="en-US" sz="11500" dirty="0"/>
+              <a:t>…</a:t>
+            </a:r>
+          </a:p>
+        </p:txBody>
+      </p:sp>
+      <p:sp>
+        <p:nvSpPr>
+          <p:cNvPr id="111" name="TextBox 110">
+            <a:extLst>
+              <a:ext uri="{FF2B5EF4-FFF2-40B4-BE49-F238E27FC236}">
+                <a16:creationId xmlns:a16="http://schemas.microsoft.com/office/drawing/2014/main" id="{AE80D894-FF8D-4D26-B80B-02A22BC9DFF5}"/>
+              </a:ext>
+            </a:extLst>
+          </p:cNvPr>
+          <p:cNvSpPr txBox="1"/>
+          <p:nvPr/>
+        </p:nvSpPr>
+        <p:spPr>
+          <a:xfrm>
+            <a:off x="1789387" y="5533156"/>
+            <a:ext cx="1532792" cy="707886"/>
+          </a:xfrm>
+          <a:prstGeom prst="rect">
+            <a:avLst/>
+          </a:prstGeom>
+          <a:noFill/>
+        </p:spPr>
+        <p:txBody>
+          <a:bodyPr wrap="none" rtlCol="0">
+            <a:spAutoFit/>
+          </a:bodyPr>
+          <a:lstStyle/>
+          <a:p>
+            <a:r>
+              <a:rPr lang="en-US" sz="4000" dirty="0"/>
+              <a:t>Rack 1</a:t>
+            </a:r>
+          </a:p>
+        </p:txBody>
+      </p:sp>
+      <p:sp>
+        <p:nvSpPr>
+          <p:cNvPr id="12" name="Rectangle 11">
+            <a:extLst>
+              <a:ext uri="{FF2B5EF4-FFF2-40B4-BE49-F238E27FC236}">
+                <a16:creationId xmlns:a16="http://schemas.microsoft.com/office/drawing/2014/main" id="{3AD1AFB7-40CD-4168-AE5A-08ADE7B48D7F}"/>
+              </a:ext>
+            </a:extLst>
+          </p:cNvPr>
+          <p:cNvSpPr/>
+          <p:nvPr/>
+        </p:nvSpPr>
+        <p:spPr>
+          <a:xfrm>
+            <a:off x="9004131" y="5571647"/>
+            <a:ext cx="1604927" cy="707886"/>
+          </a:xfrm>
+          <a:prstGeom prst="rect">
+            <a:avLst/>
+          </a:prstGeom>
+        </p:spPr>
+        <p:txBody>
+          <a:bodyPr wrap="none">
+            <a:spAutoFit/>
+          </a:bodyPr>
+          <a:lstStyle/>
+          <a:p>
+            <a:r>
+              <a:rPr lang="en-US" sz="4000" dirty="0"/>
+              <a:t>Rack N</a:t>
+            </a:r>
+          </a:p>
+        </p:txBody>
+      </p:sp>
       <p:grpSp>
         <p:nvGrpSpPr>
-          <p:cNvPr id="153" name="Group 152"/>
+          <p:cNvPr id="185" name="Group 151">
+            <a:extLst>
+              <a:ext uri="{FF2B5EF4-FFF2-40B4-BE49-F238E27FC236}">
+                <a16:creationId xmlns:a16="http://schemas.microsoft.com/office/drawing/2014/main" id="{C234912D-853A-4B42-BDAC-D3141EADEAE9}"/>
+              </a:ext>
+            </a:extLst>
+          </p:cNvPr>
           <p:cNvGrpSpPr/>
           <p:nvPr/>
         </p:nvGrpSpPr>
         <p:grpSpPr>
           <a:xfrm>
-            <a:off x="9817897" y="4584700"/>
-            <a:ext cx="2141538" cy="1739900"/>
+            <a:off x="115891" y="4218781"/>
+            <a:ext cx="4758813" cy="1422400"/>
             <a:chOff x="268288" y="4584700"/>
             <a:chExt cx="2141538" cy="1739900"/>
           </a:xfrm>
         </p:grpSpPr>
         <p:sp>
           <p:nvSpPr>
-            <p:cNvPr id="154" name="Rectangle 153"/>
+            <p:cNvPr id="186" name="Rectangle 185">
+              <a:extLst>
+                <a:ext uri="{FF2B5EF4-FFF2-40B4-BE49-F238E27FC236}">
+                  <a16:creationId xmlns:a16="http://schemas.microsoft.com/office/drawing/2014/main" id="{CD66449C-94A0-46E7-ADE5-44B26E5B975C}"/>
+                </a:ext>
+              </a:extLst>
+            </p:cNvPr>
             <p:cNvSpPr/>
             <p:nvPr/>
           </p:nvSpPr>
@@ -6287,13 +6160,19 @@
             <a:lstStyle/>
             <a:p>
               <a:pPr algn="ctr"/>
-              <a:endParaRPr lang="en-US"/>
-            </a:p>
-          </p:txBody>
-        </p:sp>
-        <p:sp>
-          <p:nvSpPr>
-            <p:cNvPr id="155" name="Rectangle 154"/>
+              <a:endParaRPr lang="en-US" sz="2800"/>
+            </a:p>
+          </p:txBody>
+        </p:sp>
+        <p:sp>
+          <p:nvSpPr>
+            <p:cNvPr id="187" name="Rectangle 186">
+              <a:extLst>
+                <a:ext uri="{FF2B5EF4-FFF2-40B4-BE49-F238E27FC236}">
+                  <a16:creationId xmlns:a16="http://schemas.microsoft.com/office/drawing/2014/main" id="{F48AC086-AC3E-4DF2-B63A-24AF3585B88A}"/>
+                </a:ext>
+              </a:extLst>
+            </p:cNvPr>
             <p:cNvSpPr/>
             <p:nvPr/>
           </p:nvSpPr>
@@ -6327,13 +6206,19 @@
             <a:lstStyle/>
             <a:p>
               <a:pPr algn="ctr"/>
-              <a:endParaRPr lang="en-US"/>
-            </a:p>
-          </p:txBody>
-        </p:sp>
-        <p:sp>
-          <p:nvSpPr>
-            <p:cNvPr id="156" name="Rectangle 155"/>
+              <a:endParaRPr lang="en-US" sz="2800"/>
+            </a:p>
+          </p:txBody>
+        </p:sp>
+        <p:sp>
+          <p:nvSpPr>
+            <p:cNvPr id="188" name="Rectangle 187">
+              <a:extLst>
+                <a:ext uri="{FF2B5EF4-FFF2-40B4-BE49-F238E27FC236}">
+                  <a16:creationId xmlns:a16="http://schemas.microsoft.com/office/drawing/2014/main" id="{B0CFEC97-A517-4AF3-95A6-D00F46705F46}"/>
+                </a:ext>
+              </a:extLst>
+            </p:cNvPr>
             <p:cNvSpPr/>
             <p:nvPr/>
           </p:nvSpPr>
@@ -6367,13 +6252,19 @@
             <a:lstStyle/>
             <a:p>
               <a:pPr algn="ctr"/>
-              <a:endParaRPr lang="en-US"/>
-            </a:p>
-          </p:txBody>
-        </p:sp>
-        <p:sp>
-          <p:nvSpPr>
-            <p:cNvPr id="157" name="Rectangle 156"/>
+              <a:endParaRPr lang="en-US" sz="2800"/>
+            </a:p>
+          </p:txBody>
+        </p:sp>
+        <p:sp>
+          <p:nvSpPr>
+            <p:cNvPr id="189" name="Rectangle 188">
+              <a:extLst>
+                <a:ext uri="{FF2B5EF4-FFF2-40B4-BE49-F238E27FC236}">
+                  <a16:creationId xmlns:a16="http://schemas.microsoft.com/office/drawing/2014/main" id="{2824E57F-4F9E-41B6-AFEA-C85B2AB37A67}"/>
+                </a:ext>
+              </a:extLst>
+            </p:cNvPr>
             <p:cNvSpPr/>
             <p:nvPr/>
           </p:nvSpPr>
@@ -6407,13 +6298,19 @@
             <a:lstStyle/>
             <a:p>
               <a:pPr algn="ctr"/>
-              <a:endParaRPr lang="en-US"/>
-            </a:p>
-          </p:txBody>
-        </p:sp>
-        <p:sp>
-          <p:nvSpPr>
-            <p:cNvPr id="158" name="Rectangle 157"/>
+              <a:endParaRPr lang="en-US" sz="2800"/>
+            </a:p>
+          </p:txBody>
+        </p:sp>
+        <p:sp>
+          <p:nvSpPr>
+            <p:cNvPr id="190" name="Rectangle 189">
+              <a:extLst>
+                <a:ext uri="{FF2B5EF4-FFF2-40B4-BE49-F238E27FC236}">
+                  <a16:creationId xmlns:a16="http://schemas.microsoft.com/office/drawing/2014/main" id="{6355C482-78BA-4F67-A94B-42D029F3757D}"/>
+                </a:ext>
+              </a:extLst>
+            </p:cNvPr>
             <p:cNvSpPr/>
             <p:nvPr/>
           </p:nvSpPr>
@@ -6447,13 +6344,19 @@
             <a:lstStyle/>
             <a:p>
               <a:pPr algn="ctr"/>
-              <a:endParaRPr lang="en-US"/>
-            </a:p>
-          </p:txBody>
-        </p:sp>
-        <p:sp>
-          <p:nvSpPr>
-            <p:cNvPr id="159" name="Rectangle 158"/>
+              <a:endParaRPr lang="en-US" sz="2800"/>
+            </a:p>
+          </p:txBody>
+        </p:sp>
+        <p:sp>
+          <p:nvSpPr>
+            <p:cNvPr id="191" name="Rectangle 190">
+              <a:extLst>
+                <a:ext uri="{FF2B5EF4-FFF2-40B4-BE49-F238E27FC236}">
+                  <a16:creationId xmlns:a16="http://schemas.microsoft.com/office/drawing/2014/main" id="{0E72084D-56A1-4B62-AE8A-3EE165A44D58}"/>
+                </a:ext>
+              </a:extLst>
+            </p:cNvPr>
             <p:cNvSpPr/>
             <p:nvPr/>
           </p:nvSpPr>
@@ -6487,13 +6390,19 @@
             <a:lstStyle/>
             <a:p>
               <a:pPr algn="ctr"/>
-              <a:endParaRPr lang="en-US"/>
-            </a:p>
-          </p:txBody>
-        </p:sp>
-        <p:sp>
-          <p:nvSpPr>
-            <p:cNvPr id="160" name="Rectangle 159"/>
+              <a:endParaRPr lang="en-US" sz="2800"/>
+            </a:p>
+          </p:txBody>
+        </p:sp>
+        <p:sp>
+          <p:nvSpPr>
+            <p:cNvPr id="192" name="Rectangle 191">
+              <a:extLst>
+                <a:ext uri="{FF2B5EF4-FFF2-40B4-BE49-F238E27FC236}">
+                  <a16:creationId xmlns:a16="http://schemas.microsoft.com/office/drawing/2014/main" id="{196E36D9-9C4D-4489-93B8-F6842771D0B0}"/>
+                </a:ext>
+              </a:extLst>
+            </p:cNvPr>
             <p:cNvSpPr/>
             <p:nvPr/>
           </p:nvSpPr>
@@ -6527,13 +6436,19 @@
             <a:lstStyle/>
             <a:p>
               <a:pPr algn="ctr"/>
-              <a:endParaRPr lang="en-US"/>
-            </a:p>
-          </p:txBody>
-        </p:sp>
-        <p:sp>
-          <p:nvSpPr>
-            <p:cNvPr id="161" name="Rectangle 160"/>
+              <a:endParaRPr lang="en-US" sz="2800"/>
+            </a:p>
+          </p:txBody>
+        </p:sp>
+        <p:sp>
+          <p:nvSpPr>
+            <p:cNvPr id="193" name="Rectangle 192">
+              <a:extLst>
+                <a:ext uri="{FF2B5EF4-FFF2-40B4-BE49-F238E27FC236}">
+                  <a16:creationId xmlns:a16="http://schemas.microsoft.com/office/drawing/2014/main" id="{A6D56A34-B90E-4598-9F59-7FF8258DA0F7}"/>
+                </a:ext>
+              </a:extLst>
+            </p:cNvPr>
             <p:cNvSpPr/>
             <p:nvPr/>
           </p:nvSpPr>
@@ -6567,7 +6482,402 @@
             <a:lstStyle/>
             <a:p>
               <a:pPr algn="ctr"/>
-              <a:endParaRPr lang="en-US"/>
+              <a:endParaRPr lang="en-US" sz="2800"/>
+            </a:p>
+          </p:txBody>
+        </p:sp>
+      </p:grpSp>
+      <p:grpSp>
+        <p:nvGrpSpPr>
+          <p:cNvPr id="194" name="Group 151">
+            <a:extLst>
+              <a:ext uri="{FF2B5EF4-FFF2-40B4-BE49-F238E27FC236}">
+                <a16:creationId xmlns:a16="http://schemas.microsoft.com/office/drawing/2014/main" id="{95ED9055-6135-4FA7-895E-3B4B06D979AF}"/>
+              </a:ext>
+            </a:extLst>
+          </p:cNvPr>
+          <p:cNvGrpSpPr/>
+          <p:nvPr/>
+        </p:nvGrpSpPr>
+        <p:grpSpPr>
+          <a:xfrm>
+            <a:off x="7045011" y="4218781"/>
+            <a:ext cx="4758813" cy="1422400"/>
+            <a:chOff x="268288" y="4584700"/>
+            <a:chExt cx="2141538" cy="1739900"/>
+          </a:xfrm>
+        </p:grpSpPr>
+        <p:sp>
+          <p:nvSpPr>
+            <p:cNvPr id="195" name="Rectangle 194">
+              <a:extLst>
+                <a:ext uri="{FF2B5EF4-FFF2-40B4-BE49-F238E27FC236}">
+                  <a16:creationId xmlns:a16="http://schemas.microsoft.com/office/drawing/2014/main" id="{A34E5C03-B025-4F6A-8DAD-E17F5DC0956A}"/>
+                </a:ext>
+              </a:extLst>
+            </p:cNvPr>
+            <p:cNvSpPr/>
+            <p:nvPr/>
+          </p:nvSpPr>
+          <p:spPr>
+            <a:xfrm>
+              <a:off x="268288" y="4584700"/>
+              <a:ext cx="2141538" cy="1739900"/>
+            </a:xfrm>
+            <a:prstGeom prst="rect">
+              <a:avLst/>
+            </a:prstGeom>
+            <a:solidFill>
+              <a:schemeClr val="bg1"/>
+            </a:solidFill>
+            <a:ln>
+              <a:prstDash val="dashDot"/>
+            </a:ln>
+          </p:spPr>
+          <p:style>
+            <a:lnRef idx="2">
+              <a:schemeClr val="accent1">
+                <a:shade val="50000"/>
+              </a:schemeClr>
+            </a:lnRef>
+            <a:fillRef idx="1">
+              <a:schemeClr val="accent1"/>
+            </a:fillRef>
+            <a:effectRef idx="0">
+              <a:schemeClr val="accent1"/>
+            </a:effectRef>
+            <a:fontRef idx="minor">
+              <a:schemeClr val="lt1"/>
+            </a:fontRef>
+          </p:style>
+          <p:txBody>
+            <a:bodyPr rtlCol="0" anchor="ctr"/>
+            <a:lstStyle/>
+            <a:p>
+              <a:pPr algn="ctr"/>
+              <a:endParaRPr lang="en-US" sz="2800"/>
+            </a:p>
+          </p:txBody>
+        </p:sp>
+        <p:sp>
+          <p:nvSpPr>
+            <p:cNvPr id="196" name="Rectangle 195">
+              <a:extLst>
+                <a:ext uri="{FF2B5EF4-FFF2-40B4-BE49-F238E27FC236}">
+                  <a16:creationId xmlns:a16="http://schemas.microsoft.com/office/drawing/2014/main" id="{C6DDAEFE-FA69-4F83-921A-A765F74E061E}"/>
+                </a:ext>
+              </a:extLst>
+            </p:cNvPr>
+            <p:cNvSpPr/>
+            <p:nvPr/>
+          </p:nvSpPr>
+          <p:spPr>
+            <a:xfrm>
+              <a:off x="276224" y="4800600"/>
+              <a:ext cx="1219202" cy="292100"/>
+            </a:xfrm>
+            <a:prstGeom prst="rect">
+              <a:avLst/>
+            </a:prstGeom>
+          </p:spPr>
+          <p:style>
+            <a:lnRef idx="2">
+              <a:schemeClr val="accent1">
+                <a:shade val="50000"/>
+              </a:schemeClr>
+            </a:lnRef>
+            <a:fillRef idx="1">
+              <a:schemeClr val="accent1"/>
+            </a:fillRef>
+            <a:effectRef idx="0">
+              <a:schemeClr val="accent1"/>
+            </a:effectRef>
+            <a:fontRef idx="minor">
+              <a:schemeClr val="lt1"/>
+            </a:fontRef>
+          </p:style>
+          <p:txBody>
+            <a:bodyPr rtlCol="0" anchor="ctr"/>
+            <a:lstStyle/>
+            <a:p>
+              <a:pPr algn="ctr"/>
+              <a:endParaRPr lang="en-US" sz="2800"/>
+            </a:p>
+          </p:txBody>
+        </p:sp>
+        <p:sp>
+          <p:nvSpPr>
+            <p:cNvPr id="197" name="Rectangle 196">
+              <a:extLst>
+                <a:ext uri="{FF2B5EF4-FFF2-40B4-BE49-F238E27FC236}">
+                  <a16:creationId xmlns:a16="http://schemas.microsoft.com/office/drawing/2014/main" id="{DC9CCF9E-69C0-4EAC-94B3-1E0176D16383}"/>
+                </a:ext>
+              </a:extLst>
+            </p:cNvPr>
+            <p:cNvSpPr/>
+            <p:nvPr/>
+          </p:nvSpPr>
+          <p:spPr>
+            <a:xfrm>
+              <a:off x="428624" y="4953000"/>
+              <a:ext cx="1219202" cy="292100"/>
+            </a:xfrm>
+            <a:prstGeom prst="rect">
+              <a:avLst/>
+            </a:prstGeom>
+          </p:spPr>
+          <p:style>
+            <a:lnRef idx="2">
+              <a:schemeClr val="accent1">
+                <a:shade val="50000"/>
+              </a:schemeClr>
+            </a:lnRef>
+            <a:fillRef idx="1">
+              <a:schemeClr val="accent1"/>
+            </a:fillRef>
+            <a:effectRef idx="0">
+              <a:schemeClr val="accent1"/>
+            </a:effectRef>
+            <a:fontRef idx="minor">
+              <a:schemeClr val="lt1"/>
+            </a:fontRef>
+          </p:style>
+          <p:txBody>
+            <a:bodyPr rtlCol="0" anchor="ctr"/>
+            <a:lstStyle/>
+            <a:p>
+              <a:pPr algn="ctr"/>
+              <a:endParaRPr lang="en-US" sz="2800"/>
+            </a:p>
+          </p:txBody>
+        </p:sp>
+        <p:sp>
+          <p:nvSpPr>
+            <p:cNvPr id="198" name="Rectangle 197">
+              <a:extLst>
+                <a:ext uri="{FF2B5EF4-FFF2-40B4-BE49-F238E27FC236}">
+                  <a16:creationId xmlns:a16="http://schemas.microsoft.com/office/drawing/2014/main" id="{380F2FC6-26F0-4549-8B1C-3B728D405FD9}"/>
+                </a:ext>
+              </a:extLst>
+            </p:cNvPr>
+            <p:cNvSpPr/>
+            <p:nvPr/>
+          </p:nvSpPr>
+          <p:spPr>
+            <a:xfrm>
+              <a:off x="581024" y="5105400"/>
+              <a:ext cx="1219202" cy="292100"/>
+            </a:xfrm>
+            <a:prstGeom prst="rect">
+              <a:avLst/>
+            </a:prstGeom>
+          </p:spPr>
+          <p:style>
+            <a:lnRef idx="2">
+              <a:schemeClr val="accent1">
+                <a:shade val="50000"/>
+              </a:schemeClr>
+            </a:lnRef>
+            <a:fillRef idx="1">
+              <a:schemeClr val="accent1"/>
+            </a:fillRef>
+            <a:effectRef idx="0">
+              <a:schemeClr val="accent1"/>
+            </a:effectRef>
+            <a:fontRef idx="minor">
+              <a:schemeClr val="lt1"/>
+            </a:fontRef>
+          </p:style>
+          <p:txBody>
+            <a:bodyPr rtlCol="0" anchor="ctr"/>
+            <a:lstStyle/>
+            <a:p>
+              <a:pPr algn="ctr"/>
+              <a:endParaRPr lang="en-US" sz="2800"/>
+            </a:p>
+          </p:txBody>
+        </p:sp>
+        <p:sp>
+          <p:nvSpPr>
+            <p:cNvPr id="199" name="Rectangle 198">
+              <a:extLst>
+                <a:ext uri="{FF2B5EF4-FFF2-40B4-BE49-F238E27FC236}">
+                  <a16:creationId xmlns:a16="http://schemas.microsoft.com/office/drawing/2014/main" id="{D04114F3-8E44-4BAC-8C4E-B764635356B8}"/>
+                </a:ext>
+              </a:extLst>
+            </p:cNvPr>
+            <p:cNvSpPr/>
+            <p:nvPr/>
+          </p:nvSpPr>
+          <p:spPr>
+            <a:xfrm>
+              <a:off x="733424" y="5257800"/>
+              <a:ext cx="1219202" cy="292100"/>
+            </a:xfrm>
+            <a:prstGeom prst="rect">
+              <a:avLst/>
+            </a:prstGeom>
+          </p:spPr>
+          <p:style>
+            <a:lnRef idx="2">
+              <a:schemeClr val="accent1">
+                <a:shade val="50000"/>
+              </a:schemeClr>
+            </a:lnRef>
+            <a:fillRef idx="1">
+              <a:schemeClr val="accent1"/>
+            </a:fillRef>
+            <a:effectRef idx="0">
+              <a:schemeClr val="accent1"/>
+            </a:effectRef>
+            <a:fontRef idx="minor">
+              <a:schemeClr val="lt1"/>
+            </a:fontRef>
+          </p:style>
+          <p:txBody>
+            <a:bodyPr rtlCol="0" anchor="ctr"/>
+            <a:lstStyle/>
+            <a:p>
+              <a:pPr algn="ctr"/>
+              <a:endParaRPr lang="en-US" sz="2800"/>
+            </a:p>
+          </p:txBody>
+        </p:sp>
+        <p:sp>
+          <p:nvSpPr>
+            <p:cNvPr id="200" name="Rectangle 199">
+              <a:extLst>
+                <a:ext uri="{FF2B5EF4-FFF2-40B4-BE49-F238E27FC236}">
+                  <a16:creationId xmlns:a16="http://schemas.microsoft.com/office/drawing/2014/main" id="{33C20DB8-69E1-4D44-B9F8-68EFF1041D9F}"/>
+                </a:ext>
+              </a:extLst>
+            </p:cNvPr>
+            <p:cNvSpPr/>
+            <p:nvPr/>
+          </p:nvSpPr>
+          <p:spPr>
+            <a:xfrm>
+              <a:off x="885824" y="5410200"/>
+              <a:ext cx="1219202" cy="292100"/>
+            </a:xfrm>
+            <a:prstGeom prst="rect">
+              <a:avLst/>
+            </a:prstGeom>
+          </p:spPr>
+          <p:style>
+            <a:lnRef idx="2">
+              <a:schemeClr val="accent1">
+                <a:shade val="50000"/>
+              </a:schemeClr>
+            </a:lnRef>
+            <a:fillRef idx="1">
+              <a:schemeClr val="accent1"/>
+            </a:fillRef>
+            <a:effectRef idx="0">
+              <a:schemeClr val="accent1"/>
+            </a:effectRef>
+            <a:fontRef idx="minor">
+              <a:schemeClr val="lt1"/>
+            </a:fontRef>
+          </p:style>
+          <p:txBody>
+            <a:bodyPr rtlCol="0" anchor="ctr"/>
+            <a:lstStyle/>
+            <a:p>
+              <a:pPr algn="ctr"/>
+              <a:endParaRPr lang="en-US" sz="2800"/>
+            </a:p>
+          </p:txBody>
+        </p:sp>
+        <p:sp>
+          <p:nvSpPr>
+            <p:cNvPr id="201" name="Rectangle 200">
+              <a:extLst>
+                <a:ext uri="{FF2B5EF4-FFF2-40B4-BE49-F238E27FC236}">
+                  <a16:creationId xmlns:a16="http://schemas.microsoft.com/office/drawing/2014/main" id="{9BE5AE85-2EB4-4E6C-9183-2EF4D897EF2B}"/>
+                </a:ext>
+              </a:extLst>
+            </p:cNvPr>
+            <p:cNvSpPr/>
+            <p:nvPr/>
+          </p:nvSpPr>
+          <p:spPr>
+            <a:xfrm>
+              <a:off x="1038224" y="5562600"/>
+              <a:ext cx="1219202" cy="292100"/>
+            </a:xfrm>
+            <a:prstGeom prst="rect">
+              <a:avLst/>
+            </a:prstGeom>
+          </p:spPr>
+          <p:style>
+            <a:lnRef idx="2">
+              <a:schemeClr val="accent1">
+                <a:shade val="50000"/>
+              </a:schemeClr>
+            </a:lnRef>
+            <a:fillRef idx="1">
+              <a:schemeClr val="accent1"/>
+            </a:fillRef>
+            <a:effectRef idx="0">
+              <a:schemeClr val="accent1"/>
+            </a:effectRef>
+            <a:fontRef idx="minor">
+              <a:schemeClr val="lt1"/>
+            </a:fontRef>
+          </p:style>
+          <p:txBody>
+            <a:bodyPr rtlCol="0" anchor="ctr"/>
+            <a:lstStyle/>
+            <a:p>
+              <a:pPr algn="ctr"/>
+              <a:endParaRPr lang="en-US" sz="2800"/>
+            </a:p>
+          </p:txBody>
+        </p:sp>
+        <p:sp>
+          <p:nvSpPr>
+            <p:cNvPr id="202" name="Rectangle 201">
+              <a:extLst>
+                <a:ext uri="{FF2B5EF4-FFF2-40B4-BE49-F238E27FC236}">
+                  <a16:creationId xmlns:a16="http://schemas.microsoft.com/office/drawing/2014/main" id="{58A21C01-8DA6-4EC3-A844-402CF6CE5976}"/>
+                </a:ext>
+              </a:extLst>
+            </p:cNvPr>
+            <p:cNvSpPr/>
+            <p:nvPr/>
+          </p:nvSpPr>
+          <p:spPr>
+            <a:xfrm>
+              <a:off x="1190624" y="5715000"/>
+              <a:ext cx="1219202" cy="292100"/>
+            </a:xfrm>
+            <a:prstGeom prst="rect">
+              <a:avLst/>
+            </a:prstGeom>
+          </p:spPr>
+          <p:style>
+            <a:lnRef idx="2">
+              <a:schemeClr val="accent1">
+                <a:shade val="50000"/>
+              </a:schemeClr>
+            </a:lnRef>
+            <a:fillRef idx="1">
+              <a:schemeClr val="accent1"/>
+            </a:fillRef>
+            <a:effectRef idx="0">
+              <a:schemeClr val="accent1"/>
+            </a:effectRef>
+            <a:fontRef idx="minor">
+              <a:schemeClr val="lt1"/>
+            </a:fontRef>
+          </p:style>
+          <p:txBody>
+            <a:bodyPr rtlCol="0" anchor="ctr"/>
+            <a:lstStyle/>
+            <a:p>
+              <a:pPr algn="ctr"/>
+              <a:endParaRPr lang="en-US" sz="2800"/>
             </a:p>
           </p:txBody>
         </p:sp>
@@ -6585,10 +6895,5544 @@
 </p:sld>
 </file>
 
+<file path=ppt/slides/slide2.xml><?xml version="1.0" encoding="utf-8"?>
+<p:sld xmlns:a="http://schemas.openxmlformats.org/drawingml/2006/main" xmlns:r="http://schemas.openxmlformats.org/officeDocument/2006/relationships" xmlns:p="http://schemas.openxmlformats.org/presentationml/2006/main">
+  <p:cSld>
+    <p:spTree>
+      <p:nvGrpSpPr>
+        <p:cNvPr id="1" name=""/>
+        <p:cNvGrpSpPr/>
+        <p:nvPr/>
+      </p:nvGrpSpPr>
+      <p:grpSpPr>
+        <a:xfrm>
+          <a:off x="0" y="0"/>
+          <a:ext cx="0" cy="0"/>
+          <a:chOff x="0" y="0"/>
+          <a:chExt cx="0" cy="0"/>
+        </a:xfrm>
+      </p:grpSpPr>
+      <p:sp>
+        <p:nvSpPr>
+          <p:cNvPr id="4" name="Rectangle 3"/>
+          <p:cNvSpPr/>
+          <p:nvPr/>
+        </p:nvSpPr>
+        <p:spPr>
+          <a:xfrm>
+            <a:off x="123828" y="2221566"/>
+            <a:ext cx="4740275" cy="1295400"/>
+          </a:xfrm>
+          <a:prstGeom prst="rect">
+            <a:avLst/>
+          </a:prstGeom>
+          <a:solidFill>
+            <a:schemeClr val="bg1"/>
+          </a:solidFill>
+        </p:spPr>
+        <p:style>
+          <a:lnRef idx="2">
+            <a:schemeClr val="accent1">
+              <a:shade val="50000"/>
+            </a:schemeClr>
+          </a:lnRef>
+          <a:fillRef idx="1">
+            <a:schemeClr val="accent1"/>
+          </a:fillRef>
+          <a:effectRef idx="0">
+            <a:schemeClr val="accent1"/>
+          </a:effectRef>
+          <a:fontRef idx="minor">
+            <a:schemeClr val="lt1"/>
+          </a:fontRef>
+        </p:style>
+        <p:txBody>
+          <a:bodyPr rtlCol="0" anchor="ctr"/>
+          <a:lstStyle/>
+          <a:p>
+            <a:pPr algn="ctr"/>
+            <a:endParaRPr lang="en-US" sz="2800"/>
+          </a:p>
+        </p:txBody>
+      </p:sp>
+      <p:sp>
+        <p:nvSpPr>
+          <p:cNvPr id="5" name="Rectangle 4"/>
+          <p:cNvSpPr/>
+          <p:nvPr/>
+        </p:nvSpPr>
+        <p:spPr>
+          <a:xfrm>
+            <a:off x="6997700" y="2221566"/>
+            <a:ext cx="4724400" cy="1295400"/>
+          </a:xfrm>
+          <a:prstGeom prst="rect">
+            <a:avLst/>
+          </a:prstGeom>
+          <a:solidFill>
+            <a:schemeClr val="bg1"/>
+          </a:solidFill>
+        </p:spPr>
+        <p:style>
+          <a:lnRef idx="2">
+            <a:schemeClr val="accent1">
+              <a:shade val="50000"/>
+            </a:schemeClr>
+          </a:lnRef>
+          <a:fillRef idx="1">
+            <a:schemeClr val="accent1"/>
+          </a:fillRef>
+          <a:effectRef idx="0">
+            <a:schemeClr val="accent1"/>
+          </a:effectRef>
+          <a:fontRef idx="minor">
+            <a:schemeClr val="lt1"/>
+          </a:fontRef>
+        </p:style>
+        <p:txBody>
+          <a:bodyPr rtlCol="0" anchor="ctr"/>
+          <a:lstStyle/>
+          <a:p>
+            <a:pPr algn="ctr"/>
+            <a:endParaRPr lang="en-US" sz="2800"/>
+          </a:p>
+        </p:txBody>
+      </p:sp>
+      <p:sp>
+        <p:nvSpPr>
+          <p:cNvPr id="15" name="Rectangle 14"/>
+          <p:cNvSpPr/>
+          <p:nvPr/>
+        </p:nvSpPr>
+        <p:spPr>
+          <a:xfrm>
+            <a:off x="5263993" y="0"/>
+            <a:ext cx="1264596" cy="1048042"/>
+          </a:xfrm>
+          <a:prstGeom prst="rect">
+            <a:avLst/>
+          </a:prstGeom>
+          <a:ln>
+            <a:prstDash val="dashDot"/>
+          </a:ln>
+        </p:spPr>
+        <p:style>
+          <a:lnRef idx="2">
+            <a:schemeClr val="dk1"/>
+          </a:lnRef>
+          <a:fillRef idx="1">
+            <a:schemeClr val="lt1"/>
+          </a:fillRef>
+          <a:effectRef idx="0">
+            <a:schemeClr val="dk1"/>
+          </a:effectRef>
+          <a:fontRef idx="minor">
+            <a:schemeClr val="dk1"/>
+          </a:fontRef>
+        </p:style>
+        <p:txBody>
+          <a:bodyPr rtlCol="0" anchor="ctr"/>
+          <a:lstStyle/>
+          <a:p>
+            <a:pPr algn="ctr"/>
+            <a:r>
+              <a:rPr lang="en-US" sz="4000" dirty="0"/>
+              <a:t>Core</a:t>
+            </a:r>
+          </a:p>
+          <a:p>
+            <a:pPr algn="ctr"/>
+            <a:r>
+              <a:rPr lang="en-US" sz="4000" dirty="0"/>
+              <a:t>N/W</a:t>
+            </a:r>
+            <a:endParaRPr lang="en-US" sz="2800" dirty="0"/>
+          </a:p>
+        </p:txBody>
+      </p:sp>
+      <p:sp>
+        <p:nvSpPr>
+          <p:cNvPr id="16" name="Rectangle 15"/>
+          <p:cNvSpPr/>
+          <p:nvPr/>
+        </p:nvSpPr>
+        <p:spPr>
+          <a:xfrm>
+            <a:off x="4394200" y="2221566"/>
+            <a:ext cx="469900" cy="1295400"/>
+          </a:xfrm>
+          <a:prstGeom prst="rect">
+            <a:avLst/>
+          </a:prstGeom>
+          <a:solidFill>
+            <a:schemeClr val="bg1">
+              <a:lumMod val="50000"/>
+            </a:schemeClr>
+          </a:solidFill>
+        </p:spPr>
+        <p:style>
+          <a:lnRef idx="2">
+            <a:schemeClr val="dk1"/>
+          </a:lnRef>
+          <a:fillRef idx="1">
+            <a:schemeClr val="lt1"/>
+          </a:fillRef>
+          <a:effectRef idx="0">
+            <a:schemeClr val="dk1"/>
+          </a:effectRef>
+          <a:fontRef idx="minor">
+            <a:schemeClr val="dk1"/>
+          </a:fontRef>
+        </p:style>
+        <p:txBody>
+          <a:bodyPr rtlCol="0" anchor="ctr"/>
+          <a:lstStyle/>
+          <a:p>
+            <a:pPr algn="ctr"/>
+            <a:endParaRPr lang="en-US" sz="2800"/>
+          </a:p>
+        </p:txBody>
+      </p:sp>
+      <p:sp>
+        <p:nvSpPr>
+          <p:cNvPr id="17" name="Rectangle 16"/>
+          <p:cNvSpPr/>
+          <p:nvPr/>
+        </p:nvSpPr>
+        <p:spPr>
+          <a:xfrm>
+            <a:off x="6991350" y="2221566"/>
+            <a:ext cx="469900" cy="1295400"/>
+          </a:xfrm>
+          <a:prstGeom prst="rect">
+            <a:avLst/>
+          </a:prstGeom>
+          <a:solidFill>
+            <a:schemeClr val="bg1">
+              <a:lumMod val="50000"/>
+            </a:schemeClr>
+          </a:solidFill>
+        </p:spPr>
+        <p:style>
+          <a:lnRef idx="2">
+            <a:schemeClr val="dk1"/>
+          </a:lnRef>
+          <a:fillRef idx="1">
+            <a:schemeClr val="lt1"/>
+          </a:fillRef>
+          <a:effectRef idx="0">
+            <a:schemeClr val="dk1"/>
+          </a:effectRef>
+          <a:fontRef idx="minor">
+            <a:schemeClr val="dk1"/>
+          </a:fontRef>
+        </p:style>
+        <p:txBody>
+          <a:bodyPr rtlCol="0" anchor="ctr"/>
+          <a:lstStyle/>
+          <a:p>
+            <a:pPr algn="ctr"/>
+            <a:endParaRPr lang="en-US" sz="2800"/>
+          </a:p>
+        </p:txBody>
+      </p:sp>
+      <p:sp>
+        <p:nvSpPr>
+          <p:cNvPr id="18" name="Rectangle 17"/>
+          <p:cNvSpPr/>
+          <p:nvPr/>
+        </p:nvSpPr>
+        <p:spPr>
+          <a:xfrm>
+            <a:off x="2252861" y="2221566"/>
+            <a:ext cx="2133600" cy="1295400"/>
+          </a:xfrm>
+          <a:prstGeom prst="rect">
+            <a:avLst/>
+          </a:prstGeom>
+        </p:spPr>
+        <p:style>
+          <a:lnRef idx="2">
+            <a:schemeClr val="dk1"/>
+          </a:lnRef>
+          <a:fillRef idx="1">
+            <a:schemeClr val="lt1"/>
+          </a:fillRef>
+          <a:effectRef idx="0">
+            <a:schemeClr val="dk1"/>
+          </a:effectRef>
+          <a:fontRef idx="minor">
+            <a:schemeClr val="dk1"/>
+          </a:fontRef>
+        </p:style>
+        <p:txBody>
+          <a:bodyPr rtlCol="0" anchor="ctr"/>
+          <a:lstStyle/>
+          <a:p>
+            <a:pPr algn="ctr"/>
+            <a:endParaRPr lang="en-US" sz="2800" dirty="0"/>
+          </a:p>
+        </p:txBody>
+      </p:sp>
+      <p:sp>
+        <p:nvSpPr>
+          <p:cNvPr id="19" name="Rectangle 18"/>
+          <p:cNvSpPr/>
+          <p:nvPr/>
+        </p:nvSpPr>
+        <p:spPr>
+          <a:xfrm>
+            <a:off x="7454900" y="2221566"/>
+            <a:ext cx="2133600" cy="1295400"/>
+          </a:xfrm>
+          <a:prstGeom prst="rect">
+            <a:avLst/>
+          </a:prstGeom>
+        </p:spPr>
+        <p:style>
+          <a:lnRef idx="2">
+            <a:schemeClr val="dk1"/>
+          </a:lnRef>
+          <a:fillRef idx="1">
+            <a:schemeClr val="lt1"/>
+          </a:fillRef>
+          <a:effectRef idx="0">
+            <a:schemeClr val="dk1"/>
+          </a:effectRef>
+          <a:fontRef idx="minor">
+            <a:schemeClr val="dk1"/>
+          </a:fontRef>
+        </p:style>
+        <p:txBody>
+          <a:bodyPr rtlCol="0" anchor="ctr"/>
+          <a:lstStyle/>
+          <a:p>
+            <a:pPr algn="ctr"/>
+            <a:endParaRPr lang="en-US" sz="2800"/>
+          </a:p>
+        </p:txBody>
+      </p:sp>
+      <p:sp>
+        <p:nvSpPr>
+          <p:cNvPr id="21" name="Rectangle 20"/>
+          <p:cNvSpPr/>
+          <p:nvPr/>
+        </p:nvSpPr>
+        <p:spPr>
+          <a:xfrm>
+            <a:off x="9594850" y="2221566"/>
+            <a:ext cx="2133600" cy="1295400"/>
+          </a:xfrm>
+          <a:prstGeom prst="rect">
+            <a:avLst/>
+          </a:prstGeom>
+        </p:spPr>
+        <p:style>
+          <a:lnRef idx="2">
+            <a:schemeClr val="dk1"/>
+          </a:lnRef>
+          <a:fillRef idx="1">
+            <a:schemeClr val="lt1"/>
+          </a:fillRef>
+          <a:effectRef idx="0">
+            <a:schemeClr val="dk1"/>
+          </a:effectRef>
+          <a:fontRef idx="minor">
+            <a:schemeClr val="dk1"/>
+          </a:fontRef>
+        </p:style>
+        <p:txBody>
+          <a:bodyPr rtlCol="0" anchor="ctr"/>
+          <a:lstStyle/>
+          <a:p>
+            <a:pPr algn="ctr"/>
+            <a:endParaRPr lang="en-US" sz="2800"/>
+          </a:p>
+        </p:txBody>
+      </p:sp>
+      <p:grpSp>
+        <p:nvGrpSpPr>
+          <p:cNvPr id="33" name="Group 32"/>
+          <p:cNvGrpSpPr/>
+          <p:nvPr/>
+        </p:nvGrpSpPr>
+        <p:grpSpPr>
+          <a:xfrm>
+            <a:off x="266704" y="2462866"/>
+            <a:ext cx="1679575" cy="838200"/>
+            <a:chOff x="419100" y="2679700"/>
+            <a:chExt cx="1679575" cy="838200"/>
+          </a:xfrm>
+        </p:grpSpPr>
+        <p:sp>
+          <p:nvSpPr>
+            <p:cNvPr id="22" name="Rectangle 21"/>
+            <p:cNvSpPr/>
+            <p:nvPr/>
+          </p:nvSpPr>
+          <p:spPr>
+            <a:xfrm>
+              <a:off x="419100" y="2679700"/>
+              <a:ext cx="279400" cy="304800"/>
+            </a:xfrm>
+            <a:prstGeom prst="rect">
+              <a:avLst/>
+            </a:prstGeom>
+          </p:spPr>
+          <p:style>
+            <a:lnRef idx="2">
+              <a:schemeClr val="accent1">
+                <a:shade val="50000"/>
+              </a:schemeClr>
+            </a:lnRef>
+            <a:fillRef idx="1">
+              <a:schemeClr val="accent1"/>
+            </a:fillRef>
+            <a:effectRef idx="0">
+              <a:schemeClr val="accent1"/>
+            </a:effectRef>
+            <a:fontRef idx="minor">
+              <a:schemeClr val="lt1"/>
+            </a:fontRef>
+          </p:style>
+          <p:txBody>
+            <a:bodyPr rtlCol="0" anchor="ctr"/>
+            <a:lstStyle/>
+            <a:p>
+              <a:pPr algn="ctr"/>
+              <a:endParaRPr lang="en-US" sz="2800"/>
+            </a:p>
+          </p:txBody>
+        </p:sp>
+        <p:sp>
+          <p:nvSpPr>
+            <p:cNvPr id="23" name="Rectangle 22"/>
+            <p:cNvSpPr/>
+            <p:nvPr/>
+          </p:nvSpPr>
+          <p:spPr>
+            <a:xfrm>
+              <a:off x="419100" y="3213100"/>
+              <a:ext cx="279400" cy="304800"/>
+            </a:xfrm>
+            <a:prstGeom prst="rect">
+              <a:avLst/>
+            </a:prstGeom>
+          </p:spPr>
+          <p:style>
+            <a:lnRef idx="2">
+              <a:schemeClr val="accent1">
+                <a:shade val="50000"/>
+              </a:schemeClr>
+            </a:lnRef>
+            <a:fillRef idx="1">
+              <a:schemeClr val="accent1"/>
+            </a:fillRef>
+            <a:effectRef idx="0">
+              <a:schemeClr val="accent1"/>
+            </a:effectRef>
+            <a:fontRef idx="minor">
+              <a:schemeClr val="lt1"/>
+            </a:fontRef>
+          </p:style>
+          <p:txBody>
+            <a:bodyPr rtlCol="0" anchor="ctr"/>
+            <a:lstStyle/>
+            <a:p>
+              <a:pPr algn="ctr"/>
+              <a:endParaRPr lang="en-US" sz="2800"/>
+            </a:p>
+          </p:txBody>
+        </p:sp>
+        <p:sp>
+          <p:nvSpPr>
+            <p:cNvPr id="24" name="Rectangle 23"/>
+            <p:cNvSpPr/>
+            <p:nvPr/>
+          </p:nvSpPr>
+          <p:spPr>
+            <a:xfrm>
+              <a:off x="876300" y="2679700"/>
+              <a:ext cx="279400" cy="304800"/>
+            </a:xfrm>
+            <a:prstGeom prst="rect">
+              <a:avLst/>
+            </a:prstGeom>
+          </p:spPr>
+          <p:style>
+            <a:lnRef idx="2">
+              <a:schemeClr val="accent1">
+                <a:shade val="50000"/>
+              </a:schemeClr>
+            </a:lnRef>
+            <a:fillRef idx="1">
+              <a:schemeClr val="accent1"/>
+            </a:fillRef>
+            <a:effectRef idx="0">
+              <a:schemeClr val="accent1"/>
+            </a:effectRef>
+            <a:fontRef idx="minor">
+              <a:schemeClr val="lt1"/>
+            </a:fontRef>
+          </p:style>
+          <p:txBody>
+            <a:bodyPr rtlCol="0" anchor="ctr"/>
+            <a:lstStyle/>
+            <a:p>
+              <a:pPr algn="ctr"/>
+              <a:endParaRPr lang="en-US" sz="2800"/>
+            </a:p>
+          </p:txBody>
+        </p:sp>
+        <p:sp>
+          <p:nvSpPr>
+            <p:cNvPr id="25" name="Rectangle 24"/>
+            <p:cNvSpPr/>
+            <p:nvPr/>
+          </p:nvSpPr>
+          <p:spPr>
+            <a:xfrm>
+              <a:off x="882649" y="3213100"/>
+              <a:ext cx="279400" cy="304800"/>
+            </a:xfrm>
+            <a:prstGeom prst="rect">
+              <a:avLst/>
+            </a:prstGeom>
+          </p:spPr>
+          <p:style>
+            <a:lnRef idx="2">
+              <a:schemeClr val="accent1">
+                <a:shade val="50000"/>
+              </a:schemeClr>
+            </a:lnRef>
+            <a:fillRef idx="1">
+              <a:schemeClr val="accent1"/>
+            </a:fillRef>
+            <a:effectRef idx="0">
+              <a:schemeClr val="accent1"/>
+            </a:effectRef>
+            <a:fontRef idx="minor">
+              <a:schemeClr val="lt1"/>
+            </a:fontRef>
+          </p:style>
+          <p:txBody>
+            <a:bodyPr rtlCol="0" anchor="ctr"/>
+            <a:lstStyle/>
+            <a:p>
+              <a:pPr algn="ctr"/>
+              <a:endParaRPr lang="en-US" sz="2800"/>
+            </a:p>
+          </p:txBody>
+        </p:sp>
+        <p:sp>
+          <p:nvSpPr>
+            <p:cNvPr id="26" name="Rectangle 25"/>
+            <p:cNvSpPr/>
+            <p:nvPr/>
+          </p:nvSpPr>
+          <p:spPr>
+            <a:xfrm>
+              <a:off x="1355726" y="2679700"/>
+              <a:ext cx="279400" cy="304800"/>
+            </a:xfrm>
+            <a:prstGeom prst="rect">
+              <a:avLst/>
+            </a:prstGeom>
+          </p:spPr>
+          <p:style>
+            <a:lnRef idx="2">
+              <a:schemeClr val="accent1">
+                <a:shade val="50000"/>
+              </a:schemeClr>
+            </a:lnRef>
+            <a:fillRef idx="1">
+              <a:schemeClr val="accent1"/>
+            </a:fillRef>
+            <a:effectRef idx="0">
+              <a:schemeClr val="accent1"/>
+            </a:effectRef>
+            <a:fontRef idx="minor">
+              <a:schemeClr val="lt1"/>
+            </a:fontRef>
+          </p:style>
+          <p:txBody>
+            <a:bodyPr rtlCol="0" anchor="ctr"/>
+            <a:lstStyle/>
+            <a:p>
+              <a:pPr algn="ctr"/>
+              <a:endParaRPr lang="en-US" sz="2800"/>
+            </a:p>
+          </p:txBody>
+        </p:sp>
+        <p:sp>
+          <p:nvSpPr>
+            <p:cNvPr id="27" name="Rectangle 26"/>
+            <p:cNvSpPr/>
+            <p:nvPr/>
+          </p:nvSpPr>
+          <p:spPr>
+            <a:xfrm>
+              <a:off x="1355726" y="3213100"/>
+              <a:ext cx="279400" cy="304800"/>
+            </a:xfrm>
+            <a:prstGeom prst="rect">
+              <a:avLst/>
+            </a:prstGeom>
+          </p:spPr>
+          <p:style>
+            <a:lnRef idx="2">
+              <a:schemeClr val="accent1">
+                <a:shade val="50000"/>
+              </a:schemeClr>
+            </a:lnRef>
+            <a:fillRef idx="1">
+              <a:schemeClr val="accent1"/>
+            </a:fillRef>
+            <a:effectRef idx="0">
+              <a:schemeClr val="accent1"/>
+            </a:effectRef>
+            <a:fontRef idx="minor">
+              <a:schemeClr val="lt1"/>
+            </a:fontRef>
+          </p:style>
+          <p:txBody>
+            <a:bodyPr rtlCol="0" anchor="ctr"/>
+            <a:lstStyle/>
+            <a:p>
+              <a:pPr algn="ctr"/>
+              <a:endParaRPr lang="en-US" sz="2800"/>
+            </a:p>
+          </p:txBody>
+        </p:sp>
+        <p:sp>
+          <p:nvSpPr>
+            <p:cNvPr id="28" name="Rectangle 27"/>
+            <p:cNvSpPr/>
+            <p:nvPr/>
+          </p:nvSpPr>
+          <p:spPr>
+            <a:xfrm>
+              <a:off x="1812926" y="2679700"/>
+              <a:ext cx="279400" cy="304800"/>
+            </a:xfrm>
+            <a:prstGeom prst="rect">
+              <a:avLst/>
+            </a:prstGeom>
+          </p:spPr>
+          <p:style>
+            <a:lnRef idx="2">
+              <a:schemeClr val="accent1">
+                <a:shade val="50000"/>
+              </a:schemeClr>
+            </a:lnRef>
+            <a:fillRef idx="1">
+              <a:schemeClr val="accent1"/>
+            </a:fillRef>
+            <a:effectRef idx="0">
+              <a:schemeClr val="accent1"/>
+            </a:effectRef>
+            <a:fontRef idx="minor">
+              <a:schemeClr val="lt1"/>
+            </a:fontRef>
+          </p:style>
+          <p:txBody>
+            <a:bodyPr rtlCol="0" anchor="ctr"/>
+            <a:lstStyle/>
+            <a:p>
+              <a:pPr algn="ctr"/>
+              <a:endParaRPr lang="en-US" sz="2800"/>
+            </a:p>
+          </p:txBody>
+        </p:sp>
+        <p:sp>
+          <p:nvSpPr>
+            <p:cNvPr id="29" name="Rectangle 28"/>
+            <p:cNvSpPr/>
+            <p:nvPr/>
+          </p:nvSpPr>
+          <p:spPr>
+            <a:xfrm>
+              <a:off x="1819275" y="3213100"/>
+              <a:ext cx="279400" cy="304800"/>
+            </a:xfrm>
+            <a:prstGeom prst="rect">
+              <a:avLst/>
+            </a:prstGeom>
+          </p:spPr>
+          <p:style>
+            <a:lnRef idx="2">
+              <a:schemeClr val="accent1">
+                <a:shade val="50000"/>
+              </a:schemeClr>
+            </a:lnRef>
+            <a:fillRef idx="1">
+              <a:schemeClr val="accent1"/>
+            </a:fillRef>
+            <a:effectRef idx="0">
+              <a:schemeClr val="accent1"/>
+            </a:effectRef>
+            <a:fontRef idx="minor">
+              <a:schemeClr val="lt1"/>
+            </a:fontRef>
+          </p:style>
+          <p:txBody>
+            <a:bodyPr rtlCol="0" anchor="ctr"/>
+            <a:lstStyle/>
+            <a:p>
+              <a:pPr algn="ctr"/>
+              <a:endParaRPr lang="en-US" sz="2800"/>
+            </a:p>
+          </p:txBody>
+        </p:sp>
+      </p:grpSp>
+      <p:grpSp>
+        <p:nvGrpSpPr>
+          <p:cNvPr id="34" name="Group 33"/>
+          <p:cNvGrpSpPr/>
+          <p:nvPr/>
+        </p:nvGrpSpPr>
+        <p:grpSpPr>
+          <a:xfrm>
+            <a:off x="2474916" y="2450166"/>
+            <a:ext cx="1679575" cy="838200"/>
+            <a:chOff x="419100" y="2679700"/>
+            <a:chExt cx="1679575" cy="838200"/>
+          </a:xfrm>
+          <a:solidFill>
+            <a:schemeClr val="accent2">
+              <a:lumMod val="75000"/>
+            </a:schemeClr>
+          </a:solidFill>
+        </p:grpSpPr>
+        <p:sp>
+          <p:nvSpPr>
+            <p:cNvPr id="35" name="Rectangle 34"/>
+            <p:cNvSpPr/>
+            <p:nvPr/>
+          </p:nvSpPr>
+          <p:spPr>
+            <a:xfrm>
+              <a:off x="419100" y="2679700"/>
+              <a:ext cx="279400" cy="304800"/>
+            </a:xfrm>
+            <a:prstGeom prst="rect">
+              <a:avLst/>
+            </a:prstGeom>
+            <a:grpFill/>
+          </p:spPr>
+          <p:style>
+            <a:lnRef idx="2">
+              <a:schemeClr val="accent1">
+                <a:shade val="50000"/>
+              </a:schemeClr>
+            </a:lnRef>
+            <a:fillRef idx="1">
+              <a:schemeClr val="accent1"/>
+            </a:fillRef>
+            <a:effectRef idx="0">
+              <a:schemeClr val="accent1"/>
+            </a:effectRef>
+            <a:fontRef idx="minor">
+              <a:schemeClr val="lt1"/>
+            </a:fontRef>
+          </p:style>
+          <p:txBody>
+            <a:bodyPr rtlCol="0" anchor="ctr"/>
+            <a:lstStyle/>
+            <a:p>
+              <a:pPr algn="ctr"/>
+              <a:endParaRPr lang="en-US" sz="2800"/>
+            </a:p>
+          </p:txBody>
+        </p:sp>
+        <p:sp>
+          <p:nvSpPr>
+            <p:cNvPr id="36" name="Rectangle 35"/>
+            <p:cNvSpPr/>
+            <p:nvPr/>
+          </p:nvSpPr>
+          <p:spPr>
+            <a:xfrm>
+              <a:off x="419100" y="3213100"/>
+              <a:ext cx="279400" cy="304800"/>
+            </a:xfrm>
+            <a:prstGeom prst="rect">
+              <a:avLst/>
+            </a:prstGeom>
+            <a:grpFill/>
+          </p:spPr>
+          <p:style>
+            <a:lnRef idx="2">
+              <a:schemeClr val="accent1">
+                <a:shade val="50000"/>
+              </a:schemeClr>
+            </a:lnRef>
+            <a:fillRef idx="1">
+              <a:schemeClr val="accent1"/>
+            </a:fillRef>
+            <a:effectRef idx="0">
+              <a:schemeClr val="accent1"/>
+            </a:effectRef>
+            <a:fontRef idx="minor">
+              <a:schemeClr val="lt1"/>
+            </a:fontRef>
+          </p:style>
+          <p:txBody>
+            <a:bodyPr rtlCol="0" anchor="ctr"/>
+            <a:lstStyle/>
+            <a:p>
+              <a:pPr algn="ctr"/>
+              <a:endParaRPr lang="en-US" sz="2800"/>
+            </a:p>
+          </p:txBody>
+        </p:sp>
+        <p:sp>
+          <p:nvSpPr>
+            <p:cNvPr id="37" name="Rectangle 36"/>
+            <p:cNvSpPr/>
+            <p:nvPr/>
+          </p:nvSpPr>
+          <p:spPr>
+            <a:xfrm>
+              <a:off x="876300" y="2679700"/>
+              <a:ext cx="279400" cy="304800"/>
+            </a:xfrm>
+            <a:prstGeom prst="rect">
+              <a:avLst/>
+            </a:prstGeom>
+            <a:grpFill/>
+          </p:spPr>
+          <p:style>
+            <a:lnRef idx="2">
+              <a:schemeClr val="accent1">
+                <a:shade val="50000"/>
+              </a:schemeClr>
+            </a:lnRef>
+            <a:fillRef idx="1">
+              <a:schemeClr val="accent1"/>
+            </a:fillRef>
+            <a:effectRef idx="0">
+              <a:schemeClr val="accent1"/>
+            </a:effectRef>
+            <a:fontRef idx="minor">
+              <a:schemeClr val="lt1"/>
+            </a:fontRef>
+          </p:style>
+          <p:txBody>
+            <a:bodyPr rtlCol="0" anchor="ctr"/>
+            <a:lstStyle/>
+            <a:p>
+              <a:pPr algn="ctr"/>
+              <a:endParaRPr lang="en-US" sz="2800"/>
+            </a:p>
+          </p:txBody>
+        </p:sp>
+        <p:sp>
+          <p:nvSpPr>
+            <p:cNvPr id="38" name="Rectangle 37"/>
+            <p:cNvSpPr/>
+            <p:nvPr/>
+          </p:nvSpPr>
+          <p:spPr>
+            <a:xfrm>
+              <a:off x="882649" y="3213100"/>
+              <a:ext cx="279400" cy="304800"/>
+            </a:xfrm>
+            <a:prstGeom prst="rect">
+              <a:avLst/>
+            </a:prstGeom>
+            <a:grpFill/>
+          </p:spPr>
+          <p:style>
+            <a:lnRef idx="2">
+              <a:schemeClr val="accent1">
+                <a:shade val="50000"/>
+              </a:schemeClr>
+            </a:lnRef>
+            <a:fillRef idx="1">
+              <a:schemeClr val="accent1"/>
+            </a:fillRef>
+            <a:effectRef idx="0">
+              <a:schemeClr val="accent1"/>
+            </a:effectRef>
+            <a:fontRef idx="minor">
+              <a:schemeClr val="lt1"/>
+            </a:fontRef>
+          </p:style>
+          <p:txBody>
+            <a:bodyPr rtlCol="0" anchor="ctr"/>
+            <a:lstStyle/>
+            <a:p>
+              <a:pPr algn="ctr"/>
+              <a:endParaRPr lang="en-US" sz="2800"/>
+            </a:p>
+          </p:txBody>
+        </p:sp>
+        <p:sp>
+          <p:nvSpPr>
+            <p:cNvPr id="39" name="Rectangle 38"/>
+            <p:cNvSpPr/>
+            <p:nvPr/>
+          </p:nvSpPr>
+          <p:spPr>
+            <a:xfrm>
+              <a:off x="1355726" y="2679700"/>
+              <a:ext cx="279400" cy="304800"/>
+            </a:xfrm>
+            <a:prstGeom prst="rect">
+              <a:avLst/>
+            </a:prstGeom>
+            <a:grpFill/>
+          </p:spPr>
+          <p:style>
+            <a:lnRef idx="2">
+              <a:schemeClr val="accent1">
+                <a:shade val="50000"/>
+              </a:schemeClr>
+            </a:lnRef>
+            <a:fillRef idx="1">
+              <a:schemeClr val="accent1"/>
+            </a:fillRef>
+            <a:effectRef idx="0">
+              <a:schemeClr val="accent1"/>
+            </a:effectRef>
+            <a:fontRef idx="minor">
+              <a:schemeClr val="lt1"/>
+            </a:fontRef>
+          </p:style>
+          <p:txBody>
+            <a:bodyPr rtlCol="0" anchor="ctr"/>
+            <a:lstStyle/>
+            <a:p>
+              <a:pPr algn="ctr"/>
+              <a:endParaRPr lang="en-US" sz="2800"/>
+            </a:p>
+          </p:txBody>
+        </p:sp>
+        <p:sp>
+          <p:nvSpPr>
+            <p:cNvPr id="40" name="Rectangle 39"/>
+            <p:cNvSpPr/>
+            <p:nvPr/>
+          </p:nvSpPr>
+          <p:spPr>
+            <a:xfrm>
+              <a:off x="1355726" y="3213100"/>
+              <a:ext cx="279400" cy="304800"/>
+            </a:xfrm>
+            <a:prstGeom prst="rect">
+              <a:avLst/>
+            </a:prstGeom>
+            <a:grpFill/>
+          </p:spPr>
+          <p:style>
+            <a:lnRef idx="2">
+              <a:schemeClr val="accent1">
+                <a:shade val="50000"/>
+              </a:schemeClr>
+            </a:lnRef>
+            <a:fillRef idx="1">
+              <a:schemeClr val="accent1"/>
+            </a:fillRef>
+            <a:effectRef idx="0">
+              <a:schemeClr val="accent1"/>
+            </a:effectRef>
+            <a:fontRef idx="minor">
+              <a:schemeClr val="lt1"/>
+            </a:fontRef>
+          </p:style>
+          <p:txBody>
+            <a:bodyPr rtlCol="0" anchor="ctr"/>
+            <a:lstStyle/>
+            <a:p>
+              <a:pPr algn="ctr"/>
+              <a:endParaRPr lang="en-US" sz="2800"/>
+            </a:p>
+          </p:txBody>
+        </p:sp>
+        <p:sp>
+          <p:nvSpPr>
+            <p:cNvPr id="41" name="Rectangle 40"/>
+            <p:cNvSpPr/>
+            <p:nvPr/>
+          </p:nvSpPr>
+          <p:spPr>
+            <a:xfrm>
+              <a:off x="1812926" y="2679700"/>
+              <a:ext cx="279400" cy="304800"/>
+            </a:xfrm>
+            <a:prstGeom prst="rect">
+              <a:avLst/>
+            </a:prstGeom>
+            <a:grpFill/>
+          </p:spPr>
+          <p:style>
+            <a:lnRef idx="2">
+              <a:schemeClr val="accent1">
+                <a:shade val="50000"/>
+              </a:schemeClr>
+            </a:lnRef>
+            <a:fillRef idx="1">
+              <a:schemeClr val="accent1"/>
+            </a:fillRef>
+            <a:effectRef idx="0">
+              <a:schemeClr val="accent1"/>
+            </a:effectRef>
+            <a:fontRef idx="minor">
+              <a:schemeClr val="lt1"/>
+            </a:fontRef>
+          </p:style>
+          <p:txBody>
+            <a:bodyPr rtlCol="0" anchor="ctr"/>
+            <a:lstStyle/>
+            <a:p>
+              <a:pPr algn="ctr"/>
+              <a:endParaRPr lang="en-US" sz="2800"/>
+            </a:p>
+          </p:txBody>
+        </p:sp>
+        <p:sp>
+          <p:nvSpPr>
+            <p:cNvPr id="42" name="Rectangle 41"/>
+            <p:cNvSpPr/>
+            <p:nvPr/>
+          </p:nvSpPr>
+          <p:spPr>
+            <a:xfrm>
+              <a:off x="1819275" y="3213100"/>
+              <a:ext cx="279400" cy="304800"/>
+            </a:xfrm>
+            <a:prstGeom prst="rect">
+              <a:avLst/>
+            </a:prstGeom>
+            <a:grpFill/>
+          </p:spPr>
+          <p:style>
+            <a:lnRef idx="2">
+              <a:schemeClr val="accent1">
+                <a:shade val="50000"/>
+              </a:schemeClr>
+            </a:lnRef>
+            <a:fillRef idx="1">
+              <a:schemeClr val="accent1"/>
+            </a:fillRef>
+            <a:effectRef idx="0">
+              <a:schemeClr val="accent1"/>
+            </a:effectRef>
+            <a:fontRef idx="minor">
+              <a:schemeClr val="lt1"/>
+            </a:fontRef>
+          </p:style>
+          <p:txBody>
+            <a:bodyPr rtlCol="0" anchor="ctr"/>
+            <a:lstStyle/>
+            <a:p>
+              <a:pPr algn="ctr"/>
+              <a:endParaRPr lang="en-US" sz="2800"/>
+            </a:p>
+          </p:txBody>
+        </p:sp>
+      </p:grpSp>
+      <p:grpSp>
+        <p:nvGrpSpPr>
+          <p:cNvPr id="43" name="Group 42"/>
+          <p:cNvGrpSpPr/>
+          <p:nvPr/>
+        </p:nvGrpSpPr>
+        <p:grpSpPr>
+          <a:xfrm>
+            <a:off x="7673186" y="2450166"/>
+            <a:ext cx="1679575" cy="838200"/>
+            <a:chOff x="419100" y="2679700"/>
+            <a:chExt cx="1679575" cy="838200"/>
+          </a:xfrm>
+          <a:solidFill>
+            <a:schemeClr val="accent2">
+              <a:lumMod val="75000"/>
+            </a:schemeClr>
+          </a:solidFill>
+        </p:grpSpPr>
+        <p:sp>
+          <p:nvSpPr>
+            <p:cNvPr id="44" name="Rectangle 43"/>
+            <p:cNvSpPr/>
+            <p:nvPr/>
+          </p:nvSpPr>
+          <p:spPr>
+            <a:xfrm>
+              <a:off x="419100" y="2679700"/>
+              <a:ext cx="279400" cy="304800"/>
+            </a:xfrm>
+            <a:prstGeom prst="rect">
+              <a:avLst/>
+            </a:prstGeom>
+            <a:grpFill/>
+          </p:spPr>
+          <p:style>
+            <a:lnRef idx="2">
+              <a:schemeClr val="accent1">
+                <a:shade val="50000"/>
+              </a:schemeClr>
+            </a:lnRef>
+            <a:fillRef idx="1">
+              <a:schemeClr val="accent1"/>
+            </a:fillRef>
+            <a:effectRef idx="0">
+              <a:schemeClr val="accent1"/>
+            </a:effectRef>
+            <a:fontRef idx="minor">
+              <a:schemeClr val="lt1"/>
+            </a:fontRef>
+          </p:style>
+          <p:txBody>
+            <a:bodyPr rtlCol="0" anchor="ctr"/>
+            <a:lstStyle/>
+            <a:p>
+              <a:pPr algn="ctr"/>
+              <a:endParaRPr lang="en-US" sz="2800"/>
+            </a:p>
+          </p:txBody>
+        </p:sp>
+        <p:sp>
+          <p:nvSpPr>
+            <p:cNvPr id="45" name="Rectangle 44"/>
+            <p:cNvSpPr/>
+            <p:nvPr/>
+          </p:nvSpPr>
+          <p:spPr>
+            <a:xfrm>
+              <a:off x="419100" y="3213100"/>
+              <a:ext cx="279400" cy="304800"/>
+            </a:xfrm>
+            <a:prstGeom prst="rect">
+              <a:avLst/>
+            </a:prstGeom>
+            <a:grpFill/>
+          </p:spPr>
+          <p:style>
+            <a:lnRef idx="2">
+              <a:schemeClr val="accent1">
+                <a:shade val="50000"/>
+              </a:schemeClr>
+            </a:lnRef>
+            <a:fillRef idx="1">
+              <a:schemeClr val="accent1"/>
+            </a:fillRef>
+            <a:effectRef idx="0">
+              <a:schemeClr val="accent1"/>
+            </a:effectRef>
+            <a:fontRef idx="minor">
+              <a:schemeClr val="lt1"/>
+            </a:fontRef>
+          </p:style>
+          <p:txBody>
+            <a:bodyPr rtlCol="0" anchor="ctr"/>
+            <a:lstStyle/>
+            <a:p>
+              <a:pPr algn="ctr"/>
+              <a:endParaRPr lang="en-US" sz="2800"/>
+            </a:p>
+          </p:txBody>
+        </p:sp>
+        <p:sp>
+          <p:nvSpPr>
+            <p:cNvPr id="46" name="Rectangle 45"/>
+            <p:cNvSpPr/>
+            <p:nvPr/>
+          </p:nvSpPr>
+          <p:spPr>
+            <a:xfrm>
+              <a:off x="876300" y="2679700"/>
+              <a:ext cx="279400" cy="304800"/>
+            </a:xfrm>
+            <a:prstGeom prst="rect">
+              <a:avLst/>
+            </a:prstGeom>
+            <a:grpFill/>
+          </p:spPr>
+          <p:style>
+            <a:lnRef idx="2">
+              <a:schemeClr val="accent1">
+                <a:shade val="50000"/>
+              </a:schemeClr>
+            </a:lnRef>
+            <a:fillRef idx="1">
+              <a:schemeClr val="accent1"/>
+            </a:fillRef>
+            <a:effectRef idx="0">
+              <a:schemeClr val="accent1"/>
+            </a:effectRef>
+            <a:fontRef idx="minor">
+              <a:schemeClr val="lt1"/>
+            </a:fontRef>
+          </p:style>
+          <p:txBody>
+            <a:bodyPr rtlCol="0" anchor="ctr"/>
+            <a:lstStyle/>
+            <a:p>
+              <a:pPr algn="ctr"/>
+              <a:endParaRPr lang="en-US" sz="2800"/>
+            </a:p>
+          </p:txBody>
+        </p:sp>
+        <p:sp>
+          <p:nvSpPr>
+            <p:cNvPr id="47" name="Rectangle 46"/>
+            <p:cNvSpPr/>
+            <p:nvPr/>
+          </p:nvSpPr>
+          <p:spPr>
+            <a:xfrm>
+              <a:off x="882649" y="3213100"/>
+              <a:ext cx="279400" cy="304800"/>
+            </a:xfrm>
+            <a:prstGeom prst="rect">
+              <a:avLst/>
+            </a:prstGeom>
+            <a:grpFill/>
+          </p:spPr>
+          <p:style>
+            <a:lnRef idx="2">
+              <a:schemeClr val="accent1">
+                <a:shade val="50000"/>
+              </a:schemeClr>
+            </a:lnRef>
+            <a:fillRef idx="1">
+              <a:schemeClr val="accent1"/>
+            </a:fillRef>
+            <a:effectRef idx="0">
+              <a:schemeClr val="accent1"/>
+            </a:effectRef>
+            <a:fontRef idx="minor">
+              <a:schemeClr val="lt1"/>
+            </a:fontRef>
+          </p:style>
+          <p:txBody>
+            <a:bodyPr rtlCol="0" anchor="ctr"/>
+            <a:lstStyle/>
+            <a:p>
+              <a:pPr algn="ctr"/>
+              <a:endParaRPr lang="en-US" sz="2800"/>
+            </a:p>
+          </p:txBody>
+        </p:sp>
+        <p:sp>
+          <p:nvSpPr>
+            <p:cNvPr id="48" name="Rectangle 47"/>
+            <p:cNvSpPr/>
+            <p:nvPr/>
+          </p:nvSpPr>
+          <p:spPr>
+            <a:xfrm>
+              <a:off x="1355726" y="2679700"/>
+              <a:ext cx="279400" cy="304800"/>
+            </a:xfrm>
+            <a:prstGeom prst="rect">
+              <a:avLst/>
+            </a:prstGeom>
+            <a:grpFill/>
+          </p:spPr>
+          <p:style>
+            <a:lnRef idx="2">
+              <a:schemeClr val="accent1">
+                <a:shade val="50000"/>
+              </a:schemeClr>
+            </a:lnRef>
+            <a:fillRef idx="1">
+              <a:schemeClr val="accent1"/>
+            </a:fillRef>
+            <a:effectRef idx="0">
+              <a:schemeClr val="accent1"/>
+            </a:effectRef>
+            <a:fontRef idx="minor">
+              <a:schemeClr val="lt1"/>
+            </a:fontRef>
+          </p:style>
+          <p:txBody>
+            <a:bodyPr rtlCol="0" anchor="ctr"/>
+            <a:lstStyle/>
+            <a:p>
+              <a:pPr algn="ctr"/>
+              <a:endParaRPr lang="en-US" sz="2800"/>
+            </a:p>
+          </p:txBody>
+        </p:sp>
+        <p:sp>
+          <p:nvSpPr>
+            <p:cNvPr id="49" name="Rectangle 48"/>
+            <p:cNvSpPr/>
+            <p:nvPr/>
+          </p:nvSpPr>
+          <p:spPr>
+            <a:xfrm>
+              <a:off x="1355726" y="3213100"/>
+              <a:ext cx="279400" cy="304800"/>
+            </a:xfrm>
+            <a:prstGeom prst="rect">
+              <a:avLst/>
+            </a:prstGeom>
+            <a:grpFill/>
+          </p:spPr>
+          <p:style>
+            <a:lnRef idx="2">
+              <a:schemeClr val="accent1">
+                <a:shade val="50000"/>
+              </a:schemeClr>
+            </a:lnRef>
+            <a:fillRef idx="1">
+              <a:schemeClr val="accent1"/>
+            </a:fillRef>
+            <a:effectRef idx="0">
+              <a:schemeClr val="accent1"/>
+            </a:effectRef>
+            <a:fontRef idx="minor">
+              <a:schemeClr val="lt1"/>
+            </a:fontRef>
+          </p:style>
+          <p:txBody>
+            <a:bodyPr rtlCol="0" anchor="ctr"/>
+            <a:lstStyle/>
+            <a:p>
+              <a:pPr algn="ctr"/>
+              <a:endParaRPr lang="en-US" sz="2800"/>
+            </a:p>
+          </p:txBody>
+        </p:sp>
+        <p:sp>
+          <p:nvSpPr>
+            <p:cNvPr id="50" name="Rectangle 49"/>
+            <p:cNvSpPr/>
+            <p:nvPr/>
+          </p:nvSpPr>
+          <p:spPr>
+            <a:xfrm>
+              <a:off x="1812926" y="2679700"/>
+              <a:ext cx="279400" cy="304800"/>
+            </a:xfrm>
+            <a:prstGeom prst="rect">
+              <a:avLst/>
+            </a:prstGeom>
+            <a:grpFill/>
+          </p:spPr>
+          <p:style>
+            <a:lnRef idx="2">
+              <a:schemeClr val="accent1">
+                <a:shade val="50000"/>
+              </a:schemeClr>
+            </a:lnRef>
+            <a:fillRef idx="1">
+              <a:schemeClr val="accent1"/>
+            </a:fillRef>
+            <a:effectRef idx="0">
+              <a:schemeClr val="accent1"/>
+            </a:effectRef>
+            <a:fontRef idx="minor">
+              <a:schemeClr val="lt1"/>
+            </a:fontRef>
+          </p:style>
+          <p:txBody>
+            <a:bodyPr rtlCol="0" anchor="ctr"/>
+            <a:lstStyle/>
+            <a:p>
+              <a:pPr algn="ctr"/>
+              <a:endParaRPr lang="en-US" sz="2800"/>
+            </a:p>
+          </p:txBody>
+        </p:sp>
+        <p:sp>
+          <p:nvSpPr>
+            <p:cNvPr id="51" name="Rectangle 50"/>
+            <p:cNvSpPr/>
+            <p:nvPr/>
+          </p:nvSpPr>
+          <p:spPr>
+            <a:xfrm>
+              <a:off x="1819275" y="3213100"/>
+              <a:ext cx="279400" cy="304800"/>
+            </a:xfrm>
+            <a:prstGeom prst="rect">
+              <a:avLst/>
+            </a:prstGeom>
+            <a:grpFill/>
+          </p:spPr>
+          <p:style>
+            <a:lnRef idx="2">
+              <a:schemeClr val="accent1">
+                <a:shade val="50000"/>
+              </a:schemeClr>
+            </a:lnRef>
+            <a:fillRef idx="1">
+              <a:schemeClr val="accent1"/>
+            </a:fillRef>
+            <a:effectRef idx="0">
+              <a:schemeClr val="accent1"/>
+            </a:effectRef>
+            <a:fontRef idx="minor">
+              <a:schemeClr val="lt1"/>
+            </a:fontRef>
+          </p:style>
+          <p:txBody>
+            <a:bodyPr rtlCol="0" anchor="ctr"/>
+            <a:lstStyle/>
+            <a:p>
+              <a:pPr algn="ctr"/>
+              <a:endParaRPr lang="en-US" sz="2800"/>
+            </a:p>
+          </p:txBody>
+        </p:sp>
+      </p:grpSp>
+      <p:grpSp>
+        <p:nvGrpSpPr>
+          <p:cNvPr id="52" name="Group 51"/>
+          <p:cNvGrpSpPr/>
+          <p:nvPr/>
+        </p:nvGrpSpPr>
+        <p:grpSpPr>
+          <a:xfrm>
+            <a:off x="9799644" y="2450166"/>
+            <a:ext cx="1679575" cy="838200"/>
+            <a:chOff x="419100" y="2679700"/>
+            <a:chExt cx="1679575" cy="838200"/>
+          </a:xfrm>
+        </p:grpSpPr>
+        <p:sp>
+          <p:nvSpPr>
+            <p:cNvPr id="53" name="Rectangle 52"/>
+            <p:cNvSpPr/>
+            <p:nvPr/>
+          </p:nvSpPr>
+          <p:spPr>
+            <a:xfrm>
+              <a:off x="419100" y="2679700"/>
+              <a:ext cx="279400" cy="304800"/>
+            </a:xfrm>
+            <a:prstGeom prst="rect">
+              <a:avLst/>
+            </a:prstGeom>
+          </p:spPr>
+          <p:style>
+            <a:lnRef idx="2">
+              <a:schemeClr val="accent1">
+                <a:shade val="50000"/>
+              </a:schemeClr>
+            </a:lnRef>
+            <a:fillRef idx="1">
+              <a:schemeClr val="accent1"/>
+            </a:fillRef>
+            <a:effectRef idx="0">
+              <a:schemeClr val="accent1"/>
+            </a:effectRef>
+            <a:fontRef idx="minor">
+              <a:schemeClr val="lt1"/>
+            </a:fontRef>
+          </p:style>
+          <p:txBody>
+            <a:bodyPr rtlCol="0" anchor="ctr"/>
+            <a:lstStyle/>
+            <a:p>
+              <a:pPr algn="ctr"/>
+              <a:endParaRPr lang="en-US" sz="2800"/>
+            </a:p>
+          </p:txBody>
+        </p:sp>
+        <p:sp>
+          <p:nvSpPr>
+            <p:cNvPr id="54" name="Rectangle 53"/>
+            <p:cNvSpPr/>
+            <p:nvPr/>
+          </p:nvSpPr>
+          <p:spPr>
+            <a:xfrm>
+              <a:off x="419100" y="3213100"/>
+              <a:ext cx="279400" cy="304800"/>
+            </a:xfrm>
+            <a:prstGeom prst="rect">
+              <a:avLst/>
+            </a:prstGeom>
+          </p:spPr>
+          <p:style>
+            <a:lnRef idx="2">
+              <a:schemeClr val="accent1">
+                <a:shade val="50000"/>
+              </a:schemeClr>
+            </a:lnRef>
+            <a:fillRef idx="1">
+              <a:schemeClr val="accent1"/>
+            </a:fillRef>
+            <a:effectRef idx="0">
+              <a:schemeClr val="accent1"/>
+            </a:effectRef>
+            <a:fontRef idx="minor">
+              <a:schemeClr val="lt1"/>
+            </a:fontRef>
+          </p:style>
+          <p:txBody>
+            <a:bodyPr rtlCol="0" anchor="ctr"/>
+            <a:lstStyle/>
+            <a:p>
+              <a:pPr algn="ctr"/>
+              <a:endParaRPr lang="en-US" sz="2800"/>
+            </a:p>
+          </p:txBody>
+        </p:sp>
+        <p:sp>
+          <p:nvSpPr>
+            <p:cNvPr id="55" name="Rectangle 54"/>
+            <p:cNvSpPr/>
+            <p:nvPr/>
+          </p:nvSpPr>
+          <p:spPr>
+            <a:xfrm>
+              <a:off x="876300" y="2679700"/>
+              <a:ext cx="279400" cy="304800"/>
+            </a:xfrm>
+            <a:prstGeom prst="rect">
+              <a:avLst/>
+            </a:prstGeom>
+          </p:spPr>
+          <p:style>
+            <a:lnRef idx="2">
+              <a:schemeClr val="accent1">
+                <a:shade val="50000"/>
+              </a:schemeClr>
+            </a:lnRef>
+            <a:fillRef idx="1">
+              <a:schemeClr val="accent1"/>
+            </a:fillRef>
+            <a:effectRef idx="0">
+              <a:schemeClr val="accent1"/>
+            </a:effectRef>
+            <a:fontRef idx="minor">
+              <a:schemeClr val="lt1"/>
+            </a:fontRef>
+          </p:style>
+          <p:txBody>
+            <a:bodyPr rtlCol="0" anchor="ctr"/>
+            <a:lstStyle/>
+            <a:p>
+              <a:pPr algn="ctr"/>
+              <a:endParaRPr lang="en-US" sz="2800"/>
+            </a:p>
+          </p:txBody>
+        </p:sp>
+        <p:sp>
+          <p:nvSpPr>
+            <p:cNvPr id="56" name="Rectangle 55"/>
+            <p:cNvSpPr/>
+            <p:nvPr/>
+          </p:nvSpPr>
+          <p:spPr>
+            <a:xfrm>
+              <a:off x="882649" y="3213100"/>
+              <a:ext cx="279400" cy="304800"/>
+            </a:xfrm>
+            <a:prstGeom prst="rect">
+              <a:avLst/>
+            </a:prstGeom>
+          </p:spPr>
+          <p:style>
+            <a:lnRef idx="2">
+              <a:schemeClr val="accent1">
+                <a:shade val="50000"/>
+              </a:schemeClr>
+            </a:lnRef>
+            <a:fillRef idx="1">
+              <a:schemeClr val="accent1"/>
+            </a:fillRef>
+            <a:effectRef idx="0">
+              <a:schemeClr val="accent1"/>
+            </a:effectRef>
+            <a:fontRef idx="minor">
+              <a:schemeClr val="lt1"/>
+            </a:fontRef>
+          </p:style>
+          <p:txBody>
+            <a:bodyPr rtlCol="0" anchor="ctr"/>
+            <a:lstStyle/>
+            <a:p>
+              <a:pPr algn="ctr"/>
+              <a:endParaRPr lang="en-US" sz="2800"/>
+            </a:p>
+          </p:txBody>
+        </p:sp>
+        <p:sp>
+          <p:nvSpPr>
+            <p:cNvPr id="57" name="Rectangle 56"/>
+            <p:cNvSpPr/>
+            <p:nvPr/>
+          </p:nvSpPr>
+          <p:spPr>
+            <a:xfrm>
+              <a:off x="1355726" y="2679700"/>
+              <a:ext cx="279400" cy="304800"/>
+            </a:xfrm>
+            <a:prstGeom prst="rect">
+              <a:avLst/>
+            </a:prstGeom>
+          </p:spPr>
+          <p:style>
+            <a:lnRef idx="2">
+              <a:schemeClr val="accent1">
+                <a:shade val="50000"/>
+              </a:schemeClr>
+            </a:lnRef>
+            <a:fillRef idx="1">
+              <a:schemeClr val="accent1"/>
+            </a:fillRef>
+            <a:effectRef idx="0">
+              <a:schemeClr val="accent1"/>
+            </a:effectRef>
+            <a:fontRef idx="minor">
+              <a:schemeClr val="lt1"/>
+            </a:fontRef>
+          </p:style>
+          <p:txBody>
+            <a:bodyPr rtlCol="0" anchor="ctr"/>
+            <a:lstStyle/>
+            <a:p>
+              <a:pPr algn="ctr"/>
+              <a:endParaRPr lang="en-US" sz="2800"/>
+            </a:p>
+          </p:txBody>
+        </p:sp>
+        <p:sp>
+          <p:nvSpPr>
+            <p:cNvPr id="58" name="Rectangle 57"/>
+            <p:cNvSpPr/>
+            <p:nvPr/>
+          </p:nvSpPr>
+          <p:spPr>
+            <a:xfrm>
+              <a:off x="1355726" y="3213100"/>
+              <a:ext cx="279400" cy="304800"/>
+            </a:xfrm>
+            <a:prstGeom prst="rect">
+              <a:avLst/>
+            </a:prstGeom>
+          </p:spPr>
+          <p:style>
+            <a:lnRef idx="2">
+              <a:schemeClr val="accent1">
+                <a:shade val="50000"/>
+              </a:schemeClr>
+            </a:lnRef>
+            <a:fillRef idx="1">
+              <a:schemeClr val="accent1"/>
+            </a:fillRef>
+            <a:effectRef idx="0">
+              <a:schemeClr val="accent1"/>
+            </a:effectRef>
+            <a:fontRef idx="minor">
+              <a:schemeClr val="lt1"/>
+            </a:fontRef>
+          </p:style>
+          <p:txBody>
+            <a:bodyPr rtlCol="0" anchor="ctr"/>
+            <a:lstStyle/>
+            <a:p>
+              <a:pPr algn="ctr"/>
+              <a:endParaRPr lang="en-US" sz="2800"/>
+            </a:p>
+          </p:txBody>
+        </p:sp>
+        <p:sp>
+          <p:nvSpPr>
+            <p:cNvPr id="59" name="Rectangle 58"/>
+            <p:cNvSpPr/>
+            <p:nvPr/>
+          </p:nvSpPr>
+          <p:spPr>
+            <a:xfrm>
+              <a:off x="1812926" y="2679700"/>
+              <a:ext cx="279400" cy="304800"/>
+            </a:xfrm>
+            <a:prstGeom prst="rect">
+              <a:avLst/>
+            </a:prstGeom>
+          </p:spPr>
+          <p:style>
+            <a:lnRef idx="2">
+              <a:schemeClr val="accent1">
+                <a:shade val="50000"/>
+              </a:schemeClr>
+            </a:lnRef>
+            <a:fillRef idx="1">
+              <a:schemeClr val="accent1"/>
+            </a:fillRef>
+            <a:effectRef idx="0">
+              <a:schemeClr val="accent1"/>
+            </a:effectRef>
+            <a:fontRef idx="minor">
+              <a:schemeClr val="lt1"/>
+            </a:fontRef>
+          </p:style>
+          <p:txBody>
+            <a:bodyPr rtlCol="0" anchor="ctr"/>
+            <a:lstStyle/>
+            <a:p>
+              <a:pPr algn="ctr"/>
+              <a:endParaRPr lang="en-US" sz="2800"/>
+            </a:p>
+          </p:txBody>
+        </p:sp>
+        <p:sp>
+          <p:nvSpPr>
+            <p:cNvPr id="60" name="Rectangle 59"/>
+            <p:cNvSpPr/>
+            <p:nvPr/>
+          </p:nvSpPr>
+          <p:spPr>
+            <a:xfrm>
+              <a:off x="1819275" y="3213100"/>
+              <a:ext cx="279400" cy="304800"/>
+            </a:xfrm>
+            <a:prstGeom prst="rect">
+              <a:avLst/>
+            </a:prstGeom>
+          </p:spPr>
+          <p:style>
+            <a:lnRef idx="2">
+              <a:schemeClr val="accent1">
+                <a:shade val="50000"/>
+              </a:schemeClr>
+            </a:lnRef>
+            <a:fillRef idx="1">
+              <a:schemeClr val="accent1"/>
+            </a:fillRef>
+            <a:effectRef idx="0">
+              <a:schemeClr val="accent1"/>
+            </a:effectRef>
+            <a:fontRef idx="minor">
+              <a:schemeClr val="lt1"/>
+            </a:fontRef>
+          </p:style>
+          <p:txBody>
+            <a:bodyPr rtlCol="0" anchor="ctr"/>
+            <a:lstStyle/>
+            <a:p>
+              <a:pPr algn="ctr"/>
+              <a:endParaRPr lang="en-US" sz="2800"/>
+            </a:p>
+          </p:txBody>
+        </p:sp>
+      </p:grpSp>
+      <p:sp>
+        <p:nvSpPr>
+          <p:cNvPr id="61" name="Rectangle 60"/>
+          <p:cNvSpPr/>
+          <p:nvPr/>
+        </p:nvSpPr>
+        <p:spPr>
+          <a:xfrm>
+            <a:off x="7102476" y="2462866"/>
+            <a:ext cx="279400" cy="304800"/>
+          </a:xfrm>
+          <a:prstGeom prst="rect">
+            <a:avLst/>
+          </a:prstGeom>
+        </p:spPr>
+        <p:style>
+          <a:lnRef idx="2">
+            <a:schemeClr val="accent1">
+              <a:shade val="50000"/>
+            </a:schemeClr>
+          </a:lnRef>
+          <a:fillRef idx="1">
+            <a:schemeClr val="accent1"/>
+          </a:fillRef>
+          <a:effectRef idx="0">
+            <a:schemeClr val="accent1"/>
+          </a:effectRef>
+          <a:fontRef idx="minor">
+            <a:schemeClr val="lt1"/>
+          </a:fontRef>
+        </p:style>
+        <p:txBody>
+          <a:bodyPr rtlCol="0" anchor="ctr"/>
+          <a:lstStyle/>
+          <a:p>
+            <a:pPr algn="ctr"/>
+            <a:endParaRPr lang="en-US" sz="2800"/>
+          </a:p>
+        </p:txBody>
+      </p:sp>
+      <p:sp>
+        <p:nvSpPr>
+          <p:cNvPr id="62" name="Rectangle 61"/>
+          <p:cNvSpPr/>
+          <p:nvPr/>
+        </p:nvSpPr>
+        <p:spPr>
+          <a:xfrm>
+            <a:off x="7102476" y="2996266"/>
+            <a:ext cx="279400" cy="304800"/>
+          </a:xfrm>
+          <a:prstGeom prst="rect">
+            <a:avLst/>
+          </a:prstGeom>
+        </p:spPr>
+        <p:style>
+          <a:lnRef idx="2">
+            <a:schemeClr val="accent1">
+              <a:shade val="50000"/>
+            </a:schemeClr>
+          </a:lnRef>
+          <a:fillRef idx="1">
+            <a:schemeClr val="accent1"/>
+          </a:fillRef>
+          <a:effectRef idx="0">
+            <a:schemeClr val="accent1"/>
+          </a:effectRef>
+          <a:fontRef idx="minor">
+            <a:schemeClr val="lt1"/>
+          </a:fontRef>
+        </p:style>
+        <p:txBody>
+          <a:bodyPr rtlCol="0" anchor="ctr"/>
+          <a:lstStyle/>
+          <a:p>
+            <a:pPr algn="ctr"/>
+            <a:endParaRPr lang="en-US" sz="2800"/>
+          </a:p>
+        </p:txBody>
+      </p:sp>
+      <p:sp>
+        <p:nvSpPr>
+          <p:cNvPr id="63" name="Rectangle 62"/>
+          <p:cNvSpPr/>
+          <p:nvPr/>
+        </p:nvSpPr>
+        <p:spPr>
+          <a:xfrm>
+            <a:off x="4498976" y="2450166"/>
+            <a:ext cx="279400" cy="304800"/>
+          </a:xfrm>
+          <a:prstGeom prst="rect">
+            <a:avLst/>
+          </a:prstGeom>
+        </p:spPr>
+        <p:style>
+          <a:lnRef idx="2">
+            <a:schemeClr val="accent1">
+              <a:shade val="50000"/>
+            </a:schemeClr>
+          </a:lnRef>
+          <a:fillRef idx="1">
+            <a:schemeClr val="accent1"/>
+          </a:fillRef>
+          <a:effectRef idx="0">
+            <a:schemeClr val="accent1"/>
+          </a:effectRef>
+          <a:fontRef idx="minor">
+            <a:schemeClr val="lt1"/>
+          </a:fontRef>
+        </p:style>
+        <p:txBody>
+          <a:bodyPr rtlCol="0" anchor="ctr"/>
+          <a:lstStyle/>
+          <a:p>
+            <a:pPr algn="ctr"/>
+            <a:endParaRPr lang="en-US" sz="2800"/>
+          </a:p>
+        </p:txBody>
+      </p:sp>
+      <p:sp>
+        <p:nvSpPr>
+          <p:cNvPr id="64" name="Rectangle 63"/>
+          <p:cNvSpPr/>
+          <p:nvPr/>
+        </p:nvSpPr>
+        <p:spPr>
+          <a:xfrm>
+            <a:off x="4498976" y="2983566"/>
+            <a:ext cx="279400" cy="304800"/>
+          </a:xfrm>
+          <a:prstGeom prst="rect">
+            <a:avLst/>
+          </a:prstGeom>
+        </p:spPr>
+        <p:style>
+          <a:lnRef idx="2">
+            <a:schemeClr val="accent1">
+              <a:shade val="50000"/>
+            </a:schemeClr>
+          </a:lnRef>
+          <a:fillRef idx="1">
+            <a:schemeClr val="accent1"/>
+          </a:fillRef>
+          <a:effectRef idx="0">
+            <a:schemeClr val="accent1"/>
+          </a:effectRef>
+          <a:fontRef idx="minor">
+            <a:schemeClr val="lt1"/>
+          </a:fontRef>
+        </p:style>
+        <p:txBody>
+          <a:bodyPr rtlCol="0" anchor="ctr"/>
+          <a:lstStyle/>
+          <a:p>
+            <a:pPr algn="ctr"/>
+            <a:endParaRPr lang="en-US" sz="2800"/>
+          </a:p>
+        </p:txBody>
+      </p:sp>
+      <p:grpSp>
+        <p:nvGrpSpPr>
+          <p:cNvPr id="152" name="Group 151"/>
+          <p:cNvGrpSpPr/>
+          <p:nvPr/>
+        </p:nvGrpSpPr>
+        <p:grpSpPr>
+          <a:xfrm>
+            <a:off x="115891" y="4367866"/>
+            <a:ext cx="4758813" cy="1422400"/>
+            <a:chOff x="268288" y="4584700"/>
+            <a:chExt cx="2141538" cy="1739900"/>
+          </a:xfrm>
+        </p:grpSpPr>
+        <p:sp>
+          <p:nvSpPr>
+            <p:cNvPr id="101" name="Rectangle 100"/>
+            <p:cNvSpPr/>
+            <p:nvPr/>
+          </p:nvSpPr>
+          <p:spPr>
+            <a:xfrm>
+              <a:off x="268288" y="4584700"/>
+              <a:ext cx="2141538" cy="1739900"/>
+            </a:xfrm>
+            <a:prstGeom prst="rect">
+              <a:avLst/>
+            </a:prstGeom>
+            <a:solidFill>
+              <a:schemeClr val="bg1"/>
+            </a:solidFill>
+            <a:ln>
+              <a:prstDash val="dashDot"/>
+            </a:ln>
+          </p:spPr>
+          <p:style>
+            <a:lnRef idx="2">
+              <a:schemeClr val="accent1">
+                <a:shade val="50000"/>
+              </a:schemeClr>
+            </a:lnRef>
+            <a:fillRef idx="1">
+              <a:schemeClr val="accent1"/>
+            </a:fillRef>
+            <a:effectRef idx="0">
+              <a:schemeClr val="accent1"/>
+            </a:effectRef>
+            <a:fontRef idx="minor">
+              <a:schemeClr val="lt1"/>
+            </a:fontRef>
+          </p:style>
+          <p:txBody>
+            <a:bodyPr rtlCol="0" anchor="ctr"/>
+            <a:lstStyle/>
+            <a:p>
+              <a:pPr algn="ctr"/>
+              <a:endParaRPr lang="en-US" sz="2800"/>
+            </a:p>
+          </p:txBody>
+        </p:sp>
+        <p:sp>
+          <p:nvSpPr>
+            <p:cNvPr id="88" name="Rectangle 87"/>
+            <p:cNvSpPr/>
+            <p:nvPr/>
+          </p:nvSpPr>
+          <p:spPr>
+            <a:xfrm>
+              <a:off x="276224" y="4800600"/>
+              <a:ext cx="1219202" cy="292100"/>
+            </a:xfrm>
+            <a:prstGeom prst="rect">
+              <a:avLst/>
+            </a:prstGeom>
+          </p:spPr>
+          <p:style>
+            <a:lnRef idx="2">
+              <a:schemeClr val="accent1">
+                <a:shade val="50000"/>
+              </a:schemeClr>
+            </a:lnRef>
+            <a:fillRef idx="1">
+              <a:schemeClr val="accent1"/>
+            </a:fillRef>
+            <a:effectRef idx="0">
+              <a:schemeClr val="accent1"/>
+            </a:effectRef>
+            <a:fontRef idx="minor">
+              <a:schemeClr val="lt1"/>
+            </a:fontRef>
+          </p:style>
+          <p:txBody>
+            <a:bodyPr rtlCol="0" anchor="ctr"/>
+            <a:lstStyle/>
+            <a:p>
+              <a:pPr algn="ctr"/>
+              <a:endParaRPr lang="en-US" sz="2800"/>
+            </a:p>
+          </p:txBody>
+        </p:sp>
+        <p:sp>
+          <p:nvSpPr>
+            <p:cNvPr id="89" name="Rectangle 88"/>
+            <p:cNvSpPr/>
+            <p:nvPr/>
+          </p:nvSpPr>
+          <p:spPr>
+            <a:xfrm>
+              <a:off x="428624" y="4953000"/>
+              <a:ext cx="1219202" cy="292100"/>
+            </a:xfrm>
+            <a:prstGeom prst="rect">
+              <a:avLst/>
+            </a:prstGeom>
+          </p:spPr>
+          <p:style>
+            <a:lnRef idx="2">
+              <a:schemeClr val="accent1">
+                <a:shade val="50000"/>
+              </a:schemeClr>
+            </a:lnRef>
+            <a:fillRef idx="1">
+              <a:schemeClr val="accent1"/>
+            </a:fillRef>
+            <a:effectRef idx="0">
+              <a:schemeClr val="accent1"/>
+            </a:effectRef>
+            <a:fontRef idx="minor">
+              <a:schemeClr val="lt1"/>
+            </a:fontRef>
+          </p:style>
+          <p:txBody>
+            <a:bodyPr rtlCol="0" anchor="ctr"/>
+            <a:lstStyle/>
+            <a:p>
+              <a:pPr algn="ctr"/>
+              <a:endParaRPr lang="en-US" sz="2800"/>
+            </a:p>
+          </p:txBody>
+        </p:sp>
+        <p:sp>
+          <p:nvSpPr>
+            <p:cNvPr id="90" name="Rectangle 89"/>
+            <p:cNvSpPr/>
+            <p:nvPr/>
+          </p:nvSpPr>
+          <p:spPr>
+            <a:xfrm>
+              <a:off x="581024" y="5105400"/>
+              <a:ext cx="1219202" cy="292100"/>
+            </a:xfrm>
+            <a:prstGeom prst="rect">
+              <a:avLst/>
+            </a:prstGeom>
+          </p:spPr>
+          <p:style>
+            <a:lnRef idx="2">
+              <a:schemeClr val="accent1">
+                <a:shade val="50000"/>
+              </a:schemeClr>
+            </a:lnRef>
+            <a:fillRef idx="1">
+              <a:schemeClr val="accent1"/>
+            </a:fillRef>
+            <a:effectRef idx="0">
+              <a:schemeClr val="accent1"/>
+            </a:effectRef>
+            <a:fontRef idx="minor">
+              <a:schemeClr val="lt1"/>
+            </a:fontRef>
+          </p:style>
+          <p:txBody>
+            <a:bodyPr rtlCol="0" anchor="ctr"/>
+            <a:lstStyle/>
+            <a:p>
+              <a:pPr algn="ctr"/>
+              <a:endParaRPr lang="en-US" sz="2800"/>
+            </a:p>
+          </p:txBody>
+        </p:sp>
+        <p:sp>
+          <p:nvSpPr>
+            <p:cNvPr id="91" name="Rectangle 90"/>
+            <p:cNvSpPr/>
+            <p:nvPr/>
+          </p:nvSpPr>
+          <p:spPr>
+            <a:xfrm>
+              <a:off x="733424" y="5257800"/>
+              <a:ext cx="1219202" cy="292100"/>
+            </a:xfrm>
+            <a:prstGeom prst="rect">
+              <a:avLst/>
+            </a:prstGeom>
+          </p:spPr>
+          <p:style>
+            <a:lnRef idx="2">
+              <a:schemeClr val="accent1">
+                <a:shade val="50000"/>
+              </a:schemeClr>
+            </a:lnRef>
+            <a:fillRef idx="1">
+              <a:schemeClr val="accent1"/>
+            </a:fillRef>
+            <a:effectRef idx="0">
+              <a:schemeClr val="accent1"/>
+            </a:effectRef>
+            <a:fontRef idx="minor">
+              <a:schemeClr val="lt1"/>
+            </a:fontRef>
+          </p:style>
+          <p:txBody>
+            <a:bodyPr rtlCol="0" anchor="ctr"/>
+            <a:lstStyle/>
+            <a:p>
+              <a:pPr algn="ctr"/>
+              <a:endParaRPr lang="en-US" sz="2800"/>
+            </a:p>
+          </p:txBody>
+        </p:sp>
+        <p:sp>
+          <p:nvSpPr>
+            <p:cNvPr id="92" name="Rectangle 91"/>
+            <p:cNvSpPr/>
+            <p:nvPr/>
+          </p:nvSpPr>
+          <p:spPr>
+            <a:xfrm>
+              <a:off x="885824" y="5410200"/>
+              <a:ext cx="1219202" cy="292100"/>
+            </a:xfrm>
+            <a:prstGeom prst="rect">
+              <a:avLst/>
+            </a:prstGeom>
+          </p:spPr>
+          <p:style>
+            <a:lnRef idx="2">
+              <a:schemeClr val="accent1">
+                <a:shade val="50000"/>
+              </a:schemeClr>
+            </a:lnRef>
+            <a:fillRef idx="1">
+              <a:schemeClr val="accent1"/>
+            </a:fillRef>
+            <a:effectRef idx="0">
+              <a:schemeClr val="accent1"/>
+            </a:effectRef>
+            <a:fontRef idx="minor">
+              <a:schemeClr val="lt1"/>
+            </a:fontRef>
+          </p:style>
+          <p:txBody>
+            <a:bodyPr rtlCol="0" anchor="ctr"/>
+            <a:lstStyle/>
+            <a:p>
+              <a:pPr algn="ctr"/>
+              <a:endParaRPr lang="en-US" sz="2800"/>
+            </a:p>
+          </p:txBody>
+        </p:sp>
+        <p:sp>
+          <p:nvSpPr>
+            <p:cNvPr id="93" name="Rectangle 92"/>
+            <p:cNvSpPr/>
+            <p:nvPr/>
+          </p:nvSpPr>
+          <p:spPr>
+            <a:xfrm>
+              <a:off x="1038224" y="5562600"/>
+              <a:ext cx="1219202" cy="292100"/>
+            </a:xfrm>
+            <a:prstGeom prst="rect">
+              <a:avLst/>
+            </a:prstGeom>
+          </p:spPr>
+          <p:style>
+            <a:lnRef idx="2">
+              <a:schemeClr val="accent1">
+                <a:shade val="50000"/>
+              </a:schemeClr>
+            </a:lnRef>
+            <a:fillRef idx="1">
+              <a:schemeClr val="accent1"/>
+            </a:fillRef>
+            <a:effectRef idx="0">
+              <a:schemeClr val="accent1"/>
+            </a:effectRef>
+            <a:fontRef idx="minor">
+              <a:schemeClr val="lt1"/>
+            </a:fontRef>
+          </p:style>
+          <p:txBody>
+            <a:bodyPr rtlCol="0" anchor="ctr"/>
+            <a:lstStyle/>
+            <a:p>
+              <a:pPr algn="ctr"/>
+              <a:endParaRPr lang="en-US" sz="2800"/>
+            </a:p>
+          </p:txBody>
+        </p:sp>
+        <p:sp>
+          <p:nvSpPr>
+            <p:cNvPr id="94" name="Rectangle 93"/>
+            <p:cNvSpPr/>
+            <p:nvPr/>
+          </p:nvSpPr>
+          <p:spPr>
+            <a:xfrm>
+              <a:off x="1190624" y="5715000"/>
+              <a:ext cx="1219202" cy="292100"/>
+            </a:xfrm>
+            <a:prstGeom prst="rect">
+              <a:avLst/>
+            </a:prstGeom>
+          </p:spPr>
+          <p:style>
+            <a:lnRef idx="2">
+              <a:schemeClr val="accent1">
+                <a:shade val="50000"/>
+              </a:schemeClr>
+            </a:lnRef>
+            <a:fillRef idx="1">
+              <a:schemeClr val="accent1"/>
+            </a:fillRef>
+            <a:effectRef idx="0">
+              <a:schemeClr val="accent1"/>
+            </a:effectRef>
+            <a:fontRef idx="minor">
+              <a:schemeClr val="lt1"/>
+            </a:fontRef>
+          </p:style>
+          <p:txBody>
+            <a:bodyPr rtlCol="0" anchor="ctr"/>
+            <a:lstStyle/>
+            <a:p>
+              <a:pPr algn="ctr"/>
+              <a:endParaRPr lang="en-US" sz="2800"/>
+            </a:p>
+          </p:txBody>
+        </p:sp>
+      </p:grpSp>
+      <p:grpSp>
+        <p:nvGrpSpPr>
+          <p:cNvPr id="142" name="Group 141"/>
+          <p:cNvGrpSpPr/>
+          <p:nvPr/>
+        </p:nvGrpSpPr>
+        <p:grpSpPr>
+          <a:xfrm>
+            <a:off x="422671" y="2637496"/>
+            <a:ext cx="1387278" cy="1741487"/>
+            <a:chOff x="575071" y="2854326"/>
+            <a:chExt cx="1387278" cy="1741487"/>
+          </a:xfrm>
+        </p:grpSpPr>
+        <p:cxnSp>
+          <p:nvCxnSpPr>
+            <p:cNvPr id="103" name="Elbow Connector 102"/>
+            <p:cNvCxnSpPr/>
+            <p:nvPr/>
+          </p:nvCxnSpPr>
+          <p:spPr>
+            <a:xfrm rot="16200000" flipH="1">
+              <a:off x="374651" y="3610374"/>
+              <a:ext cx="1181098" cy="780257"/>
+            </a:xfrm>
+            <a:prstGeom prst="bentConnector3">
+              <a:avLst>
+                <a:gd name="adj1" fmla="val 50000"/>
+              </a:avLst>
+            </a:prstGeom>
+          </p:spPr>
+          <p:style>
+            <a:lnRef idx="3">
+              <a:schemeClr val="dk1"/>
+            </a:lnRef>
+            <a:fillRef idx="0">
+              <a:schemeClr val="dk1"/>
+            </a:fillRef>
+            <a:effectRef idx="2">
+              <a:schemeClr val="dk1"/>
+            </a:effectRef>
+            <a:fontRef idx="minor">
+              <a:schemeClr val="tx1"/>
+            </a:fontRef>
+          </p:style>
+        </p:cxnSp>
+        <p:cxnSp>
+          <p:nvCxnSpPr>
+            <p:cNvPr id="106" name="Elbow Connector 105"/>
+            <p:cNvCxnSpPr/>
+            <p:nvPr/>
+          </p:nvCxnSpPr>
+          <p:spPr>
+            <a:xfrm rot="16200000" flipH="1">
+              <a:off x="323054" y="3565126"/>
+              <a:ext cx="1727198" cy="311948"/>
+            </a:xfrm>
+            <a:prstGeom prst="bentConnector3">
+              <a:avLst>
+                <a:gd name="adj1" fmla="val 50000"/>
+              </a:avLst>
+            </a:prstGeom>
+          </p:spPr>
+          <p:style>
+            <a:lnRef idx="3">
+              <a:schemeClr val="dk1"/>
+            </a:lnRef>
+            <a:fillRef idx="0">
+              <a:schemeClr val="dk1"/>
+            </a:fillRef>
+            <a:effectRef idx="2">
+              <a:schemeClr val="dk1"/>
+            </a:effectRef>
+            <a:fontRef idx="minor">
+              <a:schemeClr val="tx1"/>
+            </a:fontRef>
+          </p:style>
+        </p:cxnSp>
+        <p:cxnSp>
+          <p:nvCxnSpPr>
+            <p:cNvPr id="107" name="Elbow Connector 106"/>
+            <p:cNvCxnSpPr>
+              <a:cxnSpLocks/>
+            </p:cNvCxnSpPr>
+            <p:nvPr/>
+          </p:nvCxnSpPr>
+          <p:spPr>
+            <a:xfrm rot="16200000" flipH="1">
+              <a:off x="1137706" y="3211647"/>
+              <a:ext cx="720097" cy="11805"/>
+            </a:xfrm>
+            <a:prstGeom prst="bentConnector3">
+              <a:avLst>
+                <a:gd name="adj1" fmla="val 50000"/>
+              </a:avLst>
+            </a:prstGeom>
+          </p:spPr>
+          <p:style>
+            <a:lnRef idx="3">
+              <a:schemeClr val="dk1"/>
+            </a:lnRef>
+            <a:fillRef idx="0">
+              <a:schemeClr val="dk1"/>
+            </a:fillRef>
+            <a:effectRef idx="2">
+              <a:schemeClr val="dk1"/>
+            </a:effectRef>
+            <a:fontRef idx="minor">
+              <a:schemeClr val="tx1"/>
+            </a:fontRef>
+          </p:style>
+        </p:cxnSp>
+        <p:cxnSp>
+          <p:nvCxnSpPr>
+            <p:cNvPr id="108" name="Elbow Connector 107"/>
+            <p:cNvCxnSpPr/>
+            <p:nvPr/>
+          </p:nvCxnSpPr>
+          <p:spPr>
+            <a:xfrm rot="16200000" flipH="1">
+              <a:off x="618329" y="3819123"/>
+              <a:ext cx="1143000" cy="323058"/>
+            </a:xfrm>
+            <a:prstGeom prst="bentConnector3">
+              <a:avLst>
+                <a:gd name="adj1" fmla="val 51556"/>
+              </a:avLst>
+            </a:prstGeom>
+          </p:spPr>
+          <p:style>
+            <a:lnRef idx="3">
+              <a:schemeClr val="dk1"/>
+            </a:lnRef>
+            <a:fillRef idx="0">
+              <a:schemeClr val="dk1"/>
+            </a:fillRef>
+            <a:effectRef idx="2">
+              <a:schemeClr val="dk1"/>
+            </a:effectRef>
+            <a:fontRef idx="minor">
+              <a:schemeClr val="tx1"/>
+            </a:fontRef>
+          </p:style>
+        </p:cxnSp>
+        <p:cxnSp>
+          <p:nvCxnSpPr>
+            <p:cNvPr id="109" name="Elbow Connector 108"/>
+            <p:cNvCxnSpPr/>
+            <p:nvPr/>
+          </p:nvCxnSpPr>
+          <p:spPr>
+            <a:xfrm rot="5400000">
+              <a:off x="790576" y="3409753"/>
+              <a:ext cx="1727199" cy="616346"/>
+            </a:xfrm>
+            <a:prstGeom prst="bentConnector3">
+              <a:avLst/>
+            </a:prstGeom>
+          </p:spPr>
+          <p:style>
+            <a:lnRef idx="3">
+              <a:schemeClr val="dk1"/>
+            </a:lnRef>
+            <a:fillRef idx="0">
+              <a:schemeClr val="dk1"/>
+            </a:fillRef>
+            <a:effectRef idx="2">
+              <a:schemeClr val="dk1"/>
+            </a:effectRef>
+            <a:fontRef idx="minor">
+              <a:schemeClr val="tx1"/>
+            </a:fontRef>
+          </p:style>
+        </p:cxnSp>
+        <p:cxnSp>
+          <p:nvCxnSpPr>
+            <p:cNvPr id="117" name="Elbow Connector 116"/>
+            <p:cNvCxnSpPr/>
+            <p:nvPr/>
+          </p:nvCxnSpPr>
+          <p:spPr>
+            <a:xfrm rot="16200000" flipH="1">
+              <a:off x="112712" y="3319861"/>
+              <a:ext cx="1701799" cy="777079"/>
+            </a:xfrm>
+            <a:prstGeom prst="bentConnector3">
+              <a:avLst>
+                <a:gd name="adj1" fmla="val 50373"/>
+              </a:avLst>
+            </a:prstGeom>
+          </p:spPr>
+          <p:style>
+            <a:lnRef idx="3">
+              <a:schemeClr val="dk1"/>
+            </a:lnRef>
+            <a:fillRef idx="0">
+              <a:schemeClr val="dk1"/>
+            </a:fillRef>
+            <a:effectRef idx="2">
+              <a:schemeClr val="dk1"/>
+            </a:effectRef>
+            <a:fontRef idx="minor">
+              <a:schemeClr val="tx1"/>
+            </a:fontRef>
+          </p:style>
+        </p:cxnSp>
+        <p:cxnSp>
+          <p:nvCxnSpPr>
+            <p:cNvPr id="122" name="Elbow Connector 121"/>
+            <p:cNvCxnSpPr/>
+            <p:nvPr/>
+          </p:nvCxnSpPr>
+          <p:spPr>
+            <a:xfrm rot="5400000">
+              <a:off x="1067200" y="3702451"/>
+              <a:ext cx="1181097" cy="604046"/>
+            </a:xfrm>
+            <a:prstGeom prst="bentConnector3">
+              <a:avLst>
+                <a:gd name="adj1" fmla="val 50000"/>
+              </a:avLst>
+            </a:prstGeom>
+          </p:spPr>
+          <p:style>
+            <a:lnRef idx="3">
+              <a:schemeClr val="dk1"/>
+            </a:lnRef>
+            <a:fillRef idx="0">
+              <a:schemeClr val="dk1"/>
+            </a:fillRef>
+            <a:effectRef idx="2">
+              <a:schemeClr val="dk1"/>
+            </a:effectRef>
+            <a:fontRef idx="minor">
+              <a:schemeClr val="tx1"/>
+            </a:fontRef>
+          </p:style>
+        </p:cxnSp>
+        <p:cxnSp>
+          <p:nvCxnSpPr>
+            <p:cNvPr id="123" name="Elbow Connector 122"/>
+            <p:cNvCxnSpPr/>
+            <p:nvPr/>
+          </p:nvCxnSpPr>
+          <p:spPr>
+            <a:xfrm rot="5400000">
+              <a:off x="838402" y="3938390"/>
+              <a:ext cx="1168397" cy="146450"/>
+            </a:xfrm>
+            <a:prstGeom prst="bentConnector3">
+              <a:avLst>
+                <a:gd name="adj1" fmla="val 49349"/>
+              </a:avLst>
+            </a:prstGeom>
+          </p:spPr>
+          <p:style>
+            <a:lnRef idx="3">
+              <a:schemeClr val="dk1"/>
+            </a:lnRef>
+            <a:fillRef idx="0">
+              <a:schemeClr val="dk1"/>
+            </a:fillRef>
+            <a:effectRef idx="2">
+              <a:schemeClr val="dk1"/>
+            </a:effectRef>
+            <a:fontRef idx="minor">
+              <a:schemeClr val="tx1"/>
+            </a:fontRef>
+          </p:style>
+        </p:cxnSp>
+      </p:grpSp>
+      <p:grpSp>
+        <p:nvGrpSpPr>
+          <p:cNvPr id="143" name="Group 142"/>
+          <p:cNvGrpSpPr/>
+          <p:nvPr/>
+        </p:nvGrpSpPr>
+        <p:grpSpPr>
+          <a:xfrm>
+            <a:off x="9938544" y="2623209"/>
+            <a:ext cx="1387278" cy="1741487"/>
+            <a:chOff x="575071" y="2854326"/>
+            <a:chExt cx="1387278" cy="1741487"/>
+          </a:xfrm>
+        </p:grpSpPr>
+        <p:cxnSp>
+          <p:nvCxnSpPr>
+            <p:cNvPr id="144" name="Elbow Connector 143"/>
+            <p:cNvCxnSpPr/>
+            <p:nvPr/>
+          </p:nvCxnSpPr>
+          <p:spPr>
+            <a:xfrm rot="16200000" flipH="1">
+              <a:off x="374651" y="3610374"/>
+              <a:ext cx="1181098" cy="780257"/>
+            </a:xfrm>
+            <a:prstGeom prst="bentConnector3">
+              <a:avLst>
+                <a:gd name="adj1" fmla="val 50000"/>
+              </a:avLst>
+            </a:prstGeom>
+          </p:spPr>
+          <p:style>
+            <a:lnRef idx="3">
+              <a:schemeClr val="dk1"/>
+            </a:lnRef>
+            <a:fillRef idx="0">
+              <a:schemeClr val="dk1"/>
+            </a:fillRef>
+            <a:effectRef idx="2">
+              <a:schemeClr val="dk1"/>
+            </a:effectRef>
+            <a:fontRef idx="minor">
+              <a:schemeClr val="tx1"/>
+            </a:fontRef>
+          </p:style>
+        </p:cxnSp>
+        <p:cxnSp>
+          <p:nvCxnSpPr>
+            <p:cNvPr id="145" name="Elbow Connector 144"/>
+            <p:cNvCxnSpPr/>
+            <p:nvPr/>
+          </p:nvCxnSpPr>
+          <p:spPr>
+            <a:xfrm rot="16200000" flipH="1">
+              <a:off x="323054" y="3565126"/>
+              <a:ext cx="1727198" cy="311948"/>
+            </a:xfrm>
+            <a:prstGeom prst="bentConnector3">
+              <a:avLst>
+                <a:gd name="adj1" fmla="val 50000"/>
+              </a:avLst>
+            </a:prstGeom>
+          </p:spPr>
+          <p:style>
+            <a:lnRef idx="3">
+              <a:schemeClr val="dk1"/>
+            </a:lnRef>
+            <a:fillRef idx="0">
+              <a:schemeClr val="dk1"/>
+            </a:fillRef>
+            <a:effectRef idx="2">
+              <a:schemeClr val="dk1"/>
+            </a:effectRef>
+            <a:fontRef idx="minor">
+              <a:schemeClr val="tx1"/>
+            </a:fontRef>
+          </p:style>
+        </p:cxnSp>
+        <p:cxnSp>
+          <p:nvCxnSpPr>
+            <p:cNvPr id="146" name="Elbow Connector 145"/>
+            <p:cNvCxnSpPr/>
+            <p:nvPr/>
+          </p:nvCxnSpPr>
+          <p:spPr>
+            <a:xfrm rot="5400000">
+              <a:off x="551856" y="3644705"/>
+              <a:ext cx="1727197" cy="152793"/>
+            </a:xfrm>
+            <a:prstGeom prst="bentConnector3">
+              <a:avLst>
+                <a:gd name="adj1" fmla="val 50000"/>
+              </a:avLst>
+            </a:prstGeom>
+          </p:spPr>
+          <p:style>
+            <a:lnRef idx="3">
+              <a:schemeClr val="dk1"/>
+            </a:lnRef>
+            <a:fillRef idx="0">
+              <a:schemeClr val="dk1"/>
+            </a:fillRef>
+            <a:effectRef idx="2">
+              <a:schemeClr val="dk1"/>
+            </a:effectRef>
+            <a:fontRef idx="minor">
+              <a:schemeClr val="tx1"/>
+            </a:fontRef>
+          </p:style>
+        </p:cxnSp>
+        <p:cxnSp>
+          <p:nvCxnSpPr>
+            <p:cNvPr id="147" name="Elbow Connector 146"/>
+            <p:cNvCxnSpPr/>
+            <p:nvPr/>
+          </p:nvCxnSpPr>
+          <p:spPr>
+            <a:xfrm rot="16200000" flipH="1">
+              <a:off x="618329" y="3819123"/>
+              <a:ext cx="1143000" cy="323058"/>
+            </a:xfrm>
+            <a:prstGeom prst="bentConnector3">
+              <a:avLst>
+                <a:gd name="adj1" fmla="val 51556"/>
+              </a:avLst>
+            </a:prstGeom>
+          </p:spPr>
+          <p:style>
+            <a:lnRef idx="3">
+              <a:schemeClr val="dk1"/>
+            </a:lnRef>
+            <a:fillRef idx="0">
+              <a:schemeClr val="dk1"/>
+            </a:fillRef>
+            <a:effectRef idx="2">
+              <a:schemeClr val="dk1"/>
+            </a:effectRef>
+            <a:fontRef idx="minor">
+              <a:schemeClr val="tx1"/>
+            </a:fontRef>
+          </p:style>
+        </p:cxnSp>
+        <p:cxnSp>
+          <p:nvCxnSpPr>
+            <p:cNvPr id="148" name="Elbow Connector 147"/>
+            <p:cNvCxnSpPr/>
+            <p:nvPr/>
+          </p:nvCxnSpPr>
+          <p:spPr>
+            <a:xfrm rot="5400000">
+              <a:off x="790576" y="3409753"/>
+              <a:ext cx="1727199" cy="616346"/>
+            </a:xfrm>
+            <a:prstGeom prst="bentConnector3">
+              <a:avLst/>
+            </a:prstGeom>
+          </p:spPr>
+          <p:style>
+            <a:lnRef idx="3">
+              <a:schemeClr val="dk1"/>
+            </a:lnRef>
+            <a:fillRef idx="0">
+              <a:schemeClr val="dk1"/>
+            </a:fillRef>
+            <a:effectRef idx="2">
+              <a:schemeClr val="dk1"/>
+            </a:effectRef>
+            <a:fontRef idx="minor">
+              <a:schemeClr val="tx1"/>
+            </a:fontRef>
+          </p:style>
+        </p:cxnSp>
+        <p:cxnSp>
+          <p:nvCxnSpPr>
+            <p:cNvPr id="149" name="Elbow Connector 148"/>
+            <p:cNvCxnSpPr/>
+            <p:nvPr/>
+          </p:nvCxnSpPr>
+          <p:spPr>
+            <a:xfrm rot="16200000" flipH="1">
+              <a:off x="112712" y="3319861"/>
+              <a:ext cx="1701799" cy="777079"/>
+            </a:xfrm>
+            <a:prstGeom prst="bentConnector3">
+              <a:avLst>
+                <a:gd name="adj1" fmla="val 50373"/>
+              </a:avLst>
+            </a:prstGeom>
+          </p:spPr>
+          <p:style>
+            <a:lnRef idx="3">
+              <a:schemeClr val="dk1"/>
+            </a:lnRef>
+            <a:fillRef idx="0">
+              <a:schemeClr val="dk1"/>
+            </a:fillRef>
+            <a:effectRef idx="2">
+              <a:schemeClr val="dk1"/>
+            </a:effectRef>
+            <a:fontRef idx="minor">
+              <a:schemeClr val="tx1"/>
+            </a:fontRef>
+          </p:style>
+        </p:cxnSp>
+        <p:cxnSp>
+          <p:nvCxnSpPr>
+            <p:cNvPr id="150" name="Elbow Connector 149"/>
+            <p:cNvCxnSpPr/>
+            <p:nvPr/>
+          </p:nvCxnSpPr>
+          <p:spPr>
+            <a:xfrm rot="5400000">
+              <a:off x="1067200" y="3702451"/>
+              <a:ext cx="1181097" cy="604046"/>
+            </a:xfrm>
+            <a:prstGeom prst="bentConnector3">
+              <a:avLst>
+                <a:gd name="adj1" fmla="val 50000"/>
+              </a:avLst>
+            </a:prstGeom>
+          </p:spPr>
+          <p:style>
+            <a:lnRef idx="3">
+              <a:schemeClr val="dk1"/>
+            </a:lnRef>
+            <a:fillRef idx="0">
+              <a:schemeClr val="dk1"/>
+            </a:fillRef>
+            <a:effectRef idx="2">
+              <a:schemeClr val="dk1"/>
+            </a:effectRef>
+            <a:fontRef idx="minor">
+              <a:schemeClr val="tx1"/>
+            </a:fontRef>
+          </p:style>
+        </p:cxnSp>
+        <p:cxnSp>
+          <p:nvCxnSpPr>
+            <p:cNvPr id="151" name="Elbow Connector 150"/>
+            <p:cNvCxnSpPr/>
+            <p:nvPr/>
+          </p:nvCxnSpPr>
+          <p:spPr>
+            <a:xfrm rot="5400000">
+              <a:off x="838402" y="3938390"/>
+              <a:ext cx="1168397" cy="146450"/>
+            </a:xfrm>
+            <a:prstGeom prst="bentConnector3">
+              <a:avLst>
+                <a:gd name="adj1" fmla="val 49349"/>
+              </a:avLst>
+            </a:prstGeom>
+          </p:spPr>
+          <p:style>
+            <a:lnRef idx="3">
+              <a:schemeClr val="dk1"/>
+            </a:lnRef>
+            <a:fillRef idx="0">
+              <a:schemeClr val="dk1"/>
+            </a:fillRef>
+            <a:effectRef idx="2">
+              <a:schemeClr val="dk1"/>
+            </a:effectRef>
+            <a:fontRef idx="minor">
+              <a:schemeClr val="tx1"/>
+            </a:fontRef>
+          </p:style>
+        </p:cxnSp>
+      </p:grpSp>
+      <p:sp>
+        <p:nvSpPr>
+          <p:cNvPr id="10" name="TextBox 9">
+            <a:extLst>
+              <a:ext uri="{FF2B5EF4-FFF2-40B4-BE49-F238E27FC236}">
+                <a16:creationId xmlns:a16="http://schemas.microsoft.com/office/drawing/2014/main" id="{854F9247-2906-4E24-814D-BC5CCAEF6AC2}"/>
+              </a:ext>
+            </a:extLst>
+          </p:cNvPr>
+          <p:cNvSpPr txBox="1"/>
+          <p:nvPr/>
+        </p:nvSpPr>
+        <p:spPr>
+          <a:xfrm>
+            <a:off x="1950459" y="3465878"/>
+            <a:ext cx="2056589" cy="584775"/>
+          </a:xfrm>
+          <a:prstGeom prst="rect">
+            <a:avLst/>
+          </a:prstGeom>
+          <a:noFill/>
+        </p:spPr>
+        <p:txBody>
+          <a:bodyPr wrap="none" rtlCol="0">
+            <a:spAutoFit/>
+          </a:bodyPr>
+          <a:lstStyle/>
+          <a:p>
+            <a:r>
+              <a:rPr lang="en-US" sz="3200" dirty="0"/>
+              <a:t>L2 Switch 1</a:t>
+            </a:r>
+          </a:p>
+        </p:txBody>
+      </p:sp>
+      <p:sp>
+        <p:nvSpPr>
+          <p:cNvPr id="110" name="TextBox 109">
+            <a:extLst>
+              <a:ext uri="{FF2B5EF4-FFF2-40B4-BE49-F238E27FC236}">
+                <a16:creationId xmlns:a16="http://schemas.microsoft.com/office/drawing/2014/main" id="{6ADB46ED-DFA4-4A58-A432-4504F0294632}"/>
+              </a:ext>
+            </a:extLst>
+          </p:cNvPr>
+          <p:cNvSpPr txBox="1"/>
+          <p:nvPr/>
+        </p:nvSpPr>
+        <p:spPr>
+          <a:xfrm>
+            <a:off x="7686150" y="3457236"/>
+            <a:ext cx="2112694" cy="584775"/>
+          </a:xfrm>
+          <a:prstGeom prst="rect">
+            <a:avLst/>
+          </a:prstGeom>
+          <a:noFill/>
+        </p:spPr>
+        <p:txBody>
+          <a:bodyPr wrap="none" rtlCol="0">
+            <a:spAutoFit/>
+          </a:bodyPr>
+          <a:lstStyle/>
+          <a:p>
+            <a:r>
+              <a:rPr lang="en-US" sz="3200" dirty="0"/>
+              <a:t>L2 Switch N</a:t>
+            </a:r>
+          </a:p>
+        </p:txBody>
+      </p:sp>
+      <p:sp>
+        <p:nvSpPr>
+          <p:cNvPr id="11" name="TextBox 10">
+            <a:extLst>
+              <a:ext uri="{FF2B5EF4-FFF2-40B4-BE49-F238E27FC236}">
+                <a16:creationId xmlns:a16="http://schemas.microsoft.com/office/drawing/2014/main" id="{23DF6110-0BD3-4338-829C-C7C3E8330B1F}"/>
+              </a:ext>
+            </a:extLst>
+          </p:cNvPr>
+          <p:cNvSpPr txBox="1"/>
+          <p:nvPr/>
+        </p:nvSpPr>
+        <p:spPr>
+          <a:xfrm>
+            <a:off x="5356427" y="1624761"/>
+            <a:ext cx="1202573" cy="1862048"/>
+          </a:xfrm>
+          <a:prstGeom prst="rect">
+            <a:avLst/>
+          </a:prstGeom>
+          <a:noFill/>
+        </p:spPr>
+        <p:txBody>
+          <a:bodyPr wrap="none" rtlCol="0">
+            <a:spAutoFit/>
+          </a:bodyPr>
+          <a:lstStyle/>
+          <a:p>
+            <a:r>
+              <a:rPr lang="en-US" sz="11500" dirty="0"/>
+              <a:t>…</a:t>
+            </a:r>
+          </a:p>
+        </p:txBody>
+      </p:sp>
+      <p:sp>
+        <p:nvSpPr>
+          <p:cNvPr id="111" name="TextBox 110">
+            <a:extLst>
+              <a:ext uri="{FF2B5EF4-FFF2-40B4-BE49-F238E27FC236}">
+                <a16:creationId xmlns:a16="http://schemas.microsoft.com/office/drawing/2014/main" id="{AE80D894-FF8D-4D26-B80B-02A22BC9DFF5}"/>
+              </a:ext>
+            </a:extLst>
+          </p:cNvPr>
+          <p:cNvSpPr txBox="1"/>
+          <p:nvPr/>
+        </p:nvSpPr>
+        <p:spPr>
+          <a:xfrm>
+            <a:off x="1778711" y="5568444"/>
+            <a:ext cx="1532792" cy="707886"/>
+          </a:xfrm>
+          <a:prstGeom prst="rect">
+            <a:avLst/>
+          </a:prstGeom>
+          <a:noFill/>
+        </p:spPr>
+        <p:txBody>
+          <a:bodyPr wrap="none" rtlCol="0">
+            <a:spAutoFit/>
+          </a:bodyPr>
+          <a:lstStyle/>
+          <a:p>
+            <a:r>
+              <a:rPr lang="en-US" sz="4000" dirty="0"/>
+              <a:t>Rack 1</a:t>
+            </a:r>
+          </a:p>
+        </p:txBody>
+      </p:sp>
+      <p:sp>
+        <p:nvSpPr>
+          <p:cNvPr id="113" name="Rectangle 112">
+            <a:extLst>
+              <a:ext uri="{FF2B5EF4-FFF2-40B4-BE49-F238E27FC236}">
+                <a16:creationId xmlns:a16="http://schemas.microsoft.com/office/drawing/2014/main" id="{D6FDA84B-F89E-46B6-9A2C-75556D09C5B7}"/>
+              </a:ext>
+            </a:extLst>
+          </p:cNvPr>
+          <p:cNvSpPr/>
+          <p:nvPr/>
+        </p:nvSpPr>
+        <p:spPr>
+          <a:xfrm>
+            <a:off x="4404801" y="819442"/>
+            <a:ext cx="469900" cy="1295400"/>
+          </a:xfrm>
+          <a:prstGeom prst="rect">
+            <a:avLst/>
+          </a:prstGeom>
+          <a:solidFill>
+            <a:schemeClr val="bg1">
+              <a:lumMod val="50000"/>
+            </a:schemeClr>
+          </a:solidFill>
+        </p:spPr>
+        <p:style>
+          <a:lnRef idx="2">
+            <a:schemeClr val="dk1"/>
+          </a:lnRef>
+          <a:fillRef idx="1">
+            <a:schemeClr val="lt1"/>
+          </a:fillRef>
+          <a:effectRef idx="0">
+            <a:schemeClr val="dk1"/>
+          </a:effectRef>
+          <a:fontRef idx="minor">
+            <a:schemeClr val="dk1"/>
+          </a:fontRef>
+        </p:style>
+        <p:txBody>
+          <a:bodyPr rtlCol="0" anchor="ctr"/>
+          <a:lstStyle/>
+          <a:p>
+            <a:pPr algn="ctr"/>
+            <a:endParaRPr lang="en-US" sz="2800"/>
+          </a:p>
+        </p:txBody>
+      </p:sp>
+      <p:sp>
+        <p:nvSpPr>
+          <p:cNvPr id="114" name="Rectangle 113">
+            <a:extLst>
+              <a:ext uri="{FF2B5EF4-FFF2-40B4-BE49-F238E27FC236}">
+                <a16:creationId xmlns:a16="http://schemas.microsoft.com/office/drawing/2014/main" id="{05E72C6B-977F-46BA-8F54-A5A22FA2301F}"/>
+              </a:ext>
+            </a:extLst>
+          </p:cNvPr>
+          <p:cNvSpPr/>
+          <p:nvPr/>
+        </p:nvSpPr>
+        <p:spPr>
+          <a:xfrm>
+            <a:off x="2263462" y="819442"/>
+            <a:ext cx="2133600" cy="1295400"/>
+          </a:xfrm>
+          <a:prstGeom prst="rect">
+            <a:avLst/>
+          </a:prstGeom>
+        </p:spPr>
+        <p:style>
+          <a:lnRef idx="2">
+            <a:schemeClr val="dk1"/>
+          </a:lnRef>
+          <a:fillRef idx="1">
+            <a:schemeClr val="lt1"/>
+          </a:fillRef>
+          <a:effectRef idx="0">
+            <a:schemeClr val="dk1"/>
+          </a:effectRef>
+          <a:fontRef idx="minor">
+            <a:schemeClr val="dk1"/>
+          </a:fontRef>
+        </p:style>
+        <p:txBody>
+          <a:bodyPr rtlCol="0" anchor="ctr"/>
+          <a:lstStyle/>
+          <a:p>
+            <a:pPr algn="ctr"/>
+            <a:endParaRPr lang="en-US" sz="2800" dirty="0"/>
+          </a:p>
+        </p:txBody>
+      </p:sp>
+      <p:grpSp>
+        <p:nvGrpSpPr>
+          <p:cNvPr id="127" name="Group 126">
+            <a:extLst>
+              <a:ext uri="{FF2B5EF4-FFF2-40B4-BE49-F238E27FC236}">
+                <a16:creationId xmlns:a16="http://schemas.microsoft.com/office/drawing/2014/main" id="{23986579-E6AF-4D12-B414-4514585E1197}"/>
+              </a:ext>
+            </a:extLst>
+          </p:cNvPr>
+          <p:cNvGrpSpPr/>
+          <p:nvPr/>
+        </p:nvGrpSpPr>
+        <p:grpSpPr>
+          <a:xfrm>
+            <a:off x="2485517" y="1048042"/>
+            <a:ext cx="1679575" cy="838200"/>
+            <a:chOff x="419100" y="2679700"/>
+            <a:chExt cx="1679575" cy="838200"/>
+          </a:xfrm>
+          <a:solidFill>
+            <a:schemeClr val="accent2">
+              <a:lumMod val="75000"/>
+            </a:schemeClr>
+          </a:solidFill>
+        </p:grpSpPr>
+        <p:sp>
+          <p:nvSpPr>
+            <p:cNvPr id="128" name="Rectangle 127">
+              <a:extLst>
+                <a:ext uri="{FF2B5EF4-FFF2-40B4-BE49-F238E27FC236}">
+                  <a16:creationId xmlns:a16="http://schemas.microsoft.com/office/drawing/2014/main" id="{8BE4A824-D960-4B24-9586-8275E9C85B26}"/>
+                </a:ext>
+              </a:extLst>
+            </p:cNvPr>
+            <p:cNvSpPr/>
+            <p:nvPr/>
+          </p:nvSpPr>
+          <p:spPr>
+            <a:xfrm>
+              <a:off x="419100" y="2679700"/>
+              <a:ext cx="279400" cy="304800"/>
+            </a:xfrm>
+            <a:prstGeom prst="rect">
+              <a:avLst/>
+            </a:prstGeom>
+            <a:grpFill/>
+          </p:spPr>
+          <p:style>
+            <a:lnRef idx="2">
+              <a:schemeClr val="accent1">
+                <a:shade val="50000"/>
+              </a:schemeClr>
+            </a:lnRef>
+            <a:fillRef idx="1">
+              <a:schemeClr val="accent1"/>
+            </a:fillRef>
+            <a:effectRef idx="0">
+              <a:schemeClr val="accent1"/>
+            </a:effectRef>
+            <a:fontRef idx="minor">
+              <a:schemeClr val="lt1"/>
+            </a:fontRef>
+          </p:style>
+          <p:txBody>
+            <a:bodyPr rtlCol="0" anchor="ctr"/>
+            <a:lstStyle/>
+            <a:p>
+              <a:pPr algn="ctr"/>
+              <a:endParaRPr lang="en-US" sz="2800"/>
+            </a:p>
+          </p:txBody>
+        </p:sp>
+        <p:sp>
+          <p:nvSpPr>
+            <p:cNvPr id="129" name="Rectangle 128">
+              <a:extLst>
+                <a:ext uri="{FF2B5EF4-FFF2-40B4-BE49-F238E27FC236}">
+                  <a16:creationId xmlns:a16="http://schemas.microsoft.com/office/drawing/2014/main" id="{2D867BB5-3D89-44CA-A5F4-008849BED678}"/>
+                </a:ext>
+              </a:extLst>
+            </p:cNvPr>
+            <p:cNvSpPr/>
+            <p:nvPr/>
+          </p:nvSpPr>
+          <p:spPr>
+            <a:xfrm>
+              <a:off x="419100" y="3213100"/>
+              <a:ext cx="279400" cy="304800"/>
+            </a:xfrm>
+            <a:prstGeom prst="rect">
+              <a:avLst/>
+            </a:prstGeom>
+            <a:grpFill/>
+          </p:spPr>
+          <p:style>
+            <a:lnRef idx="2">
+              <a:schemeClr val="accent1">
+                <a:shade val="50000"/>
+              </a:schemeClr>
+            </a:lnRef>
+            <a:fillRef idx="1">
+              <a:schemeClr val="accent1"/>
+            </a:fillRef>
+            <a:effectRef idx="0">
+              <a:schemeClr val="accent1"/>
+            </a:effectRef>
+            <a:fontRef idx="minor">
+              <a:schemeClr val="lt1"/>
+            </a:fontRef>
+          </p:style>
+          <p:txBody>
+            <a:bodyPr rtlCol="0" anchor="ctr"/>
+            <a:lstStyle/>
+            <a:p>
+              <a:pPr algn="ctr"/>
+              <a:endParaRPr lang="en-US" sz="2800"/>
+            </a:p>
+          </p:txBody>
+        </p:sp>
+        <p:sp>
+          <p:nvSpPr>
+            <p:cNvPr id="130" name="Rectangle 129">
+              <a:extLst>
+                <a:ext uri="{FF2B5EF4-FFF2-40B4-BE49-F238E27FC236}">
+                  <a16:creationId xmlns:a16="http://schemas.microsoft.com/office/drawing/2014/main" id="{15E04878-B7FA-43B7-8F31-C84AFC09DD0C}"/>
+                </a:ext>
+              </a:extLst>
+            </p:cNvPr>
+            <p:cNvSpPr/>
+            <p:nvPr/>
+          </p:nvSpPr>
+          <p:spPr>
+            <a:xfrm>
+              <a:off x="876300" y="2679700"/>
+              <a:ext cx="279400" cy="304800"/>
+            </a:xfrm>
+            <a:prstGeom prst="rect">
+              <a:avLst/>
+            </a:prstGeom>
+            <a:grpFill/>
+          </p:spPr>
+          <p:style>
+            <a:lnRef idx="2">
+              <a:schemeClr val="accent1">
+                <a:shade val="50000"/>
+              </a:schemeClr>
+            </a:lnRef>
+            <a:fillRef idx="1">
+              <a:schemeClr val="accent1"/>
+            </a:fillRef>
+            <a:effectRef idx="0">
+              <a:schemeClr val="accent1"/>
+            </a:effectRef>
+            <a:fontRef idx="minor">
+              <a:schemeClr val="lt1"/>
+            </a:fontRef>
+          </p:style>
+          <p:txBody>
+            <a:bodyPr rtlCol="0" anchor="ctr"/>
+            <a:lstStyle/>
+            <a:p>
+              <a:pPr algn="ctr"/>
+              <a:endParaRPr lang="en-US" sz="2800"/>
+            </a:p>
+          </p:txBody>
+        </p:sp>
+        <p:sp>
+          <p:nvSpPr>
+            <p:cNvPr id="131" name="Rectangle 130">
+              <a:extLst>
+                <a:ext uri="{FF2B5EF4-FFF2-40B4-BE49-F238E27FC236}">
+                  <a16:creationId xmlns:a16="http://schemas.microsoft.com/office/drawing/2014/main" id="{3A73C9D7-2577-4D05-86A1-206B0C11DD2A}"/>
+                </a:ext>
+              </a:extLst>
+            </p:cNvPr>
+            <p:cNvSpPr/>
+            <p:nvPr/>
+          </p:nvSpPr>
+          <p:spPr>
+            <a:xfrm>
+              <a:off x="882649" y="3213100"/>
+              <a:ext cx="279400" cy="304800"/>
+            </a:xfrm>
+            <a:prstGeom prst="rect">
+              <a:avLst/>
+            </a:prstGeom>
+            <a:grpFill/>
+          </p:spPr>
+          <p:style>
+            <a:lnRef idx="2">
+              <a:schemeClr val="accent1">
+                <a:shade val="50000"/>
+              </a:schemeClr>
+            </a:lnRef>
+            <a:fillRef idx="1">
+              <a:schemeClr val="accent1"/>
+            </a:fillRef>
+            <a:effectRef idx="0">
+              <a:schemeClr val="accent1"/>
+            </a:effectRef>
+            <a:fontRef idx="minor">
+              <a:schemeClr val="lt1"/>
+            </a:fontRef>
+          </p:style>
+          <p:txBody>
+            <a:bodyPr rtlCol="0" anchor="ctr"/>
+            <a:lstStyle/>
+            <a:p>
+              <a:pPr algn="ctr"/>
+              <a:endParaRPr lang="en-US" sz="2800"/>
+            </a:p>
+          </p:txBody>
+        </p:sp>
+        <p:sp>
+          <p:nvSpPr>
+            <p:cNvPr id="132" name="Rectangle 131">
+              <a:extLst>
+                <a:ext uri="{FF2B5EF4-FFF2-40B4-BE49-F238E27FC236}">
+                  <a16:creationId xmlns:a16="http://schemas.microsoft.com/office/drawing/2014/main" id="{C5FBBC18-606E-4F72-965C-1B897317BB72}"/>
+                </a:ext>
+              </a:extLst>
+            </p:cNvPr>
+            <p:cNvSpPr/>
+            <p:nvPr/>
+          </p:nvSpPr>
+          <p:spPr>
+            <a:xfrm>
+              <a:off x="1355726" y="2679700"/>
+              <a:ext cx="279400" cy="304800"/>
+            </a:xfrm>
+            <a:prstGeom prst="rect">
+              <a:avLst/>
+            </a:prstGeom>
+            <a:grpFill/>
+          </p:spPr>
+          <p:style>
+            <a:lnRef idx="2">
+              <a:schemeClr val="accent1">
+                <a:shade val="50000"/>
+              </a:schemeClr>
+            </a:lnRef>
+            <a:fillRef idx="1">
+              <a:schemeClr val="accent1"/>
+            </a:fillRef>
+            <a:effectRef idx="0">
+              <a:schemeClr val="accent1"/>
+            </a:effectRef>
+            <a:fontRef idx="minor">
+              <a:schemeClr val="lt1"/>
+            </a:fontRef>
+          </p:style>
+          <p:txBody>
+            <a:bodyPr rtlCol="0" anchor="ctr"/>
+            <a:lstStyle/>
+            <a:p>
+              <a:pPr algn="ctr"/>
+              <a:endParaRPr lang="en-US" sz="2800"/>
+            </a:p>
+          </p:txBody>
+        </p:sp>
+        <p:sp>
+          <p:nvSpPr>
+            <p:cNvPr id="133" name="Rectangle 132">
+              <a:extLst>
+                <a:ext uri="{FF2B5EF4-FFF2-40B4-BE49-F238E27FC236}">
+                  <a16:creationId xmlns:a16="http://schemas.microsoft.com/office/drawing/2014/main" id="{DDBE94F1-80DA-4690-9414-933BBE47A723}"/>
+                </a:ext>
+              </a:extLst>
+            </p:cNvPr>
+            <p:cNvSpPr/>
+            <p:nvPr/>
+          </p:nvSpPr>
+          <p:spPr>
+            <a:xfrm>
+              <a:off x="1355726" y="3213100"/>
+              <a:ext cx="279400" cy="304800"/>
+            </a:xfrm>
+            <a:prstGeom prst="rect">
+              <a:avLst/>
+            </a:prstGeom>
+            <a:grpFill/>
+          </p:spPr>
+          <p:style>
+            <a:lnRef idx="2">
+              <a:schemeClr val="accent1">
+                <a:shade val="50000"/>
+              </a:schemeClr>
+            </a:lnRef>
+            <a:fillRef idx="1">
+              <a:schemeClr val="accent1"/>
+            </a:fillRef>
+            <a:effectRef idx="0">
+              <a:schemeClr val="accent1"/>
+            </a:effectRef>
+            <a:fontRef idx="minor">
+              <a:schemeClr val="lt1"/>
+            </a:fontRef>
+          </p:style>
+          <p:txBody>
+            <a:bodyPr rtlCol="0" anchor="ctr"/>
+            <a:lstStyle/>
+            <a:p>
+              <a:pPr algn="ctr"/>
+              <a:endParaRPr lang="en-US" sz="2800"/>
+            </a:p>
+          </p:txBody>
+        </p:sp>
+        <p:sp>
+          <p:nvSpPr>
+            <p:cNvPr id="134" name="Rectangle 133">
+              <a:extLst>
+                <a:ext uri="{FF2B5EF4-FFF2-40B4-BE49-F238E27FC236}">
+                  <a16:creationId xmlns:a16="http://schemas.microsoft.com/office/drawing/2014/main" id="{E351A42F-7117-4EB6-B74B-1FE2EC105395}"/>
+                </a:ext>
+              </a:extLst>
+            </p:cNvPr>
+            <p:cNvSpPr/>
+            <p:nvPr/>
+          </p:nvSpPr>
+          <p:spPr>
+            <a:xfrm>
+              <a:off x="1812926" y="2679700"/>
+              <a:ext cx="279400" cy="304800"/>
+            </a:xfrm>
+            <a:prstGeom prst="rect">
+              <a:avLst/>
+            </a:prstGeom>
+            <a:grpFill/>
+          </p:spPr>
+          <p:style>
+            <a:lnRef idx="2">
+              <a:schemeClr val="accent1">
+                <a:shade val="50000"/>
+              </a:schemeClr>
+            </a:lnRef>
+            <a:fillRef idx="1">
+              <a:schemeClr val="accent1"/>
+            </a:fillRef>
+            <a:effectRef idx="0">
+              <a:schemeClr val="accent1"/>
+            </a:effectRef>
+            <a:fontRef idx="minor">
+              <a:schemeClr val="lt1"/>
+            </a:fontRef>
+          </p:style>
+          <p:txBody>
+            <a:bodyPr rtlCol="0" anchor="ctr"/>
+            <a:lstStyle/>
+            <a:p>
+              <a:pPr algn="ctr"/>
+              <a:endParaRPr lang="en-US" sz="2800"/>
+            </a:p>
+          </p:txBody>
+        </p:sp>
+        <p:sp>
+          <p:nvSpPr>
+            <p:cNvPr id="135" name="Rectangle 134">
+              <a:extLst>
+                <a:ext uri="{FF2B5EF4-FFF2-40B4-BE49-F238E27FC236}">
+                  <a16:creationId xmlns:a16="http://schemas.microsoft.com/office/drawing/2014/main" id="{45C7CFDD-3FF4-49E1-AD4A-163CFD3A6DAC}"/>
+                </a:ext>
+              </a:extLst>
+            </p:cNvPr>
+            <p:cNvSpPr/>
+            <p:nvPr/>
+          </p:nvSpPr>
+          <p:spPr>
+            <a:xfrm>
+              <a:off x="1819275" y="3213100"/>
+              <a:ext cx="279400" cy="304800"/>
+            </a:xfrm>
+            <a:prstGeom prst="rect">
+              <a:avLst/>
+            </a:prstGeom>
+            <a:grpFill/>
+          </p:spPr>
+          <p:style>
+            <a:lnRef idx="2">
+              <a:schemeClr val="accent1">
+                <a:shade val="50000"/>
+              </a:schemeClr>
+            </a:lnRef>
+            <a:fillRef idx="1">
+              <a:schemeClr val="accent1"/>
+            </a:fillRef>
+            <a:effectRef idx="0">
+              <a:schemeClr val="accent1"/>
+            </a:effectRef>
+            <a:fontRef idx="minor">
+              <a:schemeClr val="lt1"/>
+            </a:fontRef>
+          </p:style>
+          <p:txBody>
+            <a:bodyPr rtlCol="0" anchor="ctr"/>
+            <a:lstStyle/>
+            <a:p>
+              <a:pPr algn="ctr"/>
+              <a:endParaRPr lang="en-US" sz="2800"/>
+            </a:p>
+          </p:txBody>
+        </p:sp>
+      </p:grpSp>
+      <p:sp>
+        <p:nvSpPr>
+          <p:cNvPr id="136" name="Rectangle 135">
+            <a:extLst>
+              <a:ext uri="{FF2B5EF4-FFF2-40B4-BE49-F238E27FC236}">
+                <a16:creationId xmlns:a16="http://schemas.microsoft.com/office/drawing/2014/main" id="{F4BFB7C4-D61C-443D-BDDF-82C1AABCC361}"/>
+              </a:ext>
+            </a:extLst>
+          </p:cNvPr>
+          <p:cNvSpPr/>
+          <p:nvPr/>
+        </p:nvSpPr>
+        <p:spPr>
+          <a:xfrm>
+            <a:off x="4509577" y="1048042"/>
+            <a:ext cx="279400" cy="304800"/>
+          </a:xfrm>
+          <a:prstGeom prst="rect">
+            <a:avLst/>
+          </a:prstGeom>
+        </p:spPr>
+        <p:style>
+          <a:lnRef idx="2">
+            <a:schemeClr val="accent1">
+              <a:shade val="50000"/>
+            </a:schemeClr>
+          </a:lnRef>
+          <a:fillRef idx="1">
+            <a:schemeClr val="accent1"/>
+          </a:fillRef>
+          <a:effectRef idx="0">
+            <a:schemeClr val="accent1"/>
+          </a:effectRef>
+          <a:fontRef idx="minor">
+            <a:schemeClr val="lt1"/>
+          </a:fontRef>
+        </p:style>
+        <p:txBody>
+          <a:bodyPr rtlCol="0" anchor="ctr"/>
+          <a:lstStyle/>
+          <a:p>
+            <a:pPr algn="ctr"/>
+            <a:endParaRPr lang="en-US" sz="2800"/>
+          </a:p>
+        </p:txBody>
+      </p:sp>
+      <p:sp>
+        <p:nvSpPr>
+          <p:cNvPr id="137" name="Rectangle 136">
+            <a:extLst>
+              <a:ext uri="{FF2B5EF4-FFF2-40B4-BE49-F238E27FC236}">
+                <a16:creationId xmlns:a16="http://schemas.microsoft.com/office/drawing/2014/main" id="{02033554-25AF-4C51-8A91-F28419A34381}"/>
+              </a:ext>
+            </a:extLst>
+          </p:cNvPr>
+          <p:cNvSpPr/>
+          <p:nvPr/>
+        </p:nvSpPr>
+        <p:spPr>
+          <a:xfrm>
+            <a:off x="4509577" y="1581442"/>
+            <a:ext cx="279400" cy="304800"/>
+          </a:xfrm>
+          <a:prstGeom prst="rect">
+            <a:avLst/>
+          </a:prstGeom>
+        </p:spPr>
+        <p:style>
+          <a:lnRef idx="2">
+            <a:schemeClr val="accent1">
+              <a:shade val="50000"/>
+            </a:schemeClr>
+          </a:lnRef>
+          <a:fillRef idx="1">
+            <a:schemeClr val="accent1"/>
+          </a:fillRef>
+          <a:effectRef idx="0">
+            <a:schemeClr val="accent1"/>
+          </a:effectRef>
+          <a:fontRef idx="minor">
+            <a:schemeClr val="lt1"/>
+          </a:fontRef>
+        </p:style>
+        <p:txBody>
+          <a:bodyPr rtlCol="0" anchor="ctr"/>
+          <a:lstStyle/>
+          <a:p>
+            <a:pPr algn="ctr"/>
+            <a:endParaRPr lang="en-US" sz="2800"/>
+          </a:p>
+        </p:txBody>
+      </p:sp>
+      <p:grpSp>
+        <p:nvGrpSpPr>
+          <p:cNvPr id="138" name="Group 137">
+            <a:extLst>
+              <a:ext uri="{FF2B5EF4-FFF2-40B4-BE49-F238E27FC236}">
+                <a16:creationId xmlns:a16="http://schemas.microsoft.com/office/drawing/2014/main" id="{E15BA552-D80B-4BA2-BC7C-4E1E6A7C5CE5}"/>
+              </a:ext>
+            </a:extLst>
+          </p:cNvPr>
+          <p:cNvGrpSpPr/>
+          <p:nvPr/>
+        </p:nvGrpSpPr>
+        <p:grpSpPr>
+          <a:xfrm>
+            <a:off x="2415542" y="1768393"/>
+            <a:ext cx="1795462" cy="853225"/>
+            <a:chOff x="2614612" y="2819400"/>
+            <a:chExt cx="1795462" cy="552450"/>
+          </a:xfrm>
+        </p:grpSpPr>
+        <p:sp>
+          <p:nvSpPr>
+            <p:cNvPr id="139" name="Arc 138">
+              <a:extLst>
+                <a:ext uri="{FF2B5EF4-FFF2-40B4-BE49-F238E27FC236}">
+                  <a16:creationId xmlns:a16="http://schemas.microsoft.com/office/drawing/2014/main" id="{BAE55360-6A32-4805-B473-62A52B814072}"/>
+                </a:ext>
+              </a:extLst>
+            </p:cNvPr>
+            <p:cNvSpPr/>
+            <p:nvPr/>
+          </p:nvSpPr>
+          <p:spPr>
+            <a:xfrm>
+              <a:off x="2614612" y="2819400"/>
+              <a:ext cx="423863" cy="533400"/>
+            </a:xfrm>
+            <a:prstGeom prst="arc">
+              <a:avLst>
+                <a:gd name="adj1" fmla="val 16200000"/>
+                <a:gd name="adj2" fmla="val 5211714"/>
+              </a:avLst>
+            </a:prstGeom>
+          </p:spPr>
+          <p:style>
+            <a:lnRef idx="3">
+              <a:schemeClr val="dk1"/>
+            </a:lnRef>
+            <a:fillRef idx="0">
+              <a:schemeClr val="dk1"/>
+            </a:fillRef>
+            <a:effectRef idx="2">
+              <a:schemeClr val="dk1"/>
+            </a:effectRef>
+            <a:fontRef idx="minor">
+              <a:schemeClr val="tx1"/>
+            </a:fontRef>
+          </p:style>
+          <p:txBody>
+            <a:bodyPr rtlCol="0" anchor="ctr"/>
+            <a:lstStyle/>
+            <a:p>
+              <a:pPr algn="ctr"/>
+              <a:endParaRPr lang="en-US" sz="2800"/>
+            </a:p>
+          </p:txBody>
+        </p:sp>
+        <p:sp>
+          <p:nvSpPr>
+            <p:cNvPr id="140" name="Arc 139">
+              <a:extLst>
+                <a:ext uri="{FF2B5EF4-FFF2-40B4-BE49-F238E27FC236}">
+                  <a16:creationId xmlns:a16="http://schemas.microsoft.com/office/drawing/2014/main" id="{FAD74D63-7F03-448B-AFF3-B5352828B14C}"/>
+                </a:ext>
+              </a:extLst>
+            </p:cNvPr>
+            <p:cNvSpPr/>
+            <p:nvPr/>
+          </p:nvSpPr>
+          <p:spPr>
+            <a:xfrm>
+              <a:off x="3046411" y="2832100"/>
+              <a:ext cx="423863" cy="533400"/>
+            </a:xfrm>
+            <a:prstGeom prst="arc">
+              <a:avLst>
+                <a:gd name="adj1" fmla="val 16200000"/>
+                <a:gd name="adj2" fmla="val 5147086"/>
+              </a:avLst>
+            </a:prstGeom>
+          </p:spPr>
+          <p:style>
+            <a:lnRef idx="3">
+              <a:schemeClr val="dk1"/>
+            </a:lnRef>
+            <a:fillRef idx="0">
+              <a:schemeClr val="dk1"/>
+            </a:fillRef>
+            <a:effectRef idx="2">
+              <a:schemeClr val="dk1"/>
+            </a:effectRef>
+            <a:fontRef idx="minor">
+              <a:schemeClr val="tx1"/>
+            </a:fontRef>
+          </p:style>
+          <p:txBody>
+            <a:bodyPr rtlCol="0" anchor="ctr"/>
+            <a:lstStyle/>
+            <a:p>
+              <a:pPr algn="ctr"/>
+              <a:endParaRPr lang="en-US" sz="2800"/>
+            </a:p>
+          </p:txBody>
+        </p:sp>
+        <p:sp>
+          <p:nvSpPr>
+            <p:cNvPr id="141" name="Arc 140">
+              <a:extLst>
+                <a:ext uri="{FF2B5EF4-FFF2-40B4-BE49-F238E27FC236}">
+                  <a16:creationId xmlns:a16="http://schemas.microsoft.com/office/drawing/2014/main" id="{DAA0DD0E-F065-4A26-8AC1-1BE90C363A2E}"/>
+                </a:ext>
+              </a:extLst>
+            </p:cNvPr>
+            <p:cNvSpPr/>
+            <p:nvPr/>
+          </p:nvSpPr>
+          <p:spPr>
+            <a:xfrm>
+              <a:off x="3555998" y="2838450"/>
+              <a:ext cx="423863" cy="533400"/>
+            </a:xfrm>
+            <a:prstGeom prst="arc">
+              <a:avLst>
+                <a:gd name="adj1" fmla="val 16200000"/>
+                <a:gd name="adj2" fmla="val 5147086"/>
+              </a:avLst>
+            </a:prstGeom>
+          </p:spPr>
+          <p:style>
+            <a:lnRef idx="3">
+              <a:schemeClr val="dk1"/>
+            </a:lnRef>
+            <a:fillRef idx="0">
+              <a:schemeClr val="dk1"/>
+            </a:fillRef>
+            <a:effectRef idx="2">
+              <a:schemeClr val="dk1"/>
+            </a:effectRef>
+            <a:fontRef idx="minor">
+              <a:schemeClr val="tx1"/>
+            </a:fontRef>
+          </p:style>
+          <p:txBody>
+            <a:bodyPr rtlCol="0" anchor="ctr"/>
+            <a:lstStyle/>
+            <a:p>
+              <a:pPr algn="ctr"/>
+              <a:endParaRPr lang="en-US" sz="2800"/>
+            </a:p>
+          </p:txBody>
+        </p:sp>
+        <p:sp>
+          <p:nvSpPr>
+            <p:cNvPr id="162" name="Arc 161">
+              <a:extLst>
+                <a:ext uri="{FF2B5EF4-FFF2-40B4-BE49-F238E27FC236}">
+                  <a16:creationId xmlns:a16="http://schemas.microsoft.com/office/drawing/2014/main" id="{1E00737C-9B5C-4738-B5F0-95AC70605B97}"/>
+                </a:ext>
+              </a:extLst>
+            </p:cNvPr>
+            <p:cNvSpPr/>
+            <p:nvPr/>
+          </p:nvSpPr>
+          <p:spPr>
+            <a:xfrm>
+              <a:off x="3986211" y="2832100"/>
+              <a:ext cx="423863" cy="533400"/>
+            </a:xfrm>
+            <a:prstGeom prst="arc">
+              <a:avLst>
+                <a:gd name="adj1" fmla="val 16200000"/>
+                <a:gd name="adj2" fmla="val 5147086"/>
+              </a:avLst>
+            </a:prstGeom>
+          </p:spPr>
+          <p:style>
+            <a:lnRef idx="3">
+              <a:schemeClr val="dk1"/>
+            </a:lnRef>
+            <a:fillRef idx="0">
+              <a:schemeClr val="dk1"/>
+            </a:fillRef>
+            <a:effectRef idx="2">
+              <a:schemeClr val="dk1"/>
+            </a:effectRef>
+            <a:fontRef idx="minor">
+              <a:schemeClr val="tx1"/>
+            </a:fontRef>
+          </p:style>
+          <p:txBody>
+            <a:bodyPr rtlCol="0" anchor="ctr"/>
+            <a:lstStyle/>
+            <a:p>
+              <a:pPr algn="ctr"/>
+              <a:endParaRPr lang="en-US" sz="2800"/>
+            </a:p>
+          </p:txBody>
+        </p:sp>
+      </p:grpSp>
+      <p:sp>
+        <p:nvSpPr>
+          <p:cNvPr id="163" name="TextBox 162">
+            <a:extLst>
+              <a:ext uri="{FF2B5EF4-FFF2-40B4-BE49-F238E27FC236}">
+                <a16:creationId xmlns:a16="http://schemas.microsoft.com/office/drawing/2014/main" id="{8A49A96F-0E2D-4D2E-9CC6-6C3F3FCBFCC9}"/>
+              </a:ext>
+            </a:extLst>
+          </p:cNvPr>
+          <p:cNvSpPr txBox="1"/>
+          <p:nvPr/>
+        </p:nvSpPr>
+        <p:spPr>
+          <a:xfrm>
+            <a:off x="-14757" y="369791"/>
+            <a:ext cx="3078087" cy="584775"/>
+          </a:xfrm>
+          <a:prstGeom prst="rect">
+            <a:avLst/>
+          </a:prstGeom>
+          <a:noFill/>
+        </p:spPr>
+        <p:txBody>
+          <a:bodyPr wrap="none" rtlCol="0">
+            <a:spAutoFit/>
+          </a:bodyPr>
+          <a:lstStyle/>
+          <a:p>
+            <a:r>
+              <a:rPr lang="en-US" sz="3200" dirty="0" err="1"/>
+              <a:t>ToR</a:t>
+            </a:r>
+            <a:r>
+              <a:rPr lang="en-US" sz="3200" dirty="0"/>
+              <a:t> SDN Switch 1</a:t>
+            </a:r>
+          </a:p>
+        </p:txBody>
+      </p:sp>
+      <p:cxnSp>
+        <p:nvCxnSpPr>
+          <p:cNvPr id="7" name="Straight Connector 6"/>
+          <p:cNvCxnSpPr>
+            <a:cxnSpLocks/>
+            <a:endCxn id="15" idx="1"/>
+          </p:cNvCxnSpPr>
+          <p:nvPr/>
+        </p:nvCxnSpPr>
+        <p:spPr>
+          <a:xfrm flipV="1">
+            <a:off x="4677278" y="524021"/>
+            <a:ext cx="586715" cy="676424"/>
+          </a:xfrm>
+          <a:prstGeom prst="line">
+            <a:avLst/>
+          </a:prstGeom>
+        </p:spPr>
+        <p:style>
+          <a:lnRef idx="3">
+            <a:schemeClr val="dk1"/>
+          </a:lnRef>
+          <a:fillRef idx="0">
+            <a:schemeClr val="dk1"/>
+          </a:fillRef>
+          <a:effectRef idx="2">
+            <a:schemeClr val="dk1"/>
+          </a:effectRef>
+          <a:fontRef idx="minor">
+            <a:schemeClr val="tx1"/>
+          </a:fontRef>
+        </p:style>
+      </p:cxnSp>
+      <p:cxnSp>
+        <p:nvCxnSpPr>
+          <p:cNvPr id="65" name="Straight Connector 64"/>
+          <p:cNvCxnSpPr>
+            <a:cxnSpLocks/>
+            <a:endCxn id="15" idx="1"/>
+          </p:cNvCxnSpPr>
+          <p:nvPr/>
+        </p:nvCxnSpPr>
+        <p:spPr>
+          <a:xfrm flipV="1">
+            <a:off x="4632327" y="524021"/>
+            <a:ext cx="631666" cy="1209824"/>
+          </a:xfrm>
+          <a:prstGeom prst="line">
+            <a:avLst/>
+          </a:prstGeom>
+        </p:spPr>
+        <p:style>
+          <a:lnRef idx="3">
+            <a:schemeClr val="dk1"/>
+          </a:lnRef>
+          <a:fillRef idx="0">
+            <a:schemeClr val="dk1"/>
+          </a:fillRef>
+          <a:effectRef idx="2">
+            <a:schemeClr val="dk1"/>
+          </a:effectRef>
+          <a:fontRef idx="minor">
+            <a:schemeClr val="tx1"/>
+          </a:fontRef>
+        </p:style>
+      </p:cxnSp>
+      <p:sp>
+        <p:nvSpPr>
+          <p:cNvPr id="165" name="Rectangle 164">
+            <a:extLst>
+              <a:ext uri="{FF2B5EF4-FFF2-40B4-BE49-F238E27FC236}">
+                <a16:creationId xmlns:a16="http://schemas.microsoft.com/office/drawing/2014/main" id="{873D891C-DB54-4B31-A120-4D7B80185D32}"/>
+              </a:ext>
+            </a:extLst>
+          </p:cNvPr>
+          <p:cNvSpPr/>
+          <p:nvPr/>
+        </p:nvSpPr>
+        <p:spPr>
+          <a:xfrm>
+            <a:off x="6981190" y="829646"/>
+            <a:ext cx="469900" cy="1295400"/>
+          </a:xfrm>
+          <a:prstGeom prst="rect">
+            <a:avLst/>
+          </a:prstGeom>
+          <a:solidFill>
+            <a:schemeClr val="bg1">
+              <a:lumMod val="50000"/>
+            </a:schemeClr>
+          </a:solidFill>
+        </p:spPr>
+        <p:style>
+          <a:lnRef idx="2">
+            <a:schemeClr val="dk1"/>
+          </a:lnRef>
+          <a:fillRef idx="1">
+            <a:schemeClr val="lt1"/>
+          </a:fillRef>
+          <a:effectRef idx="0">
+            <a:schemeClr val="dk1"/>
+          </a:effectRef>
+          <a:fontRef idx="minor">
+            <a:schemeClr val="dk1"/>
+          </a:fontRef>
+        </p:style>
+        <p:txBody>
+          <a:bodyPr rtlCol="0" anchor="ctr"/>
+          <a:lstStyle/>
+          <a:p>
+            <a:pPr algn="ctr"/>
+            <a:endParaRPr lang="en-US" sz="2800"/>
+          </a:p>
+        </p:txBody>
+      </p:sp>
+      <p:sp>
+        <p:nvSpPr>
+          <p:cNvPr id="166" name="Rectangle 165">
+            <a:extLst>
+              <a:ext uri="{FF2B5EF4-FFF2-40B4-BE49-F238E27FC236}">
+                <a16:creationId xmlns:a16="http://schemas.microsoft.com/office/drawing/2014/main" id="{1BCF3061-E79A-4C04-9C77-4821C0093A87}"/>
+              </a:ext>
+            </a:extLst>
+          </p:cNvPr>
+          <p:cNvSpPr/>
+          <p:nvPr/>
+        </p:nvSpPr>
+        <p:spPr>
+          <a:xfrm>
+            <a:off x="7444740" y="829646"/>
+            <a:ext cx="2133600" cy="1295400"/>
+          </a:xfrm>
+          <a:prstGeom prst="rect">
+            <a:avLst/>
+          </a:prstGeom>
+        </p:spPr>
+        <p:style>
+          <a:lnRef idx="2">
+            <a:schemeClr val="dk1"/>
+          </a:lnRef>
+          <a:fillRef idx="1">
+            <a:schemeClr val="lt1"/>
+          </a:fillRef>
+          <a:effectRef idx="0">
+            <a:schemeClr val="dk1"/>
+          </a:effectRef>
+          <a:fontRef idx="minor">
+            <a:schemeClr val="dk1"/>
+          </a:fontRef>
+        </p:style>
+        <p:txBody>
+          <a:bodyPr rtlCol="0" anchor="ctr"/>
+          <a:lstStyle/>
+          <a:p>
+            <a:pPr algn="ctr"/>
+            <a:endParaRPr lang="en-US" sz="2800"/>
+          </a:p>
+        </p:txBody>
+      </p:sp>
+      <p:grpSp>
+        <p:nvGrpSpPr>
+          <p:cNvPr id="168" name="Group 167">
+            <a:extLst>
+              <a:ext uri="{FF2B5EF4-FFF2-40B4-BE49-F238E27FC236}">
+                <a16:creationId xmlns:a16="http://schemas.microsoft.com/office/drawing/2014/main" id="{19852D97-2B38-4E6A-BFED-8DCA3DA84327}"/>
+              </a:ext>
+            </a:extLst>
+          </p:cNvPr>
+          <p:cNvGrpSpPr/>
+          <p:nvPr/>
+        </p:nvGrpSpPr>
+        <p:grpSpPr>
+          <a:xfrm>
+            <a:off x="7663026" y="1058246"/>
+            <a:ext cx="1679575" cy="838200"/>
+            <a:chOff x="419100" y="2679700"/>
+            <a:chExt cx="1679575" cy="838200"/>
+          </a:xfrm>
+          <a:solidFill>
+            <a:schemeClr val="accent2">
+              <a:lumMod val="75000"/>
+            </a:schemeClr>
+          </a:solidFill>
+        </p:grpSpPr>
+        <p:sp>
+          <p:nvSpPr>
+            <p:cNvPr id="169" name="Rectangle 168">
+              <a:extLst>
+                <a:ext uri="{FF2B5EF4-FFF2-40B4-BE49-F238E27FC236}">
+                  <a16:creationId xmlns:a16="http://schemas.microsoft.com/office/drawing/2014/main" id="{7BD490D0-B799-4A8E-9A3A-81AFBA02053D}"/>
+                </a:ext>
+              </a:extLst>
+            </p:cNvPr>
+            <p:cNvSpPr/>
+            <p:nvPr/>
+          </p:nvSpPr>
+          <p:spPr>
+            <a:xfrm>
+              <a:off x="419100" y="2679700"/>
+              <a:ext cx="279400" cy="304800"/>
+            </a:xfrm>
+            <a:prstGeom prst="rect">
+              <a:avLst/>
+            </a:prstGeom>
+            <a:grpFill/>
+          </p:spPr>
+          <p:style>
+            <a:lnRef idx="2">
+              <a:schemeClr val="accent1">
+                <a:shade val="50000"/>
+              </a:schemeClr>
+            </a:lnRef>
+            <a:fillRef idx="1">
+              <a:schemeClr val="accent1"/>
+            </a:fillRef>
+            <a:effectRef idx="0">
+              <a:schemeClr val="accent1"/>
+            </a:effectRef>
+            <a:fontRef idx="minor">
+              <a:schemeClr val="lt1"/>
+            </a:fontRef>
+          </p:style>
+          <p:txBody>
+            <a:bodyPr rtlCol="0" anchor="ctr"/>
+            <a:lstStyle/>
+            <a:p>
+              <a:pPr algn="ctr"/>
+              <a:endParaRPr lang="en-US" sz="2800"/>
+            </a:p>
+          </p:txBody>
+        </p:sp>
+        <p:sp>
+          <p:nvSpPr>
+            <p:cNvPr id="170" name="Rectangle 169">
+              <a:extLst>
+                <a:ext uri="{FF2B5EF4-FFF2-40B4-BE49-F238E27FC236}">
+                  <a16:creationId xmlns:a16="http://schemas.microsoft.com/office/drawing/2014/main" id="{6043F0AC-808F-4D92-B118-687011B59886}"/>
+                </a:ext>
+              </a:extLst>
+            </p:cNvPr>
+            <p:cNvSpPr/>
+            <p:nvPr/>
+          </p:nvSpPr>
+          <p:spPr>
+            <a:xfrm>
+              <a:off x="419100" y="3213100"/>
+              <a:ext cx="279400" cy="304800"/>
+            </a:xfrm>
+            <a:prstGeom prst="rect">
+              <a:avLst/>
+            </a:prstGeom>
+            <a:grpFill/>
+          </p:spPr>
+          <p:style>
+            <a:lnRef idx="2">
+              <a:schemeClr val="accent1">
+                <a:shade val="50000"/>
+              </a:schemeClr>
+            </a:lnRef>
+            <a:fillRef idx="1">
+              <a:schemeClr val="accent1"/>
+            </a:fillRef>
+            <a:effectRef idx="0">
+              <a:schemeClr val="accent1"/>
+            </a:effectRef>
+            <a:fontRef idx="minor">
+              <a:schemeClr val="lt1"/>
+            </a:fontRef>
+          </p:style>
+          <p:txBody>
+            <a:bodyPr rtlCol="0" anchor="ctr"/>
+            <a:lstStyle/>
+            <a:p>
+              <a:pPr algn="ctr"/>
+              <a:endParaRPr lang="en-US" sz="2800"/>
+            </a:p>
+          </p:txBody>
+        </p:sp>
+        <p:sp>
+          <p:nvSpPr>
+            <p:cNvPr id="171" name="Rectangle 170">
+              <a:extLst>
+                <a:ext uri="{FF2B5EF4-FFF2-40B4-BE49-F238E27FC236}">
+                  <a16:creationId xmlns:a16="http://schemas.microsoft.com/office/drawing/2014/main" id="{07932075-8151-461D-9B98-EE3424EC49DA}"/>
+                </a:ext>
+              </a:extLst>
+            </p:cNvPr>
+            <p:cNvSpPr/>
+            <p:nvPr/>
+          </p:nvSpPr>
+          <p:spPr>
+            <a:xfrm>
+              <a:off x="876300" y="2679700"/>
+              <a:ext cx="279400" cy="304800"/>
+            </a:xfrm>
+            <a:prstGeom prst="rect">
+              <a:avLst/>
+            </a:prstGeom>
+            <a:grpFill/>
+          </p:spPr>
+          <p:style>
+            <a:lnRef idx="2">
+              <a:schemeClr val="accent1">
+                <a:shade val="50000"/>
+              </a:schemeClr>
+            </a:lnRef>
+            <a:fillRef idx="1">
+              <a:schemeClr val="accent1"/>
+            </a:fillRef>
+            <a:effectRef idx="0">
+              <a:schemeClr val="accent1"/>
+            </a:effectRef>
+            <a:fontRef idx="minor">
+              <a:schemeClr val="lt1"/>
+            </a:fontRef>
+          </p:style>
+          <p:txBody>
+            <a:bodyPr rtlCol="0" anchor="ctr"/>
+            <a:lstStyle/>
+            <a:p>
+              <a:pPr algn="ctr"/>
+              <a:endParaRPr lang="en-US" sz="2800"/>
+            </a:p>
+          </p:txBody>
+        </p:sp>
+        <p:sp>
+          <p:nvSpPr>
+            <p:cNvPr id="172" name="Rectangle 171">
+              <a:extLst>
+                <a:ext uri="{FF2B5EF4-FFF2-40B4-BE49-F238E27FC236}">
+                  <a16:creationId xmlns:a16="http://schemas.microsoft.com/office/drawing/2014/main" id="{E64A5EFF-CA0A-4315-94C6-26695A27A1E4}"/>
+                </a:ext>
+              </a:extLst>
+            </p:cNvPr>
+            <p:cNvSpPr/>
+            <p:nvPr/>
+          </p:nvSpPr>
+          <p:spPr>
+            <a:xfrm>
+              <a:off x="882649" y="3213100"/>
+              <a:ext cx="279400" cy="304800"/>
+            </a:xfrm>
+            <a:prstGeom prst="rect">
+              <a:avLst/>
+            </a:prstGeom>
+            <a:grpFill/>
+          </p:spPr>
+          <p:style>
+            <a:lnRef idx="2">
+              <a:schemeClr val="accent1">
+                <a:shade val="50000"/>
+              </a:schemeClr>
+            </a:lnRef>
+            <a:fillRef idx="1">
+              <a:schemeClr val="accent1"/>
+            </a:fillRef>
+            <a:effectRef idx="0">
+              <a:schemeClr val="accent1"/>
+            </a:effectRef>
+            <a:fontRef idx="minor">
+              <a:schemeClr val="lt1"/>
+            </a:fontRef>
+          </p:style>
+          <p:txBody>
+            <a:bodyPr rtlCol="0" anchor="ctr"/>
+            <a:lstStyle/>
+            <a:p>
+              <a:pPr algn="ctr"/>
+              <a:endParaRPr lang="en-US" sz="2800"/>
+            </a:p>
+          </p:txBody>
+        </p:sp>
+        <p:sp>
+          <p:nvSpPr>
+            <p:cNvPr id="173" name="Rectangle 172">
+              <a:extLst>
+                <a:ext uri="{FF2B5EF4-FFF2-40B4-BE49-F238E27FC236}">
+                  <a16:creationId xmlns:a16="http://schemas.microsoft.com/office/drawing/2014/main" id="{4DEDFFDB-E341-48B3-B0C7-5600E81BE70F}"/>
+                </a:ext>
+              </a:extLst>
+            </p:cNvPr>
+            <p:cNvSpPr/>
+            <p:nvPr/>
+          </p:nvSpPr>
+          <p:spPr>
+            <a:xfrm>
+              <a:off x="1355726" y="2679700"/>
+              <a:ext cx="279400" cy="304800"/>
+            </a:xfrm>
+            <a:prstGeom prst="rect">
+              <a:avLst/>
+            </a:prstGeom>
+            <a:grpFill/>
+          </p:spPr>
+          <p:style>
+            <a:lnRef idx="2">
+              <a:schemeClr val="accent1">
+                <a:shade val="50000"/>
+              </a:schemeClr>
+            </a:lnRef>
+            <a:fillRef idx="1">
+              <a:schemeClr val="accent1"/>
+            </a:fillRef>
+            <a:effectRef idx="0">
+              <a:schemeClr val="accent1"/>
+            </a:effectRef>
+            <a:fontRef idx="minor">
+              <a:schemeClr val="lt1"/>
+            </a:fontRef>
+          </p:style>
+          <p:txBody>
+            <a:bodyPr rtlCol="0" anchor="ctr"/>
+            <a:lstStyle/>
+            <a:p>
+              <a:pPr algn="ctr"/>
+              <a:endParaRPr lang="en-US" sz="2800"/>
+            </a:p>
+          </p:txBody>
+        </p:sp>
+        <p:sp>
+          <p:nvSpPr>
+            <p:cNvPr id="174" name="Rectangle 173">
+              <a:extLst>
+                <a:ext uri="{FF2B5EF4-FFF2-40B4-BE49-F238E27FC236}">
+                  <a16:creationId xmlns:a16="http://schemas.microsoft.com/office/drawing/2014/main" id="{6777E14A-1DBC-4ABB-9398-8C4DB463B453}"/>
+                </a:ext>
+              </a:extLst>
+            </p:cNvPr>
+            <p:cNvSpPr/>
+            <p:nvPr/>
+          </p:nvSpPr>
+          <p:spPr>
+            <a:xfrm>
+              <a:off x="1355726" y="3213100"/>
+              <a:ext cx="279400" cy="304800"/>
+            </a:xfrm>
+            <a:prstGeom prst="rect">
+              <a:avLst/>
+            </a:prstGeom>
+            <a:grpFill/>
+          </p:spPr>
+          <p:style>
+            <a:lnRef idx="2">
+              <a:schemeClr val="accent1">
+                <a:shade val="50000"/>
+              </a:schemeClr>
+            </a:lnRef>
+            <a:fillRef idx="1">
+              <a:schemeClr val="accent1"/>
+            </a:fillRef>
+            <a:effectRef idx="0">
+              <a:schemeClr val="accent1"/>
+            </a:effectRef>
+            <a:fontRef idx="minor">
+              <a:schemeClr val="lt1"/>
+            </a:fontRef>
+          </p:style>
+          <p:txBody>
+            <a:bodyPr rtlCol="0" anchor="ctr"/>
+            <a:lstStyle/>
+            <a:p>
+              <a:pPr algn="ctr"/>
+              <a:endParaRPr lang="en-US" sz="2800"/>
+            </a:p>
+          </p:txBody>
+        </p:sp>
+        <p:sp>
+          <p:nvSpPr>
+            <p:cNvPr id="175" name="Rectangle 174">
+              <a:extLst>
+                <a:ext uri="{FF2B5EF4-FFF2-40B4-BE49-F238E27FC236}">
+                  <a16:creationId xmlns:a16="http://schemas.microsoft.com/office/drawing/2014/main" id="{7BECFAB1-2A1F-4C05-9761-B2AE3532E370}"/>
+                </a:ext>
+              </a:extLst>
+            </p:cNvPr>
+            <p:cNvSpPr/>
+            <p:nvPr/>
+          </p:nvSpPr>
+          <p:spPr>
+            <a:xfrm>
+              <a:off x="1812926" y="2679700"/>
+              <a:ext cx="279400" cy="304800"/>
+            </a:xfrm>
+            <a:prstGeom prst="rect">
+              <a:avLst/>
+            </a:prstGeom>
+            <a:grpFill/>
+          </p:spPr>
+          <p:style>
+            <a:lnRef idx="2">
+              <a:schemeClr val="accent1">
+                <a:shade val="50000"/>
+              </a:schemeClr>
+            </a:lnRef>
+            <a:fillRef idx="1">
+              <a:schemeClr val="accent1"/>
+            </a:fillRef>
+            <a:effectRef idx="0">
+              <a:schemeClr val="accent1"/>
+            </a:effectRef>
+            <a:fontRef idx="minor">
+              <a:schemeClr val="lt1"/>
+            </a:fontRef>
+          </p:style>
+          <p:txBody>
+            <a:bodyPr rtlCol="0" anchor="ctr"/>
+            <a:lstStyle/>
+            <a:p>
+              <a:pPr algn="ctr"/>
+              <a:endParaRPr lang="en-US" sz="2800"/>
+            </a:p>
+          </p:txBody>
+        </p:sp>
+        <p:sp>
+          <p:nvSpPr>
+            <p:cNvPr id="176" name="Rectangle 175">
+              <a:extLst>
+                <a:ext uri="{FF2B5EF4-FFF2-40B4-BE49-F238E27FC236}">
+                  <a16:creationId xmlns:a16="http://schemas.microsoft.com/office/drawing/2014/main" id="{BF93E6BA-37C7-4AA4-8978-336D02867F14}"/>
+                </a:ext>
+              </a:extLst>
+            </p:cNvPr>
+            <p:cNvSpPr/>
+            <p:nvPr/>
+          </p:nvSpPr>
+          <p:spPr>
+            <a:xfrm>
+              <a:off x="1819275" y="3213100"/>
+              <a:ext cx="279400" cy="304800"/>
+            </a:xfrm>
+            <a:prstGeom prst="rect">
+              <a:avLst/>
+            </a:prstGeom>
+            <a:grpFill/>
+          </p:spPr>
+          <p:style>
+            <a:lnRef idx="2">
+              <a:schemeClr val="accent1">
+                <a:shade val="50000"/>
+              </a:schemeClr>
+            </a:lnRef>
+            <a:fillRef idx="1">
+              <a:schemeClr val="accent1"/>
+            </a:fillRef>
+            <a:effectRef idx="0">
+              <a:schemeClr val="accent1"/>
+            </a:effectRef>
+            <a:fontRef idx="minor">
+              <a:schemeClr val="lt1"/>
+            </a:fontRef>
+          </p:style>
+          <p:txBody>
+            <a:bodyPr rtlCol="0" anchor="ctr"/>
+            <a:lstStyle/>
+            <a:p>
+              <a:pPr algn="ctr"/>
+              <a:endParaRPr lang="en-US" sz="2800"/>
+            </a:p>
+          </p:txBody>
+        </p:sp>
+      </p:grpSp>
+      <p:sp>
+        <p:nvSpPr>
+          <p:cNvPr id="186" name="Rectangle 185">
+            <a:extLst>
+              <a:ext uri="{FF2B5EF4-FFF2-40B4-BE49-F238E27FC236}">
+                <a16:creationId xmlns:a16="http://schemas.microsoft.com/office/drawing/2014/main" id="{9D7D7498-2FC8-49CD-BBBF-624E43EF9289}"/>
+              </a:ext>
+            </a:extLst>
+          </p:cNvPr>
+          <p:cNvSpPr/>
+          <p:nvPr/>
+        </p:nvSpPr>
+        <p:spPr>
+          <a:xfrm>
+            <a:off x="7092316" y="1070946"/>
+            <a:ext cx="279400" cy="304800"/>
+          </a:xfrm>
+          <a:prstGeom prst="rect">
+            <a:avLst/>
+          </a:prstGeom>
+        </p:spPr>
+        <p:style>
+          <a:lnRef idx="2">
+            <a:schemeClr val="accent1">
+              <a:shade val="50000"/>
+            </a:schemeClr>
+          </a:lnRef>
+          <a:fillRef idx="1">
+            <a:schemeClr val="accent1"/>
+          </a:fillRef>
+          <a:effectRef idx="0">
+            <a:schemeClr val="accent1"/>
+          </a:effectRef>
+          <a:fontRef idx="minor">
+            <a:schemeClr val="lt1"/>
+          </a:fontRef>
+        </p:style>
+        <p:txBody>
+          <a:bodyPr rtlCol="0" anchor="ctr"/>
+          <a:lstStyle/>
+          <a:p>
+            <a:pPr algn="ctr"/>
+            <a:endParaRPr lang="en-US" sz="2800"/>
+          </a:p>
+        </p:txBody>
+      </p:sp>
+      <p:sp>
+        <p:nvSpPr>
+          <p:cNvPr id="187" name="Rectangle 186">
+            <a:extLst>
+              <a:ext uri="{FF2B5EF4-FFF2-40B4-BE49-F238E27FC236}">
+                <a16:creationId xmlns:a16="http://schemas.microsoft.com/office/drawing/2014/main" id="{EABE783B-3CE3-4665-AA87-2A752A516CBA}"/>
+              </a:ext>
+            </a:extLst>
+          </p:cNvPr>
+          <p:cNvSpPr/>
+          <p:nvPr/>
+        </p:nvSpPr>
+        <p:spPr>
+          <a:xfrm>
+            <a:off x="7092316" y="1604346"/>
+            <a:ext cx="279400" cy="304800"/>
+          </a:xfrm>
+          <a:prstGeom prst="rect">
+            <a:avLst/>
+          </a:prstGeom>
+        </p:spPr>
+        <p:style>
+          <a:lnRef idx="2">
+            <a:schemeClr val="accent1">
+              <a:shade val="50000"/>
+            </a:schemeClr>
+          </a:lnRef>
+          <a:fillRef idx="1">
+            <a:schemeClr val="accent1"/>
+          </a:fillRef>
+          <a:effectRef idx="0">
+            <a:schemeClr val="accent1"/>
+          </a:effectRef>
+          <a:fontRef idx="minor">
+            <a:schemeClr val="lt1"/>
+          </a:fontRef>
+        </p:style>
+        <p:txBody>
+          <a:bodyPr rtlCol="0" anchor="ctr"/>
+          <a:lstStyle/>
+          <a:p>
+            <a:pPr algn="ctr"/>
+            <a:endParaRPr lang="en-US" sz="2800"/>
+          </a:p>
+        </p:txBody>
+      </p:sp>
+      <p:cxnSp>
+        <p:nvCxnSpPr>
+          <p:cNvPr id="9" name="Straight Connector 8"/>
+          <p:cNvCxnSpPr>
+            <a:cxnSpLocks/>
+            <a:endCxn id="15" idx="3"/>
+          </p:cNvCxnSpPr>
+          <p:nvPr/>
+        </p:nvCxnSpPr>
+        <p:spPr>
+          <a:xfrm flipH="1" flipV="1">
+            <a:off x="6528589" y="524021"/>
+            <a:ext cx="695448" cy="695474"/>
+          </a:xfrm>
+          <a:prstGeom prst="line">
+            <a:avLst/>
+          </a:prstGeom>
+        </p:spPr>
+        <p:style>
+          <a:lnRef idx="3">
+            <a:schemeClr val="dk1"/>
+          </a:lnRef>
+          <a:fillRef idx="0">
+            <a:schemeClr val="dk1"/>
+          </a:fillRef>
+          <a:effectRef idx="2">
+            <a:schemeClr val="dk1"/>
+          </a:effectRef>
+          <a:fontRef idx="minor">
+            <a:schemeClr val="tx1"/>
+          </a:fontRef>
+        </p:style>
+      </p:cxnSp>
+      <p:cxnSp>
+        <p:nvCxnSpPr>
+          <p:cNvPr id="67" name="Straight Connector 66"/>
+          <p:cNvCxnSpPr>
+            <a:cxnSpLocks/>
+            <a:endCxn id="15" idx="3"/>
+          </p:cNvCxnSpPr>
+          <p:nvPr/>
+        </p:nvCxnSpPr>
+        <p:spPr>
+          <a:xfrm flipH="1" flipV="1">
+            <a:off x="6528589" y="524021"/>
+            <a:ext cx="698062" cy="1222524"/>
+          </a:xfrm>
+          <a:prstGeom prst="line">
+            <a:avLst/>
+          </a:prstGeom>
+        </p:spPr>
+        <p:style>
+          <a:lnRef idx="3">
+            <a:schemeClr val="dk1"/>
+          </a:lnRef>
+          <a:fillRef idx="0">
+            <a:schemeClr val="dk1"/>
+          </a:fillRef>
+          <a:effectRef idx="2">
+            <a:schemeClr val="dk1"/>
+          </a:effectRef>
+          <a:fontRef idx="minor">
+            <a:schemeClr val="tx1"/>
+          </a:fontRef>
+        </p:style>
+      </p:cxnSp>
+      <p:grpSp>
+        <p:nvGrpSpPr>
+          <p:cNvPr id="82" name="Group 81"/>
+          <p:cNvGrpSpPr/>
+          <p:nvPr/>
+        </p:nvGrpSpPr>
+        <p:grpSpPr>
+          <a:xfrm>
+            <a:off x="2411412" y="1263990"/>
+            <a:ext cx="1873376" cy="1909423"/>
+            <a:chOff x="2563812" y="2832100"/>
+            <a:chExt cx="1873376" cy="545000"/>
+          </a:xfrm>
+        </p:grpSpPr>
+        <p:sp>
+          <p:nvSpPr>
+            <p:cNvPr id="76" name="Arc 75"/>
+            <p:cNvSpPr/>
+            <p:nvPr/>
+          </p:nvSpPr>
+          <p:spPr>
+            <a:xfrm>
+              <a:off x="2563812" y="2833900"/>
+              <a:ext cx="485576" cy="533400"/>
+            </a:xfrm>
+            <a:prstGeom prst="arc">
+              <a:avLst>
+                <a:gd name="adj1" fmla="val 16200000"/>
+                <a:gd name="adj2" fmla="val 5147086"/>
+              </a:avLst>
+            </a:prstGeom>
+          </p:spPr>
+          <p:style>
+            <a:lnRef idx="3">
+              <a:schemeClr val="dk1"/>
+            </a:lnRef>
+            <a:fillRef idx="0">
+              <a:schemeClr val="dk1"/>
+            </a:fillRef>
+            <a:effectRef idx="2">
+              <a:schemeClr val="dk1"/>
+            </a:effectRef>
+            <a:fontRef idx="minor">
+              <a:schemeClr val="tx1"/>
+            </a:fontRef>
+          </p:style>
+          <p:txBody>
+            <a:bodyPr rtlCol="0" anchor="ctr"/>
+            <a:lstStyle/>
+            <a:p>
+              <a:pPr algn="ctr"/>
+              <a:endParaRPr lang="en-US" sz="2800"/>
+            </a:p>
+          </p:txBody>
+        </p:sp>
+        <p:sp>
+          <p:nvSpPr>
+            <p:cNvPr id="77" name="Arc 76"/>
+            <p:cNvSpPr/>
+            <p:nvPr/>
+          </p:nvSpPr>
+          <p:spPr>
+            <a:xfrm>
+              <a:off x="2995611" y="2832100"/>
+              <a:ext cx="517808" cy="533400"/>
+            </a:xfrm>
+            <a:prstGeom prst="arc">
+              <a:avLst>
+                <a:gd name="adj1" fmla="val 16200000"/>
+                <a:gd name="adj2" fmla="val 5147086"/>
+              </a:avLst>
+            </a:prstGeom>
+          </p:spPr>
+          <p:style>
+            <a:lnRef idx="3">
+              <a:schemeClr val="dk1"/>
+            </a:lnRef>
+            <a:fillRef idx="0">
+              <a:schemeClr val="dk1"/>
+            </a:fillRef>
+            <a:effectRef idx="2">
+              <a:schemeClr val="dk1"/>
+            </a:effectRef>
+            <a:fontRef idx="minor">
+              <a:schemeClr val="tx1"/>
+            </a:fontRef>
+          </p:style>
+          <p:txBody>
+            <a:bodyPr rtlCol="0" anchor="ctr"/>
+            <a:lstStyle/>
+            <a:p>
+              <a:pPr algn="ctr"/>
+              <a:endParaRPr lang="en-US" sz="2800"/>
+            </a:p>
+          </p:txBody>
+        </p:sp>
+        <p:sp>
+          <p:nvSpPr>
+            <p:cNvPr id="78" name="Arc 77"/>
+            <p:cNvSpPr/>
+            <p:nvPr/>
+          </p:nvSpPr>
+          <p:spPr>
+            <a:xfrm>
+              <a:off x="3495038" y="2838450"/>
+              <a:ext cx="475581" cy="533400"/>
+            </a:xfrm>
+            <a:prstGeom prst="arc">
+              <a:avLst>
+                <a:gd name="adj1" fmla="val 16200000"/>
+                <a:gd name="adj2" fmla="val 5147086"/>
+              </a:avLst>
+            </a:prstGeom>
+          </p:spPr>
+          <p:style>
+            <a:lnRef idx="3">
+              <a:schemeClr val="dk1"/>
+            </a:lnRef>
+            <a:fillRef idx="0">
+              <a:schemeClr val="dk1"/>
+            </a:fillRef>
+            <a:effectRef idx="2">
+              <a:schemeClr val="dk1"/>
+            </a:effectRef>
+            <a:fontRef idx="minor">
+              <a:schemeClr val="tx1"/>
+            </a:fontRef>
+          </p:style>
+          <p:txBody>
+            <a:bodyPr rtlCol="0" anchor="ctr"/>
+            <a:lstStyle/>
+            <a:p>
+              <a:pPr algn="ctr"/>
+              <a:endParaRPr lang="en-US" sz="2800"/>
+            </a:p>
+          </p:txBody>
+        </p:sp>
+        <p:sp>
+          <p:nvSpPr>
+            <p:cNvPr id="79" name="Arc 78"/>
+            <p:cNvSpPr/>
+            <p:nvPr/>
+          </p:nvSpPr>
+          <p:spPr>
+            <a:xfrm>
+              <a:off x="3935411" y="2843700"/>
+              <a:ext cx="501777" cy="533400"/>
+            </a:xfrm>
+            <a:prstGeom prst="arc">
+              <a:avLst>
+                <a:gd name="adj1" fmla="val 16200000"/>
+                <a:gd name="adj2" fmla="val 5147086"/>
+              </a:avLst>
+            </a:prstGeom>
+          </p:spPr>
+          <p:style>
+            <a:lnRef idx="3">
+              <a:schemeClr val="dk1"/>
+            </a:lnRef>
+            <a:fillRef idx="0">
+              <a:schemeClr val="dk1"/>
+            </a:fillRef>
+            <a:effectRef idx="2">
+              <a:schemeClr val="dk1"/>
+            </a:effectRef>
+            <a:fontRef idx="minor">
+              <a:schemeClr val="tx1"/>
+            </a:fontRef>
+          </p:style>
+          <p:txBody>
+            <a:bodyPr rtlCol="0" anchor="ctr"/>
+            <a:lstStyle/>
+            <a:p>
+              <a:pPr algn="ctr"/>
+              <a:endParaRPr lang="en-US" sz="2800" dirty="0"/>
+            </a:p>
+          </p:txBody>
+        </p:sp>
+      </p:grpSp>
+      <p:grpSp>
+        <p:nvGrpSpPr>
+          <p:cNvPr id="193" name="Group 192">
+            <a:extLst>
+              <a:ext uri="{FF2B5EF4-FFF2-40B4-BE49-F238E27FC236}">
+                <a16:creationId xmlns:a16="http://schemas.microsoft.com/office/drawing/2014/main" id="{3455CF03-3B1D-4DEF-9256-ADF8431C754F}"/>
+              </a:ext>
+            </a:extLst>
+          </p:cNvPr>
+          <p:cNvGrpSpPr/>
+          <p:nvPr/>
+        </p:nvGrpSpPr>
+        <p:grpSpPr>
+          <a:xfrm>
+            <a:off x="6984051" y="4378026"/>
+            <a:ext cx="4758813" cy="1422400"/>
+            <a:chOff x="268288" y="4584700"/>
+            <a:chExt cx="2141538" cy="1739900"/>
+          </a:xfrm>
+        </p:grpSpPr>
+        <p:sp>
+          <p:nvSpPr>
+            <p:cNvPr id="194" name="Rectangle 193">
+              <a:extLst>
+                <a:ext uri="{FF2B5EF4-FFF2-40B4-BE49-F238E27FC236}">
+                  <a16:creationId xmlns:a16="http://schemas.microsoft.com/office/drawing/2014/main" id="{76A9E9AD-55DC-45CE-B505-32738BE2E970}"/>
+                </a:ext>
+              </a:extLst>
+            </p:cNvPr>
+            <p:cNvSpPr/>
+            <p:nvPr/>
+          </p:nvSpPr>
+          <p:spPr>
+            <a:xfrm>
+              <a:off x="268288" y="4584700"/>
+              <a:ext cx="2141538" cy="1739900"/>
+            </a:xfrm>
+            <a:prstGeom prst="rect">
+              <a:avLst/>
+            </a:prstGeom>
+            <a:solidFill>
+              <a:schemeClr val="bg1"/>
+            </a:solidFill>
+            <a:ln>
+              <a:prstDash val="dashDot"/>
+            </a:ln>
+          </p:spPr>
+          <p:style>
+            <a:lnRef idx="2">
+              <a:schemeClr val="accent1">
+                <a:shade val="50000"/>
+              </a:schemeClr>
+            </a:lnRef>
+            <a:fillRef idx="1">
+              <a:schemeClr val="accent1"/>
+            </a:fillRef>
+            <a:effectRef idx="0">
+              <a:schemeClr val="accent1"/>
+            </a:effectRef>
+            <a:fontRef idx="minor">
+              <a:schemeClr val="lt1"/>
+            </a:fontRef>
+          </p:style>
+          <p:txBody>
+            <a:bodyPr rtlCol="0" anchor="ctr"/>
+            <a:lstStyle/>
+            <a:p>
+              <a:pPr algn="ctr"/>
+              <a:endParaRPr lang="en-US" sz="2800"/>
+            </a:p>
+          </p:txBody>
+        </p:sp>
+        <p:sp>
+          <p:nvSpPr>
+            <p:cNvPr id="195" name="Rectangle 194">
+              <a:extLst>
+                <a:ext uri="{FF2B5EF4-FFF2-40B4-BE49-F238E27FC236}">
+                  <a16:creationId xmlns:a16="http://schemas.microsoft.com/office/drawing/2014/main" id="{4F3924B0-A2D1-4F40-8E81-CF35953D9A4E}"/>
+                </a:ext>
+              </a:extLst>
+            </p:cNvPr>
+            <p:cNvSpPr/>
+            <p:nvPr/>
+          </p:nvSpPr>
+          <p:spPr>
+            <a:xfrm>
+              <a:off x="276224" y="4800600"/>
+              <a:ext cx="1219202" cy="292100"/>
+            </a:xfrm>
+            <a:prstGeom prst="rect">
+              <a:avLst/>
+            </a:prstGeom>
+          </p:spPr>
+          <p:style>
+            <a:lnRef idx="2">
+              <a:schemeClr val="accent1">
+                <a:shade val="50000"/>
+              </a:schemeClr>
+            </a:lnRef>
+            <a:fillRef idx="1">
+              <a:schemeClr val="accent1"/>
+            </a:fillRef>
+            <a:effectRef idx="0">
+              <a:schemeClr val="accent1"/>
+            </a:effectRef>
+            <a:fontRef idx="minor">
+              <a:schemeClr val="lt1"/>
+            </a:fontRef>
+          </p:style>
+          <p:txBody>
+            <a:bodyPr rtlCol="0" anchor="ctr"/>
+            <a:lstStyle/>
+            <a:p>
+              <a:pPr algn="ctr"/>
+              <a:endParaRPr lang="en-US" sz="2800"/>
+            </a:p>
+          </p:txBody>
+        </p:sp>
+        <p:sp>
+          <p:nvSpPr>
+            <p:cNvPr id="196" name="Rectangle 195">
+              <a:extLst>
+                <a:ext uri="{FF2B5EF4-FFF2-40B4-BE49-F238E27FC236}">
+                  <a16:creationId xmlns:a16="http://schemas.microsoft.com/office/drawing/2014/main" id="{2F4E06E7-0171-44BB-8E70-94A18093CAE1}"/>
+                </a:ext>
+              </a:extLst>
+            </p:cNvPr>
+            <p:cNvSpPr/>
+            <p:nvPr/>
+          </p:nvSpPr>
+          <p:spPr>
+            <a:xfrm>
+              <a:off x="428624" y="4953000"/>
+              <a:ext cx="1219202" cy="292100"/>
+            </a:xfrm>
+            <a:prstGeom prst="rect">
+              <a:avLst/>
+            </a:prstGeom>
+          </p:spPr>
+          <p:style>
+            <a:lnRef idx="2">
+              <a:schemeClr val="accent1">
+                <a:shade val="50000"/>
+              </a:schemeClr>
+            </a:lnRef>
+            <a:fillRef idx="1">
+              <a:schemeClr val="accent1"/>
+            </a:fillRef>
+            <a:effectRef idx="0">
+              <a:schemeClr val="accent1"/>
+            </a:effectRef>
+            <a:fontRef idx="minor">
+              <a:schemeClr val="lt1"/>
+            </a:fontRef>
+          </p:style>
+          <p:txBody>
+            <a:bodyPr rtlCol="0" anchor="ctr"/>
+            <a:lstStyle/>
+            <a:p>
+              <a:pPr algn="ctr"/>
+              <a:endParaRPr lang="en-US" sz="2800"/>
+            </a:p>
+          </p:txBody>
+        </p:sp>
+        <p:sp>
+          <p:nvSpPr>
+            <p:cNvPr id="197" name="Rectangle 196">
+              <a:extLst>
+                <a:ext uri="{FF2B5EF4-FFF2-40B4-BE49-F238E27FC236}">
+                  <a16:creationId xmlns:a16="http://schemas.microsoft.com/office/drawing/2014/main" id="{81002B71-C96D-490F-B7FD-6B24E834071C}"/>
+                </a:ext>
+              </a:extLst>
+            </p:cNvPr>
+            <p:cNvSpPr/>
+            <p:nvPr/>
+          </p:nvSpPr>
+          <p:spPr>
+            <a:xfrm>
+              <a:off x="581024" y="5105400"/>
+              <a:ext cx="1219202" cy="292100"/>
+            </a:xfrm>
+            <a:prstGeom prst="rect">
+              <a:avLst/>
+            </a:prstGeom>
+          </p:spPr>
+          <p:style>
+            <a:lnRef idx="2">
+              <a:schemeClr val="accent1">
+                <a:shade val="50000"/>
+              </a:schemeClr>
+            </a:lnRef>
+            <a:fillRef idx="1">
+              <a:schemeClr val="accent1"/>
+            </a:fillRef>
+            <a:effectRef idx="0">
+              <a:schemeClr val="accent1"/>
+            </a:effectRef>
+            <a:fontRef idx="minor">
+              <a:schemeClr val="lt1"/>
+            </a:fontRef>
+          </p:style>
+          <p:txBody>
+            <a:bodyPr rtlCol="0" anchor="ctr"/>
+            <a:lstStyle/>
+            <a:p>
+              <a:pPr algn="ctr"/>
+              <a:endParaRPr lang="en-US" sz="2800"/>
+            </a:p>
+          </p:txBody>
+        </p:sp>
+        <p:sp>
+          <p:nvSpPr>
+            <p:cNvPr id="198" name="Rectangle 197">
+              <a:extLst>
+                <a:ext uri="{FF2B5EF4-FFF2-40B4-BE49-F238E27FC236}">
+                  <a16:creationId xmlns:a16="http://schemas.microsoft.com/office/drawing/2014/main" id="{EA790F59-A0FF-46D7-B700-75E8F2024D32}"/>
+                </a:ext>
+              </a:extLst>
+            </p:cNvPr>
+            <p:cNvSpPr/>
+            <p:nvPr/>
+          </p:nvSpPr>
+          <p:spPr>
+            <a:xfrm>
+              <a:off x="733424" y="5257800"/>
+              <a:ext cx="1219202" cy="292100"/>
+            </a:xfrm>
+            <a:prstGeom prst="rect">
+              <a:avLst/>
+            </a:prstGeom>
+          </p:spPr>
+          <p:style>
+            <a:lnRef idx="2">
+              <a:schemeClr val="accent1">
+                <a:shade val="50000"/>
+              </a:schemeClr>
+            </a:lnRef>
+            <a:fillRef idx="1">
+              <a:schemeClr val="accent1"/>
+            </a:fillRef>
+            <a:effectRef idx="0">
+              <a:schemeClr val="accent1"/>
+            </a:effectRef>
+            <a:fontRef idx="minor">
+              <a:schemeClr val="lt1"/>
+            </a:fontRef>
+          </p:style>
+          <p:txBody>
+            <a:bodyPr rtlCol="0" anchor="ctr"/>
+            <a:lstStyle/>
+            <a:p>
+              <a:pPr algn="ctr"/>
+              <a:endParaRPr lang="en-US" sz="2800"/>
+            </a:p>
+          </p:txBody>
+        </p:sp>
+        <p:sp>
+          <p:nvSpPr>
+            <p:cNvPr id="199" name="Rectangle 198">
+              <a:extLst>
+                <a:ext uri="{FF2B5EF4-FFF2-40B4-BE49-F238E27FC236}">
+                  <a16:creationId xmlns:a16="http://schemas.microsoft.com/office/drawing/2014/main" id="{901573FF-BAB2-4837-9C13-7B216E255812}"/>
+                </a:ext>
+              </a:extLst>
+            </p:cNvPr>
+            <p:cNvSpPr/>
+            <p:nvPr/>
+          </p:nvSpPr>
+          <p:spPr>
+            <a:xfrm>
+              <a:off x="885824" y="5410200"/>
+              <a:ext cx="1219202" cy="292100"/>
+            </a:xfrm>
+            <a:prstGeom prst="rect">
+              <a:avLst/>
+            </a:prstGeom>
+          </p:spPr>
+          <p:style>
+            <a:lnRef idx="2">
+              <a:schemeClr val="accent1">
+                <a:shade val="50000"/>
+              </a:schemeClr>
+            </a:lnRef>
+            <a:fillRef idx="1">
+              <a:schemeClr val="accent1"/>
+            </a:fillRef>
+            <a:effectRef idx="0">
+              <a:schemeClr val="accent1"/>
+            </a:effectRef>
+            <a:fontRef idx="minor">
+              <a:schemeClr val="lt1"/>
+            </a:fontRef>
+          </p:style>
+          <p:txBody>
+            <a:bodyPr rtlCol="0" anchor="ctr"/>
+            <a:lstStyle/>
+            <a:p>
+              <a:pPr algn="ctr"/>
+              <a:endParaRPr lang="en-US" sz="2800"/>
+            </a:p>
+          </p:txBody>
+        </p:sp>
+        <p:sp>
+          <p:nvSpPr>
+            <p:cNvPr id="200" name="Rectangle 199">
+              <a:extLst>
+                <a:ext uri="{FF2B5EF4-FFF2-40B4-BE49-F238E27FC236}">
+                  <a16:creationId xmlns:a16="http://schemas.microsoft.com/office/drawing/2014/main" id="{3BCC7A8A-8AB1-4EC9-9727-E87802DD46E0}"/>
+                </a:ext>
+              </a:extLst>
+            </p:cNvPr>
+            <p:cNvSpPr/>
+            <p:nvPr/>
+          </p:nvSpPr>
+          <p:spPr>
+            <a:xfrm>
+              <a:off x="1038224" y="5562600"/>
+              <a:ext cx="1219202" cy="292100"/>
+            </a:xfrm>
+            <a:prstGeom prst="rect">
+              <a:avLst/>
+            </a:prstGeom>
+          </p:spPr>
+          <p:style>
+            <a:lnRef idx="2">
+              <a:schemeClr val="accent1">
+                <a:shade val="50000"/>
+              </a:schemeClr>
+            </a:lnRef>
+            <a:fillRef idx="1">
+              <a:schemeClr val="accent1"/>
+            </a:fillRef>
+            <a:effectRef idx="0">
+              <a:schemeClr val="accent1"/>
+            </a:effectRef>
+            <a:fontRef idx="minor">
+              <a:schemeClr val="lt1"/>
+            </a:fontRef>
+          </p:style>
+          <p:txBody>
+            <a:bodyPr rtlCol="0" anchor="ctr"/>
+            <a:lstStyle/>
+            <a:p>
+              <a:pPr algn="ctr"/>
+              <a:endParaRPr lang="en-US" sz="2800"/>
+            </a:p>
+          </p:txBody>
+        </p:sp>
+        <p:sp>
+          <p:nvSpPr>
+            <p:cNvPr id="201" name="Rectangle 200">
+              <a:extLst>
+                <a:ext uri="{FF2B5EF4-FFF2-40B4-BE49-F238E27FC236}">
+                  <a16:creationId xmlns:a16="http://schemas.microsoft.com/office/drawing/2014/main" id="{7E494517-56D7-4E8E-8D62-5DD26DFCEC83}"/>
+                </a:ext>
+              </a:extLst>
+            </p:cNvPr>
+            <p:cNvSpPr/>
+            <p:nvPr/>
+          </p:nvSpPr>
+          <p:spPr>
+            <a:xfrm>
+              <a:off x="1190624" y="5715000"/>
+              <a:ext cx="1219202" cy="292100"/>
+            </a:xfrm>
+            <a:prstGeom prst="rect">
+              <a:avLst/>
+            </a:prstGeom>
+          </p:spPr>
+          <p:style>
+            <a:lnRef idx="2">
+              <a:schemeClr val="accent1">
+                <a:shade val="50000"/>
+              </a:schemeClr>
+            </a:lnRef>
+            <a:fillRef idx="1">
+              <a:schemeClr val="accent1"/>
+            </a:fillRef>
+            <a:effectRef idx="0">
+              <a:schemeClr val="accent1"/>
+            </a:effectRef>
+            <a:fontRef idx="minor">
+              <a:schemeClr val="lt1"/>
+            </a:fontRef>
+          </p:style>
+          <p:txBody>
+            <a:bodyPr rtlCol="0" anchor="ctr"/>
+            <a:lstStyle/>
+            <a:p>
+              <a:pPr algn="ctr"/>
+              <a:endParaRPr lang="en-US" sz="2800"/>
+            </a:p>
+          </p:txBody>
+        </p:sp>
+      </p:grpSp>
+      <p:sp>
+        <p:nvSpPr>
+          <p:cNvPr id="202" name="TextBox 201">
+            <a:extLst>
+              <a:ext uri="{FF2B5EF4-FFF2-40B4-BE49-F238E27FC236}">
+                <a16:creationId xmlns:a16="http://schemas.microsoft.com/office/drawing/2014/main" id="{C78E1779-B154-4FEE-89F6-AA8D49B3AD14}"/>
+              </a:ext>
+            </a:extLst>
+          </p:cNvPr>
+          <p:cNvSpPr txBox="1"/>
+          <p:nvPr/>
+        </p:nvSpPr>
+        <p:spPr>
+          <a:xfrm>
+            <a:off x="8867847" y="345884"/>
+            <a:ext cx="3134191" cy="584775"/>
+          </a:xfrm>
+          <a:prstGeom prst="rect">
+            <a:avLst/>
+          </a:prstGeom>
+          <a:noFill/>
+        </p:spPr>
+        <p:txBody>
+          <a:bodyPr wrap="none" rtlCol="0">
+            <a:spAutoFit/>
+          </a:bodyPr>
+          <a:lstStyle/>
+          <a:p>
+            <a:r>
+              <a:rPr lang="en-US" sz="3200" dirty="0" err="1"/>
+              <a:t>ToR</a:t>
+            </a:r>
+            <a:r>
+              <a:rPr lang="en-US" sz="3200" dirty="0"/>
+              <a:t> SDN Switch N</a:t>
+            </a:r>
+          </a:p>
+        </p:txBody>
+      </p:sp>
+      <p:sp>
+        <p:nvSpPr>
+          <p:cNvPr id="12" name="Rectangle 11">
+            <a:extLst>
+              <a:ext uri="{FF2B5EF4-FFF2-40B4-BE49-F238E27FC236}">
+                <a16:creationId xmlns:a16="http://schemas.microsoft.com/office/drawing/2014/main" id="{3AD1AFB7-40CD-4168-AE5A-08ADE7B48D7F}"/>
+              </a:ext>
+            </a:extLst>
+          </p:cNvPr>
+          <p:cNvSpPr/>
+          <p:nvPr/>
+        </p:nvSpPr>
+        <p:spPr>
+          <a:xfrm>
+            <a:off x="8830015" y="5563853"/>
+            <a:ext cx="1604927" cy="707886"/>
+          </a:xfrm>
+          <a:prstGeom prst="rect">
+            <a:avLst/>
+          </a:prstGeom>
+        </p:spPr>
+        <p:txBody>
+          <a:bodyPr wrap="none">
+            <a:spAutoFit/>
+          </a:bodyPr>
+          <a:lstStyle/>
+          <a:p>
+            <a:r>
+              <a:rPr lang="en-US" sz="4000" dirty="0"/>
+              <a:t>Rack N</a:t>
+            </a:r>
+          </a:p>
+        </p:txBody>
+      </p:sp>
+      <p:grpSp>
+        <p:nvGrpSpPr>
+          <p:cNvPr id="153" name="Group 152">
+            <a:extLst>
+              <a:ext uri="{FF2B5EF4-FFF2-40B4-BE49-F238E27FC236}">
+                <a16:creationId xmlns:a16="http://schemas.microsoft.com/office/drawing/2014/main" id="{02DDC74E-29A5-4BFA-AD54-F9990C49F3E1}"/>
+              </a:ext>
+            </a:extLst>
+          </p:cNvPr>
+          <p:cNvGrpSpPr/>
+          <p:nvPr/>
+        </p:nvGrpSpPr>
+        <p:grpSpPr>
+          <a:xfrm>
+            <a:off x="7576813" y="1770925"/>
+            <a:ext cx="1795462" cy="853225"/>
+            <a:chOff x="2614612" y="2819400"/>
+            <a:chExt cx="1795462" cy="552450"/>
+          </a:xfrm>
+        </p:grpSpPr>
+        <p:sp>
+          <p:nvSpPr>
+            <p:cNvPr id="154" name="Arc 153">
+              <a:extLst>
+                <a:ext uri="{FF2B5EF4-FFF2-40B4-BE49-F238E27FC236}">
+                  <a16:creationId xmlns:a16="http://schemas.microsoft.com/office/drawing/2014/main" id="{B63BE4EE-75AB-4713-83D4-EB318010C755}"/>
+                </a:ext>
+              </a:extLst>
+            </p:cNvPr>
+            <p:cNvSpPr/>
+            <p:nvPr/>
+          </p:nvSpPr>
+          <p:spPr>
+            <a:xfrm>
+              <a:off x="2614612" y="2819400"/>
+              <a:ext cx="423863" cy="533400"/>
+            </a:xfrm>
+            <a:prstGeom prst="arc">
+              <a:avLst>
+                <a:gd name="adj1" fmla="val 16200000"/>
+                <a:gd name="adj2" fmla="val 5211714"/>
+              </a:avLst>
+            </a:prstGeom>
+          </p:spPr>
+          <p:style>
+            <a:lnRef idx="3">
+              <a:schemeClr val="dk1"/>
+            </a:lnRef>
+            <a:fillRef idx="0">
+              <a:schemeClr val="dk1"/>
+            </a:fillRef>
+            <a:effectRef idx="2">
+              <a:schemeClr val="dk1"/>
+            </a:effectRef>
+            <a:fontRef idx="minor">
+              <a:schemeClr val="tx1"/>
+            </a:fontRef>
+          </p:style>
+          <p:txBody>
+            <a:bodyPr rtlCol="0" anchor="ctr"/>
+            <a:lstStyle/>
+            <a:p>
+              <a:pPr algn="ctr"/>
+              <a:endParaRPr lang="en-US" sz="2800"/>
+            </a:p>
+          </p:txBody>
+        </p:sp>
+        <p:sp>
+          <p:nvSpPr>
+            <p:cNvPr id="155" name="Arc 154">
+              <a:extLst>
+                <a:ext uri="{FF2B5EF4-FFF2-40B4-BE49-F238E27FC236}">
+                  <a16:creationId xmlns:a16="http://schemas.microsoft.com/office/drawing/2014/main" id="{674D6AA7-61C9-440D-B947-6866685C7B03}"/>
+                </a:ext>
+              </a:extLst>
+            </p:cNvPr>
+            <p:cNvSpPr/>
+            <p:nvPr/>
+          </p:nvSpPr>
+          <p:spPr>
+            <a:xfrm>
+              <a:off x="3046411" y="2832100"/>
+              <a:ext cx="423863" cy="533400"/>
+            </a:xfrm>
+            <a:prstGeom prst="arc">
+              <a:avLst>
+                <a:gd name="adj1" fmla="val 16200000"/>
+                <a:gd name="adj2" fmla="val 5147086"/>
+              </a:avLst>
+            </a:prstGeom>
+          </p:spPr>
+          <p:style>
+            <a:lnRef idx="3">
+              <a:schemeClr val="dk1"/>
+            </a:lnRef>
+            <a:fillRef idx="0">
+              <a:schemeClr val="dk1"/>
+            </a:fillRef>
+            <a:effectRef idx="2">
+              <a:schemeClr val="dk1"/>
+            </a:effectRef>
+            <a:fontRef idx="minor">
+              <a:schemeClr val="tx1"/>
+            </a:fontRef>
+          </p:style>
+          <p:txBody>
+            <a:bodyPr rtlCol="0" anchor="ctr"/>
+            <a:lstStyle/>
+            <a:p>
+              <a:pPr algn="ctr"/>
+              <a:endParaRPr lang="en-US" sz="2800"/>
+            </a:p>
+          </p:txBody>
+        </p:sp>
+        <p:sp>
+          <p:nvSpPr>
+            <p:cNvPr id="156" name="Arc 155">
+              <a:extLst>
+                <a:ext uri="{FF2B5EF4-FFF2-40B4-BE49-F238E27FC236}">
+                  <a16:creationId xmlns:a16="http://schemas.microsoft.com/office/drawing/2014/main" id="{5BDF5B3B-0C8C-4067-AE7E-BA9C480DFDC1}"/>
+                </a:ext>
+              </a:extLst>
+            </p:cNvPr>
+            <p:cNvSpPr/>
+            <p:nvPr/>
+          </p:nvSpPr>
+          <p:spPr>
+            <a:xfrm>
+              <a:off x="3555998" y="2838450"/>
+              <a:ext cx="423863" cy="533400"/>
+            </a:xfrm>
+            <a:prstGeom prst="arc">
+              <a:avLst>
+                <a:gd name="adj1" fmla="val 16200000"/>
+                <a:gd name="adj2" fmla="val 5147086"/>
+              </a:avLst>
+            </a:prstGeom>
+          </p:spPr>
+          <p:style>
+            <a:lnRef idx="3">
+              <a:schemeClr val="dk1"/>
+            </a:lnRef>
+            <a:fillRef idx="0">
+              <a:schemeClr val="dk1"/>
+            </a:fillRef>
+            <a:effectRef idx="2">
+              <a:schemeClr val="dk1"/>
+            </a:effectRef>
+            <a:fontRef idx="minor">
+              <a:schemeClr val="tx1"/>
+            </a:fontRef>
+          </p:style>
+          <p:txBody>
+            <a:bodyPr rtlCol="0" anchor="ctr"/>
+            <a:lstStyle/>
+            <a:p>
+              <a:pPr algn="ctr"/>
+              <a:endParaRPr lang="en-US" sz="2800"/>
+            </a:p>
+          </p:txBody>
+        </p:sp>
+        <p:sp>
+          <p:nvSpPr>
+            <p:cNvPr id="157" name="Arc 156">
+              <a:extLst>
+                <a:ext uri="{FF2B5EF4-FFF2-40B4-BE49-F238E27FC236}">
+                  <a16:creationId xmlns:a16="http://schemas.microsoft.com/office/drawing/2014/main" id="{8518EAC7-5166-4E89-85AC-5F1DBD4274C1}"/>
+                </a:ext>
+              </a:extLst>
+            </p:cNvPr>
+            <p:cNvSpPr/>
+            <p:nvPr/>
+          </p:nvSpPr>
+          <p:spPr>
+            <a:xfrm>
+              <a:off x="3986211" y="2832100"/>
+              <a:ext cx="423863" cy="533400"/>
+            </a:xfrm>
+            <a:prstGeom prst="arc">
+              <a:avLst>
+                <a:gd name="adj1" fmla="val 16200000"/>
+                <a:gd name="adj2" fmla="val 5147086"/>
+              </a:avLst>
+            </a:prstGeom>
+          </p:spPr>
+          <p:style>
+            <a:lnRef idx="3">
+              <a:schemeClr val="dk1"/>
+            </a:lnRef>
+            <a:fillRef idx="0">
+              <a:schemeClr val="dk1"/>
+            </a:fillRef>
+            <a:effectRef idx="2">
+              <a:schemeClr val="dk1"/>
+            </a:effectRef>
+            <a:fontRef idx="minor">
+              <a:schemeClr val="tx1"/>
+            </a:fontRef>
+          </p:style>
+          <p:txBody>
+            <a:bodyPr rtlCol="0" anchor="ctr"/>
+            <a:lstStyle/>
+            <a:p>
+              <a:pPr algn="ctr"/>
+              <a:endParaRPr lang="en-US" sz="2800"/>
+            </a:p>
+          </p:txBody>
+        </p:sp>
+      </p:grpSp>
+      <p:grpSp>
+        <p:nvGrpSpPr>
+          <p:cNvPr id="158" name="Group 157">
+            <a:extLst>
+              <a:ext uri="{FF2B5EF4-FFF2-40B4-BE49-F238E27FC236}">
+                <a16:creationId xmlns:a16="http://schemas.microsoft.com/office/drawing/2014/main" id="{1E55BC94-11F7-4B7D-AC21-8CF68BA1D2A3}"/>
+              </a:ext>
+            </a:extLst>
+          </p:cNvPr>
+          <p:cNvGrpSpPr/>
+          <p:nvPr/>
+        </p:nvGrpSpPr>
+        <p:grpSpPr>
+          <a:xfrm>
+            <a:off x="7599264" y="1266078"/>
+            <a:ext cx="1873376" cy="1909423"/>
+            <a:chOff x="2563812" y="2832100"/>
+            <a:chExt cx="1873376" cy="545000"/>
+          </a:xfrm>
+        </p:grpSpPr>
+        <p:sp>
+          <p:nvSpPr>
+            <p:cNvPr id="159" name="Arc 158">
+              <a:extLst>
+                <a:ext uri="{FF2B5EF4-FFF2-40B4-BE49-F238E27FC236}">
+                  <a16:creationId xmlns:a16="http://schemas.microsoft.com/office/drawing/2014/main" id="{247D8C8B-79AC-4912-A87F-C88F8DBD784B}"/>
+                </a:ext>
+              </a:extLst>
+            </p:cNvPr>
+            <p:cNvSpPr/>
+            <p:nvPr/>
+          </p:nvSpPr>
+          <p:spPr>
+            <a:xfrm>
+              <a:off x="2563812" y="2833900"/>
+              <a:ext cx="485576" cy="533400"/>
+            </a:xfrm>
+            <a:prstGeom prst="arc">
+              <a:avLst>
+                <a:gd name="adj1" fmla="val 16200000"/>
+                <a:gd name="adj2" fmla="val 5147086"/>
+              </a:avLst>
+            </a:prstGeom>
+          </p:spPr>
+          <p:style>
+            <a:lnRef idx="3">
+              <a:schemeClr val="dk1"/>
+            </a:lnRef>
+            <a:fillRef idx="0">
+              <a:schemeClr val="dk1"/>
+            </a:fillRef>
+            <a:effectRef idx="2">
+              <a:schemeClr val="dk1"/>
+            </a:effectRef>
+            <a:fontRef idx="minor">
+              <a:schemeClr val="tx1"/>
+            </a:fontRef>
+          </p:style>
+          <p:txBody>
+            <a:bodyPr rtlCol="0" anchor="ctr"/>
+            <a:lstStyle/>
+            <a:p>
+              <a:pPr algn="ctr"/>
+              <a:endParaRPr lang="en-US" sz="2800"/>
+            </a:p>
+          </p:txBody>
+        </p:sp>
+        <p:sp>
+          <p:nvSpPr>
+            <p:cNvPr id="160" name="Arc 159">
+              <a:extLst>
+                <a:ext uri="{FF2B5EF4-FFF2-40B4-BE49-F238E27FC236}">
+                  <a16:creationId xmlns:a16="http://schemas.microsoft.com/office/drawing/2014/main" id="{3F4A8287-D7CE-4B25-A0C7-7A1FAEBEF7DD}"/>
+                </a:ext>
+              </a:extLst>
+            </p:cNvPr>
+            <p:cNvSpPr/>
+            <p:nvPr/>
+          </p:nvSpPr>
+          <p:spPr>
+            <a:xfrm>
+              <a:off x="2995611" y="2832100"/>
+              <a:ext cx="517808" cy="533400"/>
+            </a:xfrm>
+            <a:prstGeom prst="arc">
+              <a:avLst>
+                <a:gd name="adj1" fmla="val 16200000"/>
+                <a:gd name="adj2" fmla="val 5147086"/>
+              </a:avLst>
+            </a:prstGeom>
+          </p:spPr>
+          <p:style>
+            <a:lnRef idx="3">
+              <a:schemeClr val="dk1"/>
+            </a:lnRef>
+            <a:fillRef idx="0">
+              <a:schemeClr val="dk1"/>
+            </a:fillRef>
+            <a:effectRef idx="2">
+              <a:schemeClr val="dk1"/>
+            </a:effectRef>
+            <a:fontRef idx="minor">
+              <a:schemeClr val="tx1"/>
+            </a:fontRef>
+          </p:style>
+          <p:txBody>
+            <a:bodyPr rtlCol="0" anchor="ctr"/>
+            <a:lstStyle/>
+            <a:p>
+              <a:pPr algn="ctr"/>
+              <a:endParaRPr lang="en-US" sz="2800"/>
+            </a:p>
+          </p:txBody>
+        </p:sp>
+        <p:sp>
+          <p:nvSpPr>
+            <p:cNvPr id="161" name="Arc 160">
+              <a:extLst>
+                <a:ext uri="{FF2B5EF4-FFF2-40B4-BE49-F238E27FC236}">
+                  <a16:creationId xmlns:a16="http://schemas.microsoft.com/office/drawing/2014/main" id="{6BDA35D4-CBE1-4340-9F23-9B196D125A5D}"/>
+                </a:ext>
+              </a:extLst>
+            </p:cNvPr>
+            <p:cNvSpPr/>
+            <p:nvPr/>
+          </p:nvSpPr>
+          <p:spPr>
+            <a:xfrm>
+              <a:off x="3495038" y="2838450"/>
+              <a:ext cx="475581" cy="533400"/>
+            </a:xfrm>
+            <a:prstGeom prst="arc">
+              <a:avLst>
+                <a:gd name="adj1" fmla="val 16200000"/>
+                <a:gd name="adj2" fmla="val 5147086"/>
+              </a:avLst>
+            </a:prstGeom>
+          </p:spPr>
+          <p:style>
+            <a:lnRef idx="3">
+              <a:schemeClr val="dk1"/>
+            </a:lnRef>
+            <a:fillRef idx="0">
+              <a:schemeClr val="dk1"/>
+            </a:fillRef>
+            <a:effectRef idx="2">
+              <a:schemeClr val="dk1"/>
+            </a:effectRef>
+            <a:fontRef idx="minor">
+              <a:schemeClr val="tx1"/>
+            </a:fontRef>
+          </p:style>
+          <p:txBody>
+            <a:bodyPr rtlCol="0" anchor="ctr"/>
+            <a:lstStyle/>
+            <a:p>
+              <a:pPr algn="ctr"/>
+              <a:endParaRPr lang="en-US" sz="2800"/>
+            </a:p>
+          </p:txBody>
+        </p:sp>
+        <p:sp>
+          <p:nvSpPr>
+            <p:cNvPr id="164" name="Arc 163">
+              <a:extLst>
+                <a:ext uri="{FF2B5EF4-FFF2-40B4-BE49-F238E27FC236}">
+                  <a16:creationId xmlns:a16="http://schemas.microsoft.com/office/drawing/2014/main" id="{1950F07E-35D6-4B2B-9DB2-95BB74A458E4}"/>
+                </a:ext>
+              </a:extLst>
+            </p:cNvPr>
+            <p:cNvSpPr/>
+            <p:nvPr/>
+          </p:nvSpPr>
+          <p:spPr>
+            <a:xfrm>
+              <a:off x="3935411" y="2843700"/>
+              <a:ext cx="501777" cy="533400"/>
+            </a:xfrm>
+            <a:prstGeom prst="arc">
+              <a:avLst>
+                <a:gd name="adj1" fmla="val 16200000"/>
+                <a:gd name="adj2" fmla="val 5147086"/>
+              </a:avLst>
+            </a:prstGeom>
+          </p:spPr>
+          <p:style>
+            <a:lnRef idx="3">
+              <a:schemeClr val="dk1"/>
+            </a:lnRef>
+            <a:fillRef idx="0">
+              <a:schemeClr val="dk1"/>
+            </a:fillRef>
+            <a:effectRef idx="2">
+              <a:schemeClr val="dk1"/>
+            </a:effectRef>
+            <a:fontRef idx="minor">
+              <a:schemeClr val="tx1"/>
+            </a:fontRef>
+          </p:style>
+          <p:txBody>
+            <a:bodyPr rtlCol="0" anchor="ctr"/>
+            <a:lstStyle/>
+            <a:p>
+              <a:pPr algn="ctr"/>
+              <a:endParaRPr lang="en-US" sz="2800" dirty="0"/>
+            </a:p>
+          </p:txBody>
+        </p:sp>
+      </p:grpSp>
+    </p:spTree>
+    <p:extLst>
+      <p:ext uri="{BB962C8B-B14F-4D97-AF65-F5344CB8AC3E}">
+        <p14:creationId xmlns:p14="http://schemas.microsoft.com/office/powerpoint/2010/main" val="663627156"/>
+      </p:ext>
+    </p:extLst>
+  </p:cSld>
+  <p:clrMapOvr>
+    <a:masterClrMapping/>
+  </p:clrMapOvr>
+</p:sld>
+</file>
+
 <file path=ppt/theme/theme1.xml><?xml version="1.0" encoding="utf-8"?>
 <a:theme xmlns:a="http://schemas.openxmlformats.org/drawingml/2006/main" name="Office Theme">
   <a:themeElements>
-    <a:clrScheme name="Office">
+    <a:clrScheme name="Office Theme">
       <a:dk1>
         <a:sysClr val="windowText" lastClr="000000"/>
       </a:dk1>
@@ -6602,7 +12446,7 @@
         <a:srgbClr val="E7E6E6"/>
       </a:lt2>
       <a:accent1>
-        <a:srgbClr val="5B9BD5"/>
+        <a:srgbClr val="4472C4"/>
       </a:accent1>
       <a:accent2>
         <a:srgbClr val="ED7D31"/>
@@ -6614,7 +12458,7 @@
         <a:srgbClr val="FFC000"/>
       </a:accent4>
       <a:accent5>
-        <a:srgbClr val="4472C4"/>
+        <a:srgbClr val="5B9BD5"/>
       </a:accent5>
       <a:accent6>
         <a:srgbClr val="70AD47"/>
@@ -6626,14 +12470,14 @@
         <a:srgbClr val="954F72"/>
       </a:folHlink>
     </a:clrScheme>
-    <a:fontScheme name="Office">
+    <a:fontScheme name="Office Theme">
       <a:majorFont>
         <a:latin typeface="Calibri Light" panose="020F0302020204030204"/>
         <a:ea typeface=""/>
         <a:cs typeface=""/>
-        <a:font script="Jpan" typeface="ＭＳ Ｐゴシック"/>
+        <a:font script="Jpan" typeface="游ゴシック Light"/>
         <a:font script="Hang" typeface="맑은 고딕"/>
-        <a:font script="Hans" typeface="宋体"/>
+        <a:font script="Hans" typeface="等线 Light"/>
         <a:font script="Hant" typeface="新細明體"/>
         <a:font script="Arab" typeface="Times New Roman"/>
         <a:font script="Hebr" typeface="Times New Roman"/>
@@ -6666,9 +12510,9 @@
         <a:latin typeface="Calibri" panose="020F0502020204030204"/>
         <a:ea typeface=""/>
         <a:cs typeface=""/>
-        <a:font script="Jpan" typeface="ＭＳ Ｐゴシック"/>
+        <a:font script="Jpan" typeface="游ゴシック"/>
         <a:font script="Hang" typeface="맑은 고딕"/>
-        <a:font script="Hans" typeface="宋体"/>
+        <a:font script="Hans" typeface="等线"/>
         <a:font script="Hant" typeface="新細明體"/>
         <a:font script="Arab" typeface="Arial"/>
         <a:font script="Hebr" typeface="Arial"/>
@@ -6698,7 +12542,7 @@
         <a:font script="Geor" typeface="Sylfaen"/>
       </a:minorFont>
     </a:fontScheme>
-    <a:fmtScheme name="Office">
+    <a:fmtScheme name="Office Theme">
       <a:fillStyleLst>
         <a:solidFill>
           <a:schemeClr val="phClr"/>
